--- a/proyecto_final/Presentacion proyecto_final.pptx
+++ b/proyecto_final/Presentacion proyecto_final.pptx
@@ -4,19 +4,19 @@
   <p:sldMasterIdLst>
     <p:sldMasterId id="2147483648" r:id="rId1"/>
     <p:sldMasterId id="2147483661" r:id="rId2"/>
+    <p:sldMasterId id="2147483674" r:id="rId3"/>
   </p:sldMasterIdLst>
   <p:notesMasterIdLst>
-    <p:notesMasterId r:id="rId18"/>
+    <p:notesMasterId r:id="rId19"/>
   </p:notesMasterIdLst>
   <p:sldIdLst>
-    <p:sldId id="256" r:id="rId3"/>
-    <p:sldId id="257" r:id="rId4"/>
-    <p:sldId id="258" r:id="rId5"/>
-    <p:sldId id="271" r:id="rId6"/>
-    <p:sldId id="260" r:id="rId7"/>
-    <p:sldId id="261" r:id="rId8"/>
-    <p:sldId id="262" r:id="rId9"/>
-    <p:sldId id="270" r:id="rId10"/>
+    <p:sldId id="256" r:id="rId4"/>
+    <p:sldId id="257" r:id="rId5"/>
+    <p:sldId id="258" r:id="rId6"/>
+    <p:sldId id="259" r:id="rId7"/>
+    <p:sldId id="260" r:id="rId8"/>
+    <p:sldId id="261" r:id="rId9"/>
+    <p:sldId id="262" r:id="rId10"/>
     <p:sldId id="263" r:id="rId11"/>
     <p:sldId id="264" r:id="rId12"/>
     <p:sldId id="265" r:id="rId13"/>
@@ -24,6 +24,7 @@
     <p:sldId id="267" r:id="rId15"/>
     <p:sldId id="268" r:id="rId16"/>
     <p:sldId id="269" r:id="rId17"/>
+    <p:sldId id="270" r:id="rId18"/>
   </p:sldIdLst>
   <p:sldSz cx="12192000" cy="6858000"/>
   <p:notesSz cx="6858000" cy="9144000"/>
@@ -149,7 +150,7 @@
       </p:grpSpPr>
       <p:sp>
         <p:nvSpPr>
-          <p:cNvPr id="82" name="PlaceHolder 1"/>
+          <p:cNvPr id="114" name="PlaceHolder 1"/>
           <p:cNvSpPr>
             <a:spLocks noGrp="1" noRot="1" noChangeAspect="1"/>
           </p:cNvSpPr>
@@ -181,7 +182,7 @@
                 <a:solidFill>
                   <a:srgbClr val="000000"/>
                 </a:solidFill>
-                <a:latin typeface="Calibri"/>
+                <a:latin typeface="Arial"/>
               </a:rPr>
               <a:t>Pulse para desplazar la diapositiva</a:t>
             </a:r>
@@ -190,7 +191,7 @@
       </p:sp>
       <p:sp>
         <p:nvSpPr>
-          <p:cNvPr id="83" name="PlaceHolder 2"/>
+          <p:cNvPr id="115" name="PlaceHolder 2"/>
           <p:cNvSpPr>
             <a:spLocks noGrp="1"/>
           </p:cNvSpPr>
@@ -228,7 +229,7 @@
       </p:sp>
       <p:sp>
         <p:nvSpPr>
-          <p:cNvPr id="84" name="PlaceHolder 3"/>
+          <p:cNvPr id="116" name="PlaceHolder 3"/>
           <p:cNvSpPr>
             <a:spLocks noGrp="1"/>
           </p:cNvSpPr>
@@ -266,7 +267,7 @@
       </p:sp>
       <p:sp>
         <p:nvSpPr>
-          <p:cNvPr id="85" name="PlaceHolder 4"/>
+          <p:cNvPr id="117" name="PlaceHolder 4"/>
           <p:cNvSpPr>
             <a:spLocks noGrp="1"/>
           </p:cNvSpPr>
@@ -305,7 +306,7 @@
       </p:sp>
       <p:sp>
         <p:nvSpPr>
-          <p:cNvPr id="86" name="PlaceHolder 5"/>
+          <p:cNvPr id="118" name="PlaceHolder 5"/>
           <p:cNvSpPr>
             <a:spLocks noGrp="1"/>
           </p:cNvSpPr>
@@ -343,7 +344,7 @@
       </p:sp>
       <p:sp>
         <p:nvSpPr>
-          <p:cNvPr id="87" name="PlaceHolder 6"/>
+          <p:cNvPr id="119" name="PlaceHolder 6"/>
           <p:cNvSpPr>
             <a:spLocks noGrp="1"/>
           </p:cNvSpPr>
@@ -371,7 +372,7 @@
           <a:lstStyle/>
           <a:p>
             <a:pPr algn="r"/>
-            <a:fld id="{2578B80A-DD4E-472F-A8FC-78604B5E0129}" type="slidenum">
+            <a:fld id="{AB7BE823-2A4B-4245-87E4-A578C1AE5E98}" type="slidenum">
               <a:rPr lang="es-AR" sz="1400" b="0" strike="noStrike" spc="-1">
                 <a:latin typeface="Times New Roman"/>
               </a:rPr>
@@ -500,7 +501,7 @@
       </p:grpSpPr>
       <p:sp>
         <p:nvSpPr>
-          <p:cNvPr id="128" name="PlaceHolder 1"/>
+          <p:cNvPr id="161" name="PlaceHolder 1"/>
           <p:cNvSpPr>
             <a:spLocks noGrp="1" noRot="1" noChangeAspect="1"/>
           </p:cNvSpPr>
@@ -511,19 +512,19 @@
         <p:spPr>
           <a:xfrm>
             <a:off x="685800" y="1143000"/>
-            <a:ext cx="5486400" cy="3086100"/>
-          </a:xfrm>
-          <a:prstGeom prst="rect">
-            <a:avLst/>
-          </a:prstGeom>
-          <a:ln w="0">
-            <a:noFill/>
-          </a:ln>
-        </p:spPr>
-      </p:sp>
-      <p:sp>
-        <p:nvSpPr>
-          <p:cNvPr id="129" name="PlaceHolder 2"/>
+            <a:ext cx="5486040" cy="3085920"/>
+          </a:xfrm>
+          <a:prstGeom prst="rect">
+            <a:avLst/>
+          </a:prstGeom>
+          <a:ln w="0">
+            <a:noFill/>
+          </a:ln>
+        </p:spPr>
+      </p:sp>
+      <p:sp>
+        <p:nvSpPr>
+          <p:cNvPr id="162" name="PlaceHolder 2"/>
           <p:cNvSpPr>
             <a:spLocks noGrp="1"/>
           </p:cNvSpPr>
@@ -534,18 +535,18 @@
         <p:spPr>
           <a:xfrm>
             <a:off x="685800" y="4400640"/>
-            <a:ext cx="5486040" cy="3600000"/>
-          </a:xfrm>
-          <a:prstGeom prst="rect">
-            <a:avLst/>
-          </a:prstGeom>
-          <a:noFill/>
-          <a:ln w="0">
-            <a:noFill/>
-          </a:ln>
-        </p:spPr>
-        <p:txBody>
-          <a:bodyPr anchor="t">
+            <a:ext cx="5485680" cy="3599640"/>
+          </a:xfrm>
+          <a:prstGeom prst="rect">
+            <a:avLst/>
+          </a:prstGeom>
+          <a:noFill/>
+          <a:ln w="0">
+            <a:noFill/>
+          </a:ln>
+        </p:spPr>
+        <p:txBody>
+          <a:bodyPr lIns="0" tIns="0" rIns="0" bIns="0" anchor="t">
             <a:noAutofit/>
           </a:bodyPr>
           <a:lstStyle/>
@@ -558,7 +559,7 @@
       </p:sp>
       <p:sp>
         <p:nvSpPr>
-          <p:cNvPr id="130" name="PlaceHolder 3"/>
+          <p:cNvPr id="163" name="PlaceHolder 3"/>
           <p:cNvSpPr>
             <a:spLocks noGrp="1"/>
           </p:cNvSpPr>
@@ -569,18 +570,18 @@
         <p:spPr>
           <a:xfrm>
             <a:off x="3884760" y="8685360"/>
-            <a:ext cx="2971440" cy="458280"/>
-          </a:xfrm>
-          <a:prstGeom prst="rect">
-            <a:avLst/>
-          </a:prstGeom>
-          <a:noFill/>
-          <a:ln w="0">
-            <a:noFill/>
-          </a:ln>
-        </p:spPr>
-        <p:txBody>
-          <a:bodyPr anchor="b">
+            <a:ext cx="2971080" cy="457920"/>
+          </a:xfrm>
+          <a:prstGeom prst="rect">
+            <a:avLst/>
+          </a:prstGeom>
+          <a:noFill/>
+          <a:ln w="0">
+            <a:noFill/>
+          </a:ln>
+        </p:spPr>
+        <p:txBody>
+          <a:bodyPr lIns="0" tIns="0" rIns="0" bIns="0" anchor="b">
             <a:noAutofit/>
           </a:bodyPr>
           <a:lstStyle/>
@@ -590,9 +591,13 @@
                 <a:spcPct val="100000"/>
               </a:lnSpc>
             </a:pPr>
-            <a:fld id="{B37129C9-1348-4A21-B58D-C2C6B0DE4180}" type="slidenum">
+            <a:fld id="{2EE3F5D9-802F-4A04-AB16-1D983FE7469A}" type="slidenum">
               <a:rPr lang="es-AR" sz="1200" b="0" strike="noStrike" spc="-1">
+                <a:solidFill>
+                  <a:srgbClr val="000000"/>
+                </a:solidFill>
                 <a:latin typeface="Times New Roman"/>
+                <a:ea typeface="+mn-ea"/>
               </a:rPr>
               <a:t>2</a:t>
             </a:fld>
@@ -629,7 +634,7 @@
       </p:grpSpPr>
       <p:sp>
         <p:nvSpPr>
-          <p:cNvPr id="2" name="Marcador de imagen de diapositiva 1"/>
+          <p:cNvPr id="164" name="PlaceHolder 1"/>
           <p:cNvSpPr>
             <a:spLocks noGrp="1" noRot="1" noChangeAspect="1"/>
           </p:cNvSpPr>
@@ -639,33 +644,55 @@
         </p:nvSpPr>
         <p:spPr>
           <a:xfrm>
-            <a:off x="217488" y="812800"/>
-            <a:ext cx="7124700" cy="4008438"/>
-          </a:xfrm>
-        </p:spPr>
-      </p:sp>
-      <p:sp>
-        <p:nvSpPr>
-          <p:cNvPr id="3" name="Marcador de notas 2"/>
-          <p:cNvSpPr>
-            <a:spLocks noGrp="1"/>
-          </p:cNvSpPr>
-          <p:nvPr>
-            <p:ph type="body" idx="1"/>
-          </p:nvPr>
-        </p:nvSpPr>
-        <p:spPr/>
-        <p:txBody>
-          <a:bodyPr/>
-          <a:lstStyle/>
-          <a:p>
-            <a:endParaRPr lang="es-AR" dirty="0"/>
-          </a:p>
-        </p:txBody>
-      </p:sp>
-      <p:sp>
-        <p:nvSpPr>
-          <p:cNvPr id="4" name="Marcador de número de diapositiva 3"/>
+            <a:off x="217440" y="812880"/>
+            <a:ext cx="7124400" cy="4008240"/>
+          </a:xfrm>
+          <a:prstGeom prst="rect">
+            <a:avLst/>
+          </a:prstGeom>
+          <a:ln w="0">
+            <a:noFill/>
+          </a:ln>
+        </p:spPr>
+      </p:sp>
+      <p:sp>
+        <p:nvSpPr>
+          <p:cNvPr id="165" name="PlaceHolder 2"/>
+          <p:cNvSpPr>
+            <a:spLocks noGrp="1"/>
+          </p:cNvSpPr>
+          <p:nvPr>
+            <p:ph type="body"/>
+          </p:nvPr>
+        </p:nvSpPr>
+        <p:spPr>
+          <a:xfrm>
+            <a:off x="756000" y="5078520"/>
+            <a:ext cx="6047280" cy="4810680"/>
+          </a:xfrm>
+          <a:prstGeom prst="rect">
+            <a:avLst/>
+          </a:prstGeom>
+          <a:noFill/>
+          <a:ln w="0">
+            <a:noFill/>
+          </a:ln>
+        </p:spPr>
+        <p:txBody>
+          <a:bodyPr lIns="0" tIns="0" rIns="0" bIns="0" anchor="t">
+            <a:noAutofit/>
+          </a:bodyPr>
+          <a:lstStyle/>
+          <a:p>
+            <a:endParaRPr lang="es-AR" sz="2000" b="0" strike="noStrike" spc="-1">
+              <a:latin typeface="Arial"/>
+            </a:endParaRPr>
+          </a:p>
+        </p:txBody>
+      </p:sp>
+      <p:sp>
+        <p:nvSpPr>
+          <p:cNvPr id="166" name="PlaceHolder 3"/>
           <p:cNvSpPr>
             <a:spLocks noGrp="1"/>
           </p:cNvSpPr>
@@ -673,15 +700,37 @@
             <p:ph type="sldNum"/>
           </p:nvPr>
         </p:nvSpPr>
-        <p:spPr/>
-        <p:txBody>
-          <a:bodyPr/>
-          <a:lstStyle/>
-          <a:p>
-            <a:pPr algn="r"/>
-            <a:fld id="{2578B80A-DD4E-472F-A8FC-78604B5E0129}" type="slidenum">
-              <a:rPr lang="es-AR" sz="1400" b="0" strike="noStrike" spc="-1" smtClean="0">
+        <p:spPr>
+          <a:xfrm>
+            <a:off x="4278960" y="10157400"/>
+            <a:ext cx="3280320" cy="533880"/>
+          </a:xfrm>
+          <a:prstGeom prst="rect">
+            <a:avLst/>
+          </a:prstGeom>
+          <a:noFill/>
+          <a:ln w="0">
+            <a:noFill/>
+          </a:ln>
+        </p:spPr>
+        <p:txBody>
+          <a:bodyPr lIns="0" tIns="0" rIns="0" bIns="0" anchor="b">
+            <a:noAutofit/>
+          </a:bodyPr>
+          <a:lstStyle/>
+          <a:p>
+            <a:pPr algn="r">
+              <a:lnSpc>
+                <a:spcPct val="100000"/>
+              </a:lnSpc>
+            </a:pPr>
+            <a:fld id="{B9034FA5-5A00-476E-A4E1-DFB145A0F725}" type="slidenum">
+              <a:rPr lang="es-AR" sz="1400" b="0" strike="noStrike" spc="-1">
+                <a:solidFill>
+                  <a:srgbClr val="000000"/>
+                </a:solidFill>
                 <a:latin typeface="Times New Roman"/>
+                <a:ea typeface="+mn-ea"/>
               </a:rPr>
               <a:t>6</a:t>
             </a:fld>
@@ -692,11 +741,6 @@
         </p:txBody>
       </p:sp>
     </p:spTree>
-    <p:extLst>
-      <p:ext uri="{BB962C8B-B14F-4D97-AF65-F5344CB8AC3E}">
-        <p14:creationId xmlns:p14="http://schemas.microsoft.com/office/powerpoint/2010/main" val="2172289609"/>
-      </p:ext>
-    </p:extLst>
   </p:cSld>
   <p:clrMapOvr>
     <a:masterClrMapping/>
@@ -748,7 +792,7 @@
       </p:grpSpPr>
       <p:sp>
         <p:nvSpPr>
-          <p:cNvPr id="26" name="PlaceHolder 1"/>
+          <p:cNvPr id="23" name="PlaceHolder 1"/>
           <p:cNvSpPr>
             <a:spLocks noGrp="1"/>
           </p:cNvSpPr>
@@ -758,8 +802,8 @@
         </p:nvSpPr>
         <p:spPr>
           <a:xfrm>
-            <a:off x="838080" y="365040"/>
-            <a:ext cx="10515240" cy="1325160"/>
+            <a:off x="609480" y="273600"/>
+            <a:ext cx="10972440" cy="1144800"/>
           </a:xfrm>
           <a:prstGeom prst="rect">
             <a:avLst/>
@@ -779,14 +823,14 @@
               <a:solidFill>
                 <a:srgbClr val="000000"/>
               </a:solidFill>
-              <a:latin typeface="Calibri"/>
-            </a:endParaRPr>
-          </a:p>
-        </p:txBody>
-      </p:sp>
-      <p:sp>
-        <p:nvSpPr>
-          <p:cNvPr id="27" name="PlaceHolder 2"/>
+              <a:latin typeface="Arial"/>
+            </a:endParaRPr>
+          </a:p>
+        </p:txBody>
+      </p:sp>
+      <p:sp>
+        <p:nvSpPr>
+          <p:cNvPr id="24" name="PlaceHolder 2"/>
           <p:cNvSpPr>
             <a:spLocks noGrp="1"/>
           </p:cNvSpPr>
@@ -796,8 +840,8 @@
         </p:nvSpPr>
         <p:spPr>
           <a:xfrm>
-            <a:off x="838080" y="1825560"/>
-            <a:ext cx="10515240" cy="2075040"/>
+            <a:off x="609480" y="1604520"/>
+            <a:ext cx="10972440" cy="1896840"/>
           </a:xfrm>
           <a:prstGeom prst="rect">
             <a:avLst/>
@@ -817,14 +861,14 @@
               <a:solidFill>
                 <a:srgbClr val="000000"/>
               </a:solidFill>
-              <a:latin typeface="Calibri"/>
-            </a:endParaRPr>
-          </a:p>
-        </p:txBody>
-      </p:sp>
-      <p:sp>
-        <p:nvSpPr>
-          <p:cNvPr id="28" name="PlaceHolder 3"/>
+              <a:latin typeface="Arial"/>
+            </a:endParaRPr>
+          </a:p>
+        </p:txBody>
+      </p:sp>
+      <p:sp>
+        <p:nvSpPr>
+          <p:cNvPr id="25" name="PlaceHolder 3"/>
           <p:cNvSpPr>
             <a:spLocks noGrp="1"/>
           </p:cNvSpPr>
@@ -834,8 +878,8 @@
         </p:nvSpPr>
         <p:spPr>
           <a:xfrm>
-            <a:off x="838080" y="4098240"/>
-            <a:ext cx="10515240" cy="2075040"/>
+            <a:off x="609480" y="3682080"/>
+            <a:ext cx="10972440" cy="1896840"/>
           </a:xfrm>
           <a:prstGeom prst="rect">
             <a:avLst/>
@@ -855,7 +899,7 @@
               <a:solidFill>
                 <a:srgbClr val="000000"/>
               </a:solidFill>
-              <a:latin typeface="Calibri"/>
+              <a:latin typeface="Arial"/>
             </a:endParaRPr>
           </a:p>
         </p:txBody>
@@ -887,7 +931,7 @@
       </p:grpSpPr>
       <p:sp>
         <p:nvSpPr>
-          <p:cNvPr id="29" name="PlaceHolder 1"/>
+          <p:cNvPr id="26" name="PlaceHolder 1"/>
           <p:cNvSpPr>
             <a:spLocks noGrp="1"/>
           </p:cNvSpPr>
@@ -897,8 +941,8 @@
         </p:nvSpPr>
         <p:spPr>
           <a:xfrm>
-            <a:off x="838080" y="365040"/>
-            <a:ext cx="10515240" cy="1325160"/>
+            <a:off x="609480" y="273600"/>
+            <a:ext cx="10972440" cy="1144800"/>
           </a:xfrm>
           <a:prstGeom prst="rect">
             <a:avLst/>
@@ -918,14 +962,14 @@
               <a:solidFill>
                 <a:srgbClr val="000000"/>
               </a:solidFill>
-              <a:latin typeface="Calibri"/>
-            </a:endParaRPr>
-          </a:p>
-        </p:txBody>
-      </p:sp>
-      <p:sp>
-        <p:nvSpPr>
-          <p:cNvPr id="30" name="PlaceHolder 2"/>
+              <a:latin typeface="Arial"/>
+            </a:endParaRPr>
+          </a:p>
+        </p:txBody>
+      </p:sp>
+      <p:sp>
+        <p:nvSpPr>
+          <p:cNvPr id="27" name="PlaceHolder 2"/>
           <p:cNvSpPr>
             <a:spLocks noGrp="1"/>
           </p:cNvSpPr>
@@ -935,8 +979,8 @@
         </p:nvSpPr>
         <p:spPr>
           <a:xfrm>
-            <a:off x="838080" y="1825560"/>
-            <a:ext cx="5131080" cy="2075040"/>
+            <a:off x="609480" y="1604520"/>
+            <a:ext cx="5354280" cy="1896840"/>
           </a:xfrm>
           <a:prstGeom prst="rect">
             <a:avLst/>
@@ -956,14 +1000,14 @@
               <a:solidFill>
                 <a:srgbClr val="000000"/>
               </a:solidFill>
-              <a:latin typeface="Calibri"/>
-            </a:endParaRPr>
-          </a:p>
-        </p:txBody>
-      </p:sp>
-      <p:sp>
-        <p:nvSpPr>
-          <p:cNvPr id="31" name="PlaceHolder 3"/>
+              <a:latin typeface="Arial"/>
+            </a:endParaRPr>
+          </a:p>
+        </p:txBody>
+      </p:sp>
+      <p:sp>
+        <p:nvSpPr>
+          <p:cNvPr id="28" name="PlaceHolder 3"/>
           <p:cNvSpPr>
             <a:spLocks noGrp="1"/>
           </p:cNvSpPr>
@@ -973,8 +1017,8 @@
         </p:nvSpPr>
         <p:spPr>
           <a:xfrm>
-            <a:off x="6226200" y="1825560"/>
-            <a:ext cx="5131080" cy="2075040"/>
+            <a:off x="6231960" y="1604520"/>
+            <a:ext cx="5354280" cy="1896840"/>
           </a:xfrm>
           <a:prstGeom prst="rect">
             <a:avLst/>
@@ -994,14 +1038,14 @@
               <a:solidFill>
                 <a:srgbClr val="000000"/>
               </a:solidFill>
-              <a:latin typeface="Calibri"/>
-            </a:endParaRPr>
-          </a:p>
-        </p:txBody>
-      </p:sp>
-      <p:sp>
-        <p:nvSpPr>
-          <p:cNvPr id="32" name="PlaceHolder 4"/>
+              <a:latin typeface="Arial"/>
+            </a:endParaRPr>
+          </a:p>
+        </p:txBody>
+      </p:sp>
+      <p:sp>
+        <p:nvSpPr>
+          <p:cNvPr id="29" name="PlaceHolder 4"/>
           <p:cNvSpPr>
             <a:spLocks noGrp="1"/>
           </p:cNvSpPr>
@@ -1011,8 +1055,8 @@
         </p:nvSpPr>
         <p:spPr>
           <a:xfrm>
-            <a:off x="838080" y="4098240"/>
-            <a:ext cx="5131080" cy="2075040"/>
+            <a:off x="609480" y="3682080"/>
+            <a:ext cx="5354280" cy="1896840"/>
           </a:xfrm>
           <a:prstGeom prst="rect">
             <a:avLst/>
@@ -1032,14 +1076,14 @@
               <a:solidFill>
                 <a:srgbClr val="000000"/>
               </a:solidFill>
-              <a:latin typeface="Calibri"/>
-            </a:endParaRPr>
-          </a:p>
-        </p:txBody>
-      </p:sp>
-      <p:sp>
-        <p:nvSpPr>
-          <p:cNvPr id="33" name="PlaceHolder 5"/>
+              <a:latin typeface="Arial"/>
+            </a:endParaRPr>
+          </a:p>
+        </p:txBody>
+      </p:sp>
+      <p:sp>
+        <p:nvSpPr>
+          <p:cNvPr id="30" name="PlaceHolder 5"/>
           <p:cNvSpPr>
             <a:spLocks noGrp="1"/>
           </p:cNvSpPr>
@@ -1049,8 +1093,8 @@
         </p:nvSpPr>
         <p:spPr>
           <a:xfrm>
-            <a:off x="6226200" y="4098240"/>
-            <a:ext cx="5131080" cy="2075040"/>
+            <a:off x="6231960" y="3682080"/>
+            <a:ext cx="5354280" cy="1896840"/>
           </a:xfrm>
           <a:prstGeom prst="rect">
             <a:avLst/>
@@ -1070,7 +1114,7 @@
               <a:solidFill>
                 <a:srgbClr val="000000"/>
               </a:solidFill>
-              <a:latin typeface="Calibri"/>
+              <a:latin typeface="Arial"/>
             </a:endParaRPr>
           </a:p>
         </p:txBody>
@@ -1102,7 +1146,7 @@
       </p:grpSpPr>
       <p:sp>
         <p:nvSpPr>
-          <p:cNvPr id="34" name="PlaceHolder 1"/>
+          <p:cNvPr id="31" name="PlaceHolder 1"/>
           <p:cNvSpPr>
             <a:spLocks noGrp="1"/>
           </p:cNvSpPr>
@@ -1112,8 +1156,8 @@
         </p:nvSpPr>
         <p:spPr>
           <a:xfrm>
-            <a:off x="838080" y="365040"/>
-            <a:ext cx="10515240" cy="1325160"/>
+            <a:off x="609480" y="273600"/>
+            <a:ext cx="10972440" cy="1144800"/>
           </a:xfrm>
           <a:prstGeom prst="rect">
             <a:avLst/>
@@ -1133,14 +1177,14 @@
               <a:solidFill>
                 <a:srgbClr val="000000"/>
               </a:solidFill>
-              <a:latin typeface="Calibri"/>
-            </a:endParaRPr>
-          </a:p>
-        </p:txBody>
-      </p:sp>
-      <p:sp>
-        <p:nvSpPr>
-          <p:cNvPr id="35" name="PlaceHolder 2"/>
+              <a:latin typeface="Arial"/>
+            </a:endParaRPr>
+          </a:p>
+        </p:txBody>
+      </p:sp>
+      <p:sp>
+        <p:nvSpPr>
+          <p:cNvPr id="32" name="PlaceHolder 2"/>
           <p:cNvSpPr>
             <a:spLocks noGrp="1"/>
           </p:cNvSpPr>
@@ -1150,8 +1194,8 @@
         </p:nvSpPr>
         <p:spPr>
           <a:xfrm>
-            <a:off x="838080" y="1825560"/>
-            <a:ext cx="3385800" cy="2075040"/>
+            <a:off x="609480" y="1604520"/>
+            <a:ext cx="3533040" cy="1896840"/>
           </a:xfrm>
           <a:prstGeom prst="rect">
             <a:avLst/>
@@ -1171,14 +1215,14 @@
               <a:solidFill>
                 <a:srgbClr val="000000"/>
               </a:solidFill>
-              <a:latin typeface="Calibri"/>
-            </a:endParaRPr>
-          </a:p>
-        </p:txBody>
-      </p:sp>
-      <p:sp>
-        <p:nvSpPr>
-          <p:cNvPr id="36" name="PlaceHolder 3"/>
+              <a:latin typeface="Arial"/>
+            </a:endParaRPr>
+          </a:p>
+        </p:txBody>
+      </p:sp>
+      <p:sp>
+        <p:nvSpPr>
+          <p:cNvPr id="33" name="PlaceHolder 3"/>
           <p:cNvSpPr>
             <a:spLocks noGrp="1"/>
           </p:cNvSpPr>
@@ -1188,8 +1232,8 @@
         </p:nvSpPr>
         <p:spPr>
           <a:xfrm>
-            <a:off x="4393440" y="1825560"/>
-            <a:ext cx="3385800" cy="2075040"/>
+            <a:off x="4319640" y="1604520"/>
+            <a:ext cx="3533040" cy="1896840"/>
           </a:xfrm>
           <a:prstGeom prst="rect">
             <a:avLst/>
@@ -1209,14 +1253,14 @@
               <a:solidFill>
                 <a:srgbClr val="000000"/>
               </a:solidFill>
-              <a:latin typeface="Calibri"/>
-            </a:endParaRPr>
-          </a:p>
-        </p:txBody>
-      </p:sp>
-      <p:sp>
-        <p:nvSpPr>
-          <p:cNvPr id="37" name="PlaceHolder 4"/>
+              <a:latin typeface="Arial"/>
+            </a:endParaRPr>
+          </a:p>
+        </p:txBody>
+      </p:sp>
+      <p:sp>
+        <p:nvSpPr>
+          <p:cNvPr id="34" name="PlaceHolder 4"/>
           <p:cNvSpPr>
             <a:spLocks noGrp="1"/>
           </p:cNvSpPr>
@@ -1226,8 +1270,8 @@
         </p:nvSpPr>
         <p:spPr>
           <a:xfrm>
-            <a:off x="7949160" y="1825560"/>
-            <a:ext cx="3385800" cy="2075040"/>
+            <a:off x="8029800" y="1604520"/>
+            <a:ext cx="3533040" cy="1896840"/>
           </a:xfrm>
           <a:prstGeom prst="rect">
             <a:avLst/>
@@ -1247,14 +1291,14 @@
               <a:solidFill>
                 <a:srgbClr val="000000"/>
               </a:solidFill>
-              <a:latin typeface="Calibri"/>
-            </a:endParaRPr>
-          </a:p>
-        </p:txBody>
-      </p:sp>
-      <p:sp>
-        <p:nvSpPr>
-          <p:cNvPr id="38" name="PlaceHolder 5"/>
+              <a:latin typeface="Arial"/>
+            </a:endParaRPr>
+          </a:p>
+        </p:txBody>
+      </p:sp>
+      <p:sp>
+        <p:nvSpPr>
+          <p:cNvPr id="35" name="PlaceHolder 5"/>
           <p:cNvSpPr>
             <a:spLocks noGrp="1"/>
           </p:cNvSpPr>
@@ -1264,8 +1308,8 @@
         </p:nvSpPr>
         <p:spPr>
           <a:xfrm>
-            <a:off x="838080" y="4098240"/>
-            <a:ext cx="3385800" cy="2075040"/>
+            <a:off x="609480" y="3682080"/>
+            <a:ext cx="3533040" cy="1896840"/>
           </a:xfrm>
           <a:prstGeom prst="rect">
             <a:avLst/>
@@ -1285,14 +1329,14 @@
               <a:solidFill>
                 <a:srgbClr val="000000"/>
               </a:solidFill>
-              <a:latin typeface="Calibri"/>
-            </a:endParaRPr>
-          </a:p>
-        </p:txBody>
-      </p:sp>
-      <p:sp>
-        <p:nvSpPr>
-          <p:cNvPr id="39" name="PlaceHolder 6"/>
+              <a:latin typeface="Arial"/>
+            </a:endParaRPr>
+          </a:p>
+        </p:txBody>
+      </p:sp>
+      <p:sp>
+        <p:nvSpPr>
+          <p:cNvPr id="36" name="PlaceHolder 6"/>
           <p:cNvSpPr>
             <a:spLocks noGrp="1"/>
           </p:cNvSpPr>
@@ -1302,8 +1346,8 @@
         </p:nvSpPr>
         <p:spPr>
           <a:xfrm>
-            <a:off x="4393440" y="4098240"/>
-            <a:ext cx="3385800" cy="2075040"/>
+            <a:off x="4319640" y="3682080"/>
+            <a:ext cx="3533040" cy="1896840"/>
           </a:xfrm>
           <a:prstGeom prst="rect">
             <a:avLst/>
@@ -1323,14 +1367,14 @@
               <a:solidFill>
                 <a:srgbClr val="000000"/>
               </a:solidFill>
-              <a:latin typeface="Calibri"/>
-            </a:endParaRPr>
-          </a:p>
-        </p:txBody>
-      </p:sp>
-      <p:sp>
-        <p:nvSpPr>
-          <p:cNvPr id="40" name="PlaceHolder 7"/>
+              <a:latin typeface="Arial"/>
+            </a:endParaRPr>
+          </a:p>
+        </p:txBody>
+      </p:sp>
+      <p:sp>
+        <p:nvSpPr>
+          <p:cNvPr id="37" name="PlaceHolder 7"/>
           <p:cNvSpPr>
             <a:spLocks noGrp="1"/>
           </p:cNvSpPr>
@@ -1340,8 +1384,8 @@
         </p:nvSpPr>
         <p:spPr>
           <a:xfrm>
-            <a:off x="7949160" y="4098240"/>
-            <a:ext cx="3385800" cy="2075040"/>
+            <a:off x="8029800" y="3682080"/>
+            <a:ext cx="3533040" cy="1896840"/>
           </a:xfrm>
           <a:prstGeom prst="rect">
             <a:avLst/>
@@ -1361,7 +1405,7 @@
               <a:solidFill>
                 <a:srgbClr val="000000"/>
               </a:solidFill>
-              <a:latin typeface="Calibri"/>
+              <a:latin typeface="Arial"/>
             </a:endParaRPr>
           </a:p>
         </p:txBody>
@@ -1418,7 +1462,7 @@
       </p:grpSpPr>
       <p:sp>
         <p:nvSpPr>
-          <p:cNvPr id="46" name="PlaceHolder 1"/>
+          <p:cNvPr id="40" name="PlaceHolder 1"/>
           <p:cNvSpPr>
             <a:spLocks noGrp="1"/>
           </p:cNvSpPr>
@@ -1428,8 +1472,8 @@
         </p:nvSpPr>
         <p:spPr>
           <a:xfrm>
-            <a:off x="838080" y="365040"/>
-            <a:ext cx="10515240" cy="1325160"/>
+            <a:off x="609480" y="273600"/>
+            <a:ext cx="10972440" cy="1144800"/>
           </a:xfrm>
           <a:prstGeom prst="rect">
             <a:avLst/>
@@ -1449,14 +1493,14 @@
               <a:solidFill>
                 <a:srgbClr val="000000"/>
               </a:solidFill>
-              <a:latin typeface="Calibri"/>
-            </a:endParaRPr>
-          </a:p>
-        </p:txBody>
-      </p:sp>
-      <p:sp>
-        <p:nvSpPr>
-          <p:cNvPr id="47" name="PlaceHolder 2"/>
+              <a:latin typeface="Arial"/>
+            </a:endParaRPr>
+          </a:p>
+        </p:txBody>
+      </p:sp>
+      <p:sp>
+        <p:nvSpPr>
+          <p:cNvPr id="41" name="PlaceHolder 2"/>
           <p:cNvSpPr>
             <a:spLocks noGrp="1"/>
           </p:cNvSpPr>
@@ -1466,8 +1510,8 @@
         </p:nvSpPr>
         <p:spPr>
           <a:xfrm>
-            <a:off x="838080" y="1825560"/>
-            <a:ext cx="10515240" cy="4350960"/>
+            <a:off x="609480" y="1604520"/>
+            <a:ext cx="10972440" cy="3977280"/>
           </a:xfrm>
           <a:prstGeom prst="rect">
             <a:avLst/>
@@ -1517,7 +1561,7 @@
       </p:grpSpPr>
       <p:sp>
         <p:nvSpPr>
-          <p:cNvPr id="48" name="PlaceHolder 1"/>
+          <p:cNvPr id="42" name="PlaceHolder 1"/>
           <p:cNvSpPr>
             <a:spLocks noGrp="1"/>
           </p:cNvSpPr>
@@ -1527,8 +1571,8 @@
         </p:nvSpPr>
         <p:spPr>
           <a:xfrm>
-            <a:off x="838080" y="365040"/>
-            <a:ext cx="10515240" cy="1325160"/>
+            <a:off x="609480" y="273600"/>
+            <a:ext cx="10972440" cy="1144800"/>
           </a:xfrm>
           <a:prstGeom prst="rect">
             <a:avLst/>
@@ -1548,14 +1592,14 @@
               <a:solidFill>
                 <a:srgbClr val="000000"/>
               </a:solidFill>
-              <a:latin typeface="Calibri"/>
-            </a:endParaRPr>
-          </a:p>
-        </p:txBody>
-      </p:sp>
-      <p:sp>
-        <p:nvSpPr>
-          <p:cNvPr id="49" name="PlaceHolder 2"/>
+              <a:latin typeface="Arial"/>
+            </a:endParaRPr>
+          </a:p>
+        </p:txBody>
+      </p:sp>
+      <p:sp>
+        <p:nvSpPr>
+          <p:cNvPr id="43" name="PlaceHolder 2"/>
           <p:cNvSpPr>
             <a:spLocks noGrp="1"/>
           </p:cNvSpPr>
@@ -1565,8 +1609,8 @@
         </p:nvSpPr>
         <p:spPr>
           <a:xfrm>
-            <a:off x="838080" y="1825560"/>
-            <a:ext cx="10515240" cy="4350960"/>
+            <a:off x="609480" y="1604520"/>
+            <a:ext cx="10972440" cy="3977280"/>
           </a:xfrm>
           <a:prstGeom prst="rect">
             <a:avLst/>
@@ -1586,7 +1630,7 @@
               <a:solidFill>
                 <a:srgbClr val="000000"/>
               </a:solidFill>
-              <a:latin typeface="Calibri"/>
+              <a:latin typeface="Arial"/>
             </a:endParaRPr>
           </a:p>
         </p:txBody>
@@ -1618,7 +1662,7 @@
       </p:grpSpPr>
       <p:sp>
         <p:nvSpPr>
-          <p:cNvPr id="50" name="PlaceHolder 1"/>
+          <p:cNvPr id="44" name="PlaceHolder 1"/>
           <p:cNvSpPr>
             <a:spLocks noGrp="1"/>
           </p:cNvSpPr>
@@ -1628,8 +1672,8 @@
         </p:nvSpPr>
         <p:spPr>
           <a:xfrm>
-            <a:off x="838080" y="365040"/>
-            <a:ext cx="10515240" cy="1325160"/>
+            <a:off x="609480" y="273600"/>
+            <a:ext cx="10972440" cy="1144800"/>
           </a:xfrm>
           <a:prstGeom prst="rect">
             <a:avLst/>
@@ -1649,14 +1693,14 @@
               <a:solidFill>
                 <a:srgbClr val="000000"/>
               </a:solidFill>
-              <a:latin typeface="Calibri"/>
-            </a:endParaRPr>
-          </a:p>
-        </p:txBody>
-      </p:sp>
-      <p:sp>
-        <p:nvSpPr>
-          <p:cNvPr id="51" name="PlaceHolder 2"/>
+              <a:latin typeface="Arial"/>
+            </a:endParaRPr>
+          </a:p>
+        </p:txBody>
+      </p:sp>
+      <p:sp>
+        <p:nvSpPr>
+          <p:cNvPr id="45" name="PlaceHolder 2"/>
           <p:cNvSpPr>
             <a:spLocks noGrp="1"/>
           </p:cNvSpPr>
@@ -1666,8 +1710,8 @@
         </p:nvSpPr>
         <p:spPr>
           <a:xfrm>
-            <a:off x="838080" y="1825560"/>
-            <a:ext cx="5131080" cy="4350960"/>
+            <a:off x="609480" y="1604520"/>
+            <a:ext cx="5354280" cy="3977280"/>
           </a:xfrm>
           <a:prstGeom prst="rect">
             <a:avLst/>
@@ -1687,14 +1731,14 @@
               <a:solidFill>
                 <a:srgbClr val="000000"/>
               </a:solidFill>
-              <a:latin typeface="Calibri"/>
-            </a:endParaRPr>
-          </a:p>
-        </p:txBody>
-      </p:sp>
-      <p:sp>
-        <p:nvSpPr>
-          <p:cNvPr id="52" name="PlaceHolder 3"/>
+              <a:latin typeface="Arial"/>
+            </a:endParaRPr>
+          </a:p>
+        </p:txBody>
+      </p:sp>
+      <p:sp>
+        <p:nvSpPr>
+          <p:cNvPr id="46" name="PlaceHolder 3"/>
           <p:cNvSpPr>
             <a:spLocks noGrp="1"/>
           </p:cNvSpPr>
@@ -1704,8 +1748,8 @@
         </p:nvSpPr>
         <p:spPr>
           <a:xfrm>
-            <a:off x="6226200" y="1825560"/>
-            <a:ext cx="5131080" cy="4350960"/>
+            <a:off x="6231960" y="1604520"/>
+            <a:ext cx="5354280" cy="3977280"/>
           </a:xfrm>
           <a:prstGeom prst="rect">
             <a:avLst/>
@@ -1725,7 +1769,7 @@
               <a:solidFill>
                 <a:srgbClr val="000000"/>
               </a:solidFill>
-              <a:latin typeface="Calibri"/>
+              <a:latin typeface="Arial"/>
             </a:endParaRPr>
           </a:p>
         </p:txBody>
@@ -1757,7 +1801,7 @@
       </p:grpSpPr>
       <p:sp>
         <p:nvSpPr>
-          <p:cNvPr id="53" name="PlaceHolder 1"/>
+          <p:cNvPr id="47" name="PlaceHolder 1"/>
           <p:cNvSpPr>
             <a:spLocks noGrp="1"/>
           </p:cNvSpPr>
@@ -1767,8 +1811,8 @@
         </p:nvSpPr>
         <p:spPr>
           <a:xfrm>
-            <a:off x="838080" y="365040"/>
-            <a:ext cx="10515240" cy="1325160"/>
+            <a:off x="609480" y="273600"/>
+            <a:ext cx="10972440" cy="1144800"/>
           </a:xfrm>
           <a:prstGeom prst="rect">
             <a:avLst/>
@@ -1788,7 +1832,7 @@
               <a:solidFill>
                 <a:srgbClr val="000000"/>
               </a:solidFill>
-              <a:latin typeface="Calibri"/>
+              <a:latin typeface="Arial"/>
             </a:endParaRPr>
           </a:p>
         </p:txBody>
@@ -1820,7 +1864,7 @@
       </p:grpSpPr>
       <p:sp>
         <p:nvSpPr>
-          <p:cNvPr id="54" name="PlaceHolder 1"/>
+          <p:cNvPr id="48" name="PlaceHolder 1"/>
           <p:cNvSpPr>
             <a:spLocks noGrp="1"/>
           </p:cNvSpPr>
@@ -1830,8 +1874,8 @@
         </p:nvSpPr>
         <p:spPr>
           <a:xfrm>
-            <a:off x="838080" y="365040"/>
-            <a:ext cx="10515240" cy="6144120"/>
+            <a:off x="609480" y="273600"/>
+            <a:ext cx="10972440" cy="5307840"/>
           </a:xfrm>
           <a:prstGeom prst="rect">
             <a:avLst/>
@@ -1881,7 +1925,7 @@
       </p:grpSpPr>
       <p:sp>
         <p:nvSpPr>
-          <p:cNvPr id="55" name="PlaceHolder 1"/>
+          <p:cNvPr id="49" name="PlaceHolder 1"/>
           <p:cNvSpPr>
             <a:spLocks noGrp="1"/>
           </p:cNvSpPr>
@@ -1891,8 +1935,8 @@
         </p:nvSpPr>
         <p:spPr>
           <a:xfrm>
-            <a:off x="838080" y="365040"/>
-            <a:ext cx="10515240" cy="1325160"/>
+            <a:off x="609480" y="273600"/>
+            <a:ext cx="10972440" cy="1144800"/>
           </a:xfrm>
           <a:prstGeom prst="rect">
             <a:avLst/>
@@ -1912,14 +1956,14 @@
               <a:solidFill>
                 <a:srgbClr val="000000"/>
               </a:solidFill>
-              <a:latin typeface="Calibri"/>
-            </a:endParaRPr>
-          </a:p>
-        </p:txBody>
-      </p:sp>
-      <p:sp>
-        <p:nvSpPr>
-          <p:cNvPr id="56" name="PlaceHolder 2"/>
+              <a:latin typeface="Arial"/>
+            </a:endParaRPr>
+          </a:p>
+        </p:txBody>
+      </p:sp>
+      <p:sp>
+        <p:nvSpPr>
+          <p:cNvPr id="50" name="PlaceHolder 2"/>
           <p:cNvSpPr>
             <a:spLocks noGrp="1"/>
           </p:cNvSpPr>
@@ -1929,8 +1973,8 @@
         </p:nvSpPr>
         <p:spPr>
           <a:xfrm>
-            <a:off x="838080" y="1825560"/>
-            <a:ext cx="5131080" cy="2075040"/>
+            <a:off x="609480" y="1604520"/>
+            <a:ext cx="5354280" cy="1896840"/>
           </a:xfrm>
           <a:prstGeom prst="rect">
             <a:avLst/>
@@ -1950,14 +1994,14 @@
               <a:solidFill>
                 <a:srgbClr val="000000"/>
               </a:solidFill>
-              <a:latin typeface="Calibri"/>
-            </a:endParaRPr>
-          </a:p>
-        </p:txBody>
-      </p:sp>
-      <p:sp>
-        <p:nvSpPr>
-          <p:cNvPr id="57" name="PlaceHolder 3"/>
+              <a:latin typeface="Arial"/>
+            </a:endParaRPr>
+          </a:p>
+        </p:txBody>
+      </p:sp>
+      <p:sp>
+        <p:nvSpPr>
+          <p:cNvPr id="51" name="PlaceHolder 3"/>
           <p:cNvSpPr>
             <a:spLocks noGrp="1"/>
           </p:cNvSpPr>
@@ -1967,8 +2011,8 @@
         </p:nvSpPr>
         <p:spPr>
           <a:xfrm>
-            <a:off x="6226200" y="1825560"/>
-            <a:ext cx="5131080" cy="4350960"/>
+            <a:off x="6231960" y="1604520"/>
+            <a:ext cx="5354280" cy="3977280"/>
           </a:xfrm>
           <a:prstGeom prst="rect">
             <a:avLst/>
@@ -1988,14 +2032,14 @@
               <a:solidFill>
                 <a:srgbClr val="000000"/>
               </a:solidFill>
-              <a:latin typeface="Calibri"/>
-            </a:endParaRPr>
-          </a:p>
-        </p:txBody>
-      </p:sp>
-      <p:sp>
-        <p:nvSpPr>
-          <p:cNvPr id="58" name="PlaceHolder 4"/>
+              <a:latin typeface="Arial"/>
+            </a:endParaRPr>
+          </a:p>
+        </p:txBody>
+      </p:sp>
+      <p:sp>
+        <p:nvSpPr>
+          <p:cNvPr id="52" name="PlaceHolder 4"/>
           <p:cNvSpPr>
             <a:spLocks noGrp="1"/>
           </p:cNvSpPr>
@@ -2005,8 +2049,8 @@
         </p:nvSpPr>
         <p:spPr>
           <a:xfrm>
-            <a:off x="838080" y="4098240"/>
-            <a:ext cx="5131080" cy="2075040"/>
+            <a:off x="609480" y="3682080"/>
+            <a:ext cx="5354280" cy="1896840"/>
           </a:xfrm>
           <a:prstGeom prst="rect">
             <a:avLst/>
@@ -2026,7 +2070,7 @@
               <a:solidFill>
                 <a:srgbClr val="000000"/>
               </a:solidFill>
-              <a:latin typeface="Calibri"/>
+              <a:latin typeface="Arial"/>
             </a:endParaRPr>
           </a:p>
         </p:txBody>
@@ -2058,7 +2102,7 @@
       </p:grpSpPr>
       <p:sp>
         <p:nvSpPr>
-          <p:cNvPr id="5" name="PlaceHolder 1"/>
+          <p:cNvPr id="2" name="PlaceHolder 1"/>
           <p:cNvSpPr>
             <a:spLocks noGrp="1"/>
           </p:cNvSpPr>
@@ -2068,8 +2112,8 @@
         </p:nvSpPr>
         <p:spPr>
           <a:xfrm>
-            <a:off x="838080" y="365040"/>
-            <a:ext cx="10515240" cy="1325160"/>
+            <a:off x="609480" y="273600"/>
+            <a:ext cx="10972440" cy="1144800"/>
           </a:xfrm>
           <a:prstGeom prst="rect">
             <a:avLst/>
@@ -2089,14 +2133,14 @@
               <a:solidFill>
                 <a:srgbClr val="000000"/>
               </a:solidFill>
-              <a:latin typeface="Calibri"/>
-            </a:endParaRPr>
-          </a:p>
-        </p:txBody>
-      </p:sp>
-      <p:sp>
-        <p:nvSpPr>
-          <p:cNvPr id="6" name="PlaceHolder 2"/>
+              <a:latin typeface="Arial"/>
+            </a:endParaRPr>
+          </a:p>
+        </p:txBody>
+      </p:sp>
+      <p:sp>
+        <p:nvSpPr>
+          <p:cNvPr id="3" name="PlaceHolder 2"/>
           <p:cNvSpPr>
             <a:spLocks noGrp="1"/>
           </p:cNvSpPr>
@@ -2106,8 +2150,8 @@
         </p:nvSpPr>
         <p:spPr>
           <a:xfrm>
-            <a:off x="838080" y="1825560"/>
-            <a:ext cx="10515240" cy="4350960"/>
+            <a:off x="609480" y="1604520"/>
+            <a:ext cx="10972440" cy="3977280"/>
           </a:xfrm>
           <a:prstGeom prst="rect">
             <a:avLst/>
@@ -2157,7 +2201,7 @@
       </p:grpSpPr>
       <p:sp>
         <p:nvSpPr>
-          <p:cNvPr id="59" name="PlaceHolder 1"/>
+          <p:cNvPr id="53" name="PlaceHolder 1"/>
           <p:cNvSpPr>
             <a:spLocks noGrp="1"/>
           </p:cNvSpPr>
@@ -2167,8 +2211,8 @@
         </p:nvSpPr>
         <p:spPr>
           <a:xfrm>
-            <a:off x="838080" y="365040"/>
-            <a:ext cx="10515240" cy="1325160"/>
+            <a:off x="609480" y="273600"/>
+            <a:ext cx="10972440" cy="1144800"/>
           </a:xfrm>
           <a:prstGeom prst="rect">
             <a:avLst/>
@@ -2188,14 +2232,14 @@
               <a:solidFill>
                 <a:srgbClr val="000000"/>
               </a:solidFill>
-              <a:latin typeface="Calibri"/>
-            </a:endParaRPr>
-          </a:p>
-        </p:txBody>
-      </p:sp>
-      <p:sp>
-        <p:nvSpPr>
-          <p:cNvPr id="60" name="PlaceHolder 2"/>
+              <a:latin typeface="Arial"/>
+            </a:endParaRPr>
+          </a:p>
+        </p:txBody>
+      </p:sp>
+      <p:sp>
+        <p:nvSpPr>
+          <p:cNvPr id="54" name="PlaceHolder 2"/>
           <p:cNvSpPr>
             <a:spLocks noGrp="1"/>
           </p:cNvSpPr>
@@ -2205,8 +2249,8 @@
         </p:nvSpPr>
         <p:spPr>
           <a:xfrm>
-            <a:off x="838080" y="1825560"/>
-            <a:ext cx="5131080" cy="4350960"/>
+            <a:off x="609480" y="1604520"/>
+            <a:ext cx="5354280" cy="3977280"/>
           </a:xfrm>
           <a:prstGeom prst="rect">
             <a:avLst/>
@@ -2226,14 +2270,14 @@
               <a:solidFill>
                 <a:srgbClr val="000000"/>
               </a:solidFill>
-              <a:latin typeface="Calibri"/>
-            </a:endParaRPr>
-          </a:p>
-        </p:txBody>
-      </p:sp>
-      <p:sp>
-        <p:nvSpPr>
-          <p:cNvPr id="61" name="PlaceHolder 3"/>
+              <a:latin typeface="Arial"/>
+            </a:endParaRPr>
+          </a:p>
+        </p:txBody>
+      </p:sp>
+      <p:sp>
+        <p:nvSpPr>
+          <p:cNvPr id="55" name="PlaceHolder 3"/>
           <p:cNvSpPr>
             <a:spLocks noGrp="1"/>
           </p:cNvSpPr>
@@ -2243,8 +2287,8 @@
         </p:nvSpPr>
         <p:spPr>
           <a:xfrm>
-            <a:off x="6226200" y="1825560"/>
-            <a:ext cx="5131080" cy="2075040"/>
+            <a:off x="6231960" y="1604520"/>
+            <a:ext cx="5354280" cy="1896840"/>
           </a:xfrm>
           <a:prstGeom prst="rect">
             <a:avLst/>
@@ -2264,14 +2308,14 @@
               <a:solidFill>
                 <a:srgbClr val="000000"/>
               </a:solidFill>
-              <a:latin typeface="Calibri"/>
-            </a:endParaRPr>
-          </a:p>
-        </p:txBody>
-      </p:sp>
-      <p:sp>
-        <p:nvSpPr>
-          <p:cNvPr id="62" name="PlaceHolder 4"/>
+              <a:latin typeface="Arial"/>
+            </a:endParaRPr>
+          </a:p>
+        </p:txBody>
+      </p:sp>
+      <p:sp>
+        <p:nvSpPr>
+          <p:cNvPr id="56" name="PlaceHolder 4"/>
           <p:cNvSpPr>
             <a:spLocks noGrp="1"/>
           </p:cNvSpPr>
@@ -2281,8 +2325,8 @@
         </p:nvSpPr>
         <p:spPr>
           <a:xfrm>
-            <a:off x="6226200" y="4098240"/>
-            <a:ext cx="5131080" cy="2075040"/>
+            <a:off x="6231960" y="3682080"/>
+            <a:ext cx="5354280" cy="1896840"/>
           </a:xfrm>
           <a:prstGeom prst="rect">
             <a:avLst/>
@@ -2302,7 +2346,7 @@
               <a:solidFill>
                 <a:srgbClr val="000000"/>
               </a:solidFill>
-              <a:latin typeface="Calibri"/>
+              <a:latin typeface="Arial"/>
             </a:endParaRPr>
           </a:p>
         </p:txBody>
@@ -2334,7 +2378,7 @@
       </p:grpSpPr>
       <p:sp>
         <p:nvSpPr>
-          <p:cNvPr id="63" name="PlaceHolder 1"/>
+          <p:cNvPr id="57" name="PlaceHolder 1"/>
           <p:cNvSpPr>
             <a:spLocks noGrp="1"/>
           </p:cNvSpPr>
@@ -2344,8 +2388,8 @@
         </p:nvSpPr>
         <p:spPr>
           <a:xfrm>
-            <a:off x="838080" y="365040"/>
-            <a:ext cx="10515240" cy="1325160"/>
+            <a:off x="609480" y="273600"/>
+            <a:ext cx="10972440" cy="1144800"/>
           </a:xfrm>
           <a:prstGeom prst="rect">
             <a:avLst/>
@@ -2365,14 +2409,14 @@
               <a:solidFill>
                 <a:srgbClr val="000000"/>
               </a:solidFill>
-              <a:latin typeface="Calibri"/>
-            </a:endParaRPr>
-          </a:p>
-        </p:txBody>
-      </p:sp>
-      <p:sp>
-        <p:nvSpPr>
-          <p:cNvPr id="64" name="PlaceHolder 2"/>
+              <a:latin typeface="Arial"/>
+            </a:endParaRPr>
+          </a:p>
+        </p:txBody>
+      </p:sp>
+      <p:sp>
+        <p:nvSpPr>
+          <p:cNvPr id="58" name="PlaceHolder 2"/>
           <p:cNvSpPr>
             <a:spLocks noGrp="1"/>
           </p:cNvSpPr>
@@ -2382,8 +2426,8 @@
         </p:nvSpPr>
         <p:spPr>
           <a:xfrm>
-            <a:off x="838080" y="1825560"/>
-            <a:ext cx="5131080" cy="2075040"/>
+            <a:off x="609480" y="1604520"/>
+            <a:ext cx="5354280" cy="1896840"/>
           </a:xfrm>
           <a:prstGeom prst="rect">
             <a:avLst/>
@@ -2403,14 +2447,14 @@
               <a:solidFill>
                 <a:srgbClr val="000000"/>
               </a:solidFill>
-              <a:latin typeface="Calibri"/>
-            </a:endParaRPr>
-          </a:p>
-        </p:txBody>
-      </p:sp>
-      <p:sp>
-        <p:nvSpPr>
-          <p:cNvPr id="65" name="PlaceHolder 3"/>
+              <a:latin typeface="Arial"/>
+            </a:endParaRPr>
+          </a:p>
+        </p:txBody>
+      </p:sp>
+      <p:sp>
+        <p:nvSpPr>
+          <p:cNvPr id="59" name="PlaceHolder 3"/>
           <p:cNvSpPr>
             <a:spLocks noGrp="1"/>
           </p:cNvSpPr>
@@ -2420,8 +2464,8 @@
         </p:nvSpPr>
         <p:spPr>
           <a:xfrm>
-            <a:off x="6226200" y="1825560"/>
-            <a:ext cx="5131080" cy="2075040"/>
+            <a:off x="6231960" y="1604520"/>
+            <a:ext cx="5354280" cy="1896840"/>
           </a:xfrm>
           <a:prstGeom prst="rect">
             <a:avLst/>
@@ -2441,14 +2485,14 @@
               <a:solidFill>
                 <a:srgbClr val="000000"/>
               </a:solidFill>
-              <a:latin typeface="Calibri"/>
-            </a:endParaRPr>
-          </a:p>
-        </p:txBody>
-      </p:sp>
-      <p:sp>
-        <p:nvSpPr>
-          <p:cNvPr id="66" name="PlaceHolder 4"/>
+              <a:latin typeface="Arial"/>
+            </a:endParaRPr>
+          </a:p>
+        </p:txBody>
+      </p:sp>
+      <p:sp>
+        <p:nvSpPr>
+          <p:cNvPr id="60" name="PlaceHolder 4"/>
           <p:cNvSpPr>
             <a:spLocks noGrp="1"/>
           </p:cNvSpPr>
@@ -2458,8 +2502,8 @@
         </p:nvSpPr>
         <p:spPr>
           <a:xfrm>
-            <a:off x="838080" y="4098240"/>
-            <a:ext cx="10515240" cy="2075040"/>
+            <a:off x="609480" y="3682080"/>
+            <a:ext cx="10972440" cy="1896840"/>
           </a:xfrm>
           <a:prstGeom prst="rect">
             <a:avLst/>
@@ -2479,7 +2523,7 @@
               <a:solidFill>
                 <a:srgbClr val="000000"/>
               </a:solidFill>
-              <a:latin typeface="Calibri"/>
+              <a:latin typeface="Arial"/>
             </a:endParaRPr>
           </a:p>
         </p:txBody>
@@ -2511,7 +2555,7 @@
       </p:grpSpPr>
       <p:sp>
         <p:nvSpPr>
-          <p:cNvPr id="67" name="PlaceHolder 1"/>
+          <p:cNvPr id="61" name="PlaceHolder 1"/>
           <p:cNvSpPr>
             <a:spLocks noGrp="1"/>
           </p:cNvSpPr>
@@ -2521,8 +2565,8 @@
         </p:nvSpPr>
         <p:spPr>
           <a:xfrm>
-            <a:off x="838080" y="365040"/>
-            <a:ext cx="10515240" cy="1325160"/>
+            <a:off x="609480" y="273600"/>
+            <a:ext cx="10972440" cy="1144800"/>
           </a:xfrm>
           <a:prstGeom prst="rect">
             <a:avLst/>
@@ -2542,14 +2586,14 @@
               <a:solidFill>
                 <a:srgbClr val="000000"/>
               </a:solidFill>
-              <a:latin typeface="Calibri"/>
-            </a:endParaRPr>
-          </a:p>
-        </p:txBody>
-      </p:sp>
-      <p:sp>
-        <p:nvSpPr>
-          <p:cNvPr id="68" name="PlaceHolder 2"/>
+              <a:latin typeface="Arial"/>
+            </a:endParaRPr>
+          </a:p>
+        </p:txBody>
+      </p:sp>
+      <p:sp>
+        <p:nvSpPr>
+          <p:cNvPr id="62" name="PlaceHolder 2"/>
           <p:cNvSpPr>
             <a:spLocks noGrp="1"/>
           </p:cNvSpPr>
@@ -2559,8 +2603,8 @@
         </p:nvSpPr>
         <p:spPr>
           <a:xfrm>
-            <a:off x="838080" y="1825560"/>
-            <a:ext cx="10515240" cy="2075040"/>
+            <a:off x="609480" y="1604520"/>
+            <a:ext cx="10972440" cy="1896840"/>
           </a:xfrm>
           <a:prstGeom prst="rect">
             <a:avLst/>
@@ -2580,14 +2624,14 @@
               <a:solidFill>
                 <a:srgbClr val="000000"/>
               </a:solidFill>
-              <a:latin typeface="Calibri"/>
-            </a:endParaRPr>
-          </a:p>
-        </p:txBody>
-      </p:sp>
-      <p:sp>
-        <p:nvSpPr>
-          <p:cNvPr id="69" name="PlaceHolder 3"/>
+              <a:latin typeface="Arial"/>
+            </a:endParaRPr>
+          </a:p>
+        </p:txBody>
+      </p:sp>
+      <p:sp>
+        <p:nvSpPr>
+          <p:cNvPr id="63" name="PlaceHolder 3"/>
           <p:cNvSpPr>
             <a:spLocks noGrp="1"/>
           </p:cNvSpPr>
@@ -2597,8 +2641,8 @@
         </p:nvSpPr>
         <p:spPr>
           <a:xfrm>
-            <a:off x="838080" y="4098240"/>
-            <a:ext cx="10515240" cy="2075040"/>
+            <a:off x="609480" y="3682080"/>
+            <a:ext cx="10972440" cy="1896840"/>
           </a:xfrm>
           <a:prstGeom prst="rect">
             <a:avLst/>
@@ -2618,7 +2662,7 @@
               <a:solidFill>
                 <a:srgbClr val="000000"/>
               </a:solidFill>
-              <a:latin typeface="Calibri"/>
+              <a:latin typeface="Arial"/>
             </a:endParaRPr>
           </a:p>
         </p:txBody>
@@ -2650,7 +2694,7 @@
       </p:grpSpPr>
       <p:sp>
         <p:nvSpPr>
-          <p:cNvPr id="70" name="PlaceHolder 1"/>
+          <p:cNvPr id="64" name="PlaceHolder 1"/>
           <p:cNvSpPr>
             <a:spLocks noGrp="1"/>
           </p:cNvSpPr>
@@ -2660,8 +2704,8 @@
         </p:nvSpPr>
         <p:spPr>
           <a:xfrm>
-            <a:off x="838080" y="365040"/>
-            <a:ext cx="10515240" cy="1325160"/>
+            <a:off x="609480" y="273600"/>
+            <a:ext cx="10972440" cy="1144800"/>
           </a:xfrm>
           <a:prstGeom prst="rect">
             <a:avLst/>
@@ -2681,14 +2725,14 @@
               <a:solidFill>
                 <a:srgbClr val="000000"/>
               </a:solidFill>
-              <a:latin typeface="Calibri"/>
-            </a:endParaRPr>
-          </a:p>
-        </p:txBody>
-      </p:sp>
-      <p:sp>
-        <p:nvSpPr>
-          <p:cNvPr id="71" name="PlaceHolder 2"/>
+              <a:latin typeface="Arial"/>
+            </a:endParaRPr>
+          </a:p>
+        </p:txBody>
+      </p:sp>
+      <p:sp>
+        <p:nvSpPr>
+          <p:cNvPr id="65" name="PlaceHolder 2"/>
           <p:cNvSpPr>
             <a:spLocks noGrp="1"/>
           </p:cNvSpPr>
@@ -2698,8 +2742,8 @@
         </p:nvSpPr>
         <p:spPr>
           <a:xfrm>
-            <a:off x="838080" y="1825560"/>
-            <a:ext cx="5131080" cy="2075040"/>
+            <a:off x="609480" y="1604520"/>
+            <a:ext cx="5354280" cy="1896840"/>
           </a:xfrm>
           <a:prstGeom prst="rect">
             <a:avLst/>
@@ -2719,14 +2763,14 @@
               <a:solidFill>
                 <a:srgbClr val="000000"/>
               </a:solidFill>
-              <a:latin typeface="Calibri"/>
-            </a:endParaRPr>
-          </a:p>
-        </p:txBody>
-      </p:sp>
-      <p:sp>
-        <p:nvSpPr>
-          <p:cNvPr id="72" name="PlaceHolder 3"/>
+              <a:latin typeface="Arial"/>
+            </a:endParaRPr>
+          </a:p>
+        </p:txBody>
+      </p:sp>
+      <p:sp>
+        <p:nvSpPr>
+          <p:cNvPr id="66" name="PlaceHolder 3"/>
           <p:cNvSpPr>
             <a:spLocks noGrp="1"/>
           </p:cNvSpPr>
@@ -2736,8 +2780,8 @@
         </p:nvSpPr>
         <p:spPr>
           <a:xfrm>
-            <a:off x="6226200" y="1825560"/>
-            <a:ext cx="5131080" cy="2075040"/>
+            <a:off x="6231960" y="1604520"/>
+            <a:ext cx="5354280" cy="1896840"/>
           </a:xfrm>
           <a:prstGeom prst="rect">
             <a:avLst/>
@@ -2757,14 +2801,14 @@
               <a:solidFill>
                 <a:srgbClr val="000000"/>
               </a:solidFill>
-              <a:latin typeface="Calibri"/>
-            </a:endParaRPr>
-          </a:p>
-        </p:txBody>
-      </p:sp>
-      <p:sp>
-        <p:nvSpPr>
-          <p:cNvPr id="73" name="PlaceHolder 4"/>
+              <a:latin typeface="Arial"/>
+            </a:endParaRPr>
+          </a:p>
+        </p:txBody>
+      </p:sp>
+      <p:sp>
+        <p:nvSpPr>
+          <p:cNvPr id="67" name="PlaceHolder 4"/>
           <p:cNvSpPr>
             <a:spLocks noGrp="1"/>
           </p:cNvSpPr>
@@ -2774,8 +2818,8 @@
         </p:nvSpPr>
         <p:spPr>
           <a:xfrm>
-            <a:off x="838080" y="4098240"/>
-            <a:ext cx="5131080" cy="2075040"/>
+            <a:off x="609480" y="3682080"/>
+            <a:ext cx="5354280" cy="1896840"/>
           </a:xfrm>
           <a:prstGeom prst="rect">
             <a:avLst/>
@@ -2795,14 +2839,14 @@
               <a:solidFill>
                 <a:srgbClr val="000000"/>
               </a:solidFill>
-              <a:latin typeface="Calibri"/>
-            </a:endParaRPr>
-          </a:p>
-        </p:txBody>
-      </p:sp>
-      <p:sp>
-        <p:nvSpPr>
-          <p:cNvPr id="74" name="PlaceHolder 5"/>
+              <a:latin typeface="Arial"/>
+            </a:endParaRPr>
+          </a:p>
+        </p:txBody>
+      </p:sp>
+      <p:sp>
+        <p:nvSpPr>
+          <p:cNvPr id="68" name="PlaceHolder 5"/>
           <p:cNvSpPr>
             <a:spLocks noGrp="1"/>
           </p:cNvSpPr>
@@ -2812,8 +2856,8 @@
         </p:nvSpPr>
         <p:spPr>
           <a:xfrm>
-            <a:off x="6226200" y="4098240"/>
-            <a:ext cx="5131080" cy="2075040"/>
+            <a:off x="6231960" y="3682080"/>
+            <a:ext cx="5354280" cy="1896840"/>
           </a:xfrm>
           <a:prstGeom prst="rect">
             <a:avLst/>
@@ -2833,7 +2877,7 @@
               <a:solidFill>
                 <a:srgbClr val="000000"/>
               </a:solidFill>
-              <a:latin typeface="Calibri"/>
+              <a:latin typeface="Arial"/>
             </a:endParaRPr>
           </a:p>
         </p:txBody>
@@ -2865,7 +2909,7 @@
       </p:grpSpPr>
       <p:sp>
         <p:nvSpPr>
-          <p:cNvPr id="75" name="PlaceHolder 1"/>
+          <p:cNvPr id="69" name="PlaceHolder 1"/>
           <p:cNvSpPr>
             <a:spLocks noGrp="1"/>
           </p:cNvSpPr>
@@ -2875,8 +2919,8 @@
         </p:nvSpPr>
         <p:spPr>
           <a:xfrm>
-            <a:off x="838080" y="365040"/>
-            <a:ext cx="10515240" cy="1325160"/>
+            <a:off x="609480" y="273600"/>
+            <a:ext cx="10972440" cy="1144800"/>
           </a:xfrm>
           <a:prstGeom prst="rect">
             <a:avLst/>
@@ -2896,14 +2940,14 @@
               <a:solidFill>
                 <a:srgbClr val="000000"/>
               </a:solidFill>
-              <a:latin typeface="Calibri"/>
-            </a:endParaRPr>
-          </a:p>
-        </p:txBody>
-      </p:sp>
-      <p:sp>
-        <p:nvSpPr>
-          <p:cNvPr id="76" name="PlaceHolder 2"/>
+              <a:latin typeface="Arial"/>
+            </a:endParaRPr>
+          </a:p>
+        </p:txBody>
+      </p:sp>
+      <p:sp>
+        <p:nvSpPr>
+          <p:cNvPr id="70" name="PlaceHolder 2"/>
           <p:cNvSpPr>
             <a:spLocks noGrp="1"/>
           </p:cNvSpPr>
@@ -2913,8 +2957,8 @@
         </p:nvSpPr>
         <p:spPr>
           <a:xfrm>
-            <a:off x="838080" y="1825560"/>
-            <a:ext cx="3385800" cy="2075040"/>
+            <a:off x="609480" y="1604520"/>
+            <a:ext cx="3533040" cy="1896840"/>
           </a:xfrm>
           <a:prstGeom prst="rect">
             <a:avLst/>
@@ -2934,14 +2978,14 @@
               <a:solidFill>
                 <a:srgbClr val="000000"/>
               </a:solidFill>
-              <a:latin typeface="Calibri"/>
-            </a:endParaRPr>
-          </a:p>
-        </p:txBody>
-      </p:sp>
-      <p:sp>
-        <p:nvSpPr>
-          <p:cNvPr id="77" name="PlaceHolder 3"/>
+              <a:latin typeface="Arial"/>
+            </a:endParaRPr>
+          </a:p>
+        </p:txBody>
+      </p:sp>
+      <p:sp>
+        <p:nvSpPr>
+          <p:cNvPr id="71" name="PlaceHolder 3"/>
           <p:cNvSpPr>
             <a:spLocks noGrp="1"/>
           </p:cNvSpPr>
@@ -2951,8 +2995,8 @@
         </p:nvSpPr>
         <p:spPr>
           <a:xfrm>
-            <a:off x="4393440" y="1825560"/>
-            <a:ext cx="3385800" cy="2075040"/>
+            <a:off x="4319640" y="1604520"/>
+            <a:ext cx="3533040" cy="1896840"/>
           </a:xfrm>
           <a:prstGeom prst="rect">
             <a:avLst/>
@@ -2972,14 +3016,14 @@
               <a:solidFill>
                 <a:srgbClr val="000000"/>
               </a:solidFill>
-              <a:latin typeface="Calibri"/>
-            </a:endParaRPr>
-          </a:p>
-        </p:txBody>
-      </p:sp>
-      <p:sp>
-        <p:nvSpPr>
-          <p:cNvPr id="78" name="PlaceHolder 4"/>
+              <a:latin typeface="Arial"/>
+            </a:endParaRPr>
+          </a:p>
+        </p:txBody>
+      </p:sp>
+      <p:sp>
+        <p:nvSpPr>
+          <p:cNvPr id="72" name="PlaceHolder 4"/>
           <p:cNvSpPr>
             <a:spLocks noGrp="1"/>
           </p:cNvSpPr>
@@ -2989,8 +3033,8 @@
         </p:nvSpPr>
         <p:spPr>
           <a:xfrm>
-            <a:off x="7949160" y="1825560"/>
-            <a:ext cx="3385800" cy="2075040"/>
+            <a:off x="8029800" y="1604520"/>
+            <a:ext cx="3533040" cy="1896840"/>
           </a:xfrm>
           <a:prstGeom prst="rect">
             <a:avLst/>
@@ -3010,14 +3054,14 @@
               <a:solidFill>
                 <a:srgbClr val="000000"/>
               </a:solidFill>
-              <a:latin typeface="Calibri"/>
-            </a:endParaRPr>
-          </a:p>
-        </p:txBody>
-      </p:sp>
-      <p:sp>
-        <p:nvSpPr>
-          <p:cNvPr id="79" name="PlaceHolder 5"/>
+              <a:latin typeface="Arial"/>
+            </a:endParaRPr>
+          </a:p>
+        </p:txBody>
+      </p:sp>
+      <p:sp>
+        <p:nvSpPr>
+          <p:cNvPr id="73" name="PlaceHolder 5"/>
           <p:cNvSpPr>
             <a:spLocks noGrp="1"/>
           </p:cNvSpPr>
@@ -3027,8 +3071,8 @@
         </p:nvSpPr>
         <p:spPr>
           <a:xfrm>
-            <a:off x="838080" y="4098240"/>
-            <a:ext cx="3385800" cy="2075040"/>
+            <a:off x="609480" y="3682080"/>
+            <a:ext cx="3533040" cy="1896840"/>
           </a:xfrm>
           <a:prstGeom prst="rect">
             <a:avLst/>
@@ -3048,14 +3092,14 @@
               <a:solidFill>
                 <a:srgbClr val="000000"/>
               </a:solidFill>
-              <a:latin typeface="Calibri"/>
-            </a:endParaRPr>
-          </a:p>
-        </p:txBody>
-      </p:sp>
-      <p:sp>
-        <p:nvSpPr>
-          <p:cNvPr id="80" name="PlaceHolder 6"/>
+              <a:latin typeface="Arial"/>
+            </a:endParaRPr>
+          </a:p>
+        </p:txBody>
+      </p:sp>
+      <p:sp>
+        <p:nvSpPr>
+          <p:cNvPr id="74" name="PlaceHolder 6"/>
           <p:cNvSpPr>
             <a:spLocks noGrp="1"/>
           </p:cNvSpPr>
@@ -3065,8 +3109,8 @@
         </p:nvSpPr>
         <p:spPr>
           <a:xfrm>
-            <a:off x="4393440" y="4098240"/>
-            <a:ext cx="3385800" cy="2075040"/>
+            <a:off x="4319640" y="3682080"/>
+            <a:ext cx="3533040" cy="1896840"/>
           </a:xfrm>
           <a:prstGeom prst="rect">
             <a:avLst/>
@@ -3086,14 +3130,14 @@
               <a:solidFill>
                 <a:srgbClr val="000000"/>
               </a:solidFill>
-              <a:latin typeface="Calibri"/>
-            </a:endParaRPr>
-          </a:p>
-        </p:txBody>
-      </p:sp>
-      <p:sp>
-        <p:nvSpPr>
-          <p:cNvPr id="81" name="PlaceHolder 7"/>
+              <a:latin typeface="Arial"/>
+            </a:endParaRPr>
+          </a:p>
+        </p:txBody>
+      </p:sp>
+      <p:sp>
+        <p:nvSpPr>
+          <p:cNvPr id="75" name="PlaceHolder 7"/>
           <p:cNvSpPr>
             <a:spLocks noGrp="1"/>
           </p:cNvSpPr>
@@ -3103,8 +3147,8 @@
         </p:nvSpPr>
         <p:spPr>
           <a:xfrm>
-            <a:off x="7949160" y="4098240"/>
-            <a:ext cx="3385800" cy="2075040"/>
+            <a:off x="8029800" y="3682080"/>
+            <a:ext cx="3533040" cy="1896840"/>
           </a:xfrm>
           <a:prstGeom prst="rect">
             <a:avLst/>
@@ -3124,7 +3168,434 @@
               <a:solidFill>
                 <a:srgbClr val="000000"/>
               </a:solidFill>
-              <a:latin typeface="Calibri"/>
+              <a:latin typeface="Arial"/>
+            </a:endParaRPr>
+          </a:p>
+        </p:txBody>
+      </p:sp>
+    </p:spTree>
+  </p:cSld>
+  <p:clrMapOvr>
+    <a:masterClrMapping/>
+  </p:clrMapOvr>
+</p:sldLayout>
+</file>
+
+<file path=ppt/slideLayouts/slideLayout25.xml><?xml version="1.0" encoding="utf-8"?>
+<p:sldLayout xmlns:a="http://schemas.openxmlformats.org/drawingml/2006/main" xmlns:r="http://schemas.openxmlformats.org/officeDocument/2006/relationships" xmlns:p="http://schemas.openxmlformats.org/presentationml/2006/main" type="blank" preserve="1">
+  <p:cSld name="Blank Slide">
+    <p:spTree>
+      <p:nvGrpSpPr>
+        <p:cNvPr id="1" name=""/>
+        <p:cNvGrpSpPr/>
+        <p:nvPr/>
+      </p:nvGrpSpPr>
+      <p:grpSpPr>
+        <a:xfrm>
+          <a:off x="0" y="0"/>
+          <a:ext cx="0" cy="0"/>
+          <a:chOff x="0" y="0"/>
+          <a:chExt cx="0" cy="0"/>
+        </a:xfrm>
+      </p:grpSpPr>
+    </p:spTree>
+  </p:cSld>
+  <p:clrMapOvr>
+    <a:masterClrMapping/>
+  </p:clrMapOvr>
+</p:sldLayout>
+</file>
+
+<file path=ppt/slideLayouts/slideLayout26.xml><?xml version="1.0" encoding="utf-8"?>
+<p:sldLayout xmlns:a="http://schemas.openxmlformats.org/drawingml/2006/main" xmlns:r="http://schemas.openxmlformats.org/officeDocument/2006/relationships" xmlns:p="http://schemas.openxmlformats.org/presentationml/2006/main" type="tx" preserve="1">
+  <p:cSld name="Title Slide">
+    <p:spTree>
+      <p:nvGrpSpPr>
+        <p:cNvPr id="1" name=""/>
+        <p:cNvGrpSpPr/>
+        <p:nvPr/>
+      </p:nvGrpSpPr>
+      <p:grpSpPr>
+        <a:xfrm>
+          <a:off x="0" y="0"/>
+          <a:ext cx="0" cy="0"/>
+          <a:chOff x="0" y="0"/>
+          <a:chExt cx="0" cy="0"/>
+        </a:xfrm>
+      </p:grpSpPr>
+      <p:sp>
+        <p:nvSpPr>
+          <p:cNvPr id="78" name="PlaceHolder 1"/>
+          <p:cNvSpPr>
+            <a:spLocks noGrp="1"/>
+          </p:cNvSpPr>
+          <p:nvPr>
+            <p:ph type="title"/>
+          </p:nvPr>
+        </p:nvSpPr>
+        <p:spPr>
+          <a:xfrm>
+            <a:off x="609480" y="273600"/>
+            <a:ext cx="10972440" cy="1144800"/>
+          </a:xfrm>
+          <a:prstGeom prst="rect">
+            <a:avLst/>
+          </a:prstGeom>
+          <a:noFill/>
+          <a:ln w="0">
+            <a:noFill/>
+          </a:ln>
+        </p:spPr>
+        <p:txBody>
+          <a:bodyPr lIns="0" tIns="0" rIns="0" bIns="0" anchor="ctr">
+            <a:noAutofit/>
+          </a:bodyPr>
+          <a:lstStyle/>
+          <a:p>
+            <a:endParaRPr lang="es-AR" sz="1800" b="0" strike="noStrike" spc="-1">
+              <a:solidFill>
+                <a:srgbClr val="000000"/>
+              </a:solidFill>
+              <a:latin typeface="Arial"/>
+            </a:endParaRPr>
+          </a:p>
+        </p:txBody>
+      </p:sp>
+      <p:sp>
+        <p:nvSpPr>
+          <p:cNvPr id="79" name="PlaceHolder 2"/>
+          <p:cNvSpPr>
+            <a:spLocks noGrp="1"/>
+          </p:cNvSpPr>
+          <p:nvPr>
+            <p:ph type="subTitle"/>
+          </p:nvPr>
+        </p:nvSpPr>
+        <p:spPr>
+          <a:xfrm>
+            <a:off x="609480" y="1604520"/>
+            <a:ext cx="10972440" cy="3977280"/>
+          </a:xfrm>
+          <a:prstGeom prst="rect">
+            <a:avLst/>
+          </a:prstGeom>
+          <a:noFill/>
+          <a:ln w="0">
+            <a:noFill/>
+          </a:ln>
+        </p:spPr>
+        <p:txBody>
+          <a:bodyPr lIns="0" tIns="0" rIns="0" bIns="0" anchor="ctr">
+            <a:noAutofit/>
+          </a:bodyPr>
+          <a:lstStyle/>
+          <a:p>
+            <a:pPr algn="ctr"/>
+            <a:endParaRPr lang="es-AR" sz="3200" b="0" strike="noStrike" spc="-1">
+              <a:latin typeface="Arial"/>
+            </a:endParaRPr>
+          </a:p>
+        </p:txBody>
+      </p:sp>
+    </p:spTree>
+  </p:cSld>
+  <p:clrMapOvr>
+    <a:masterClrMapping/>
+  </p:clrMapOvr>
+</p:sldLayout>
+</file>
+
+<file path=ppt/slideLayouts/slideLayout27.xml><?xml version="1.0" encoding="utf-8"?>
+<p:sldLayout xmlns:a="http://schemas.openxmlformats.org/drawingml/2006/main" xmlns:r="http://schemas.openxmlformats.org/officeDocument/2006/relationships" xmlns:p="http://schemas.openxmlformats.org/presentationml/2006/main" type="obj" preserve="1">
+  <p:cSld name="Title, Content">
+    <p:spTree>
+      <p:nvGrpSpPr>
+        <p:cNvPr id="1" name=""/>
+        <p:cNvGrpSpPr/>
+        <p:nvPr/>
+      </p:nvGrpSpPr>
+      <p:grpSpPr>
+        <a:xfrm>
+          <a:off x="0" y="0"/>
+          <a:ext cx="0" cy="0"/>
+          <a:chOff x="0" y="0"/>
+          <a:chExt cx="0" cy="0"/>
+        </a:xfrm>
+      </p:grpSpPr>
+      <p:sp>
+        <p:nvSpPr>
+          <p:cNvPr id="80" name="PlaceHolder 1"/>
+          <p:cNvSpPr>
+            <a:spLocks noGrp="1"/>
+          </p:cNvSpPr>
+          <p:nvPr>
+            <p:ph type="title"/>
+          </p:nvPr>
+        </p:nvSpPr>
+        <p:spPr>
+          <a:xfrm>
+            <a:off x="609480" y="273600"/>
+            <a:ext cx="10972440" cy="1144800"/>
+          </a:xfrm>
+          <a:prstGeom prst="rect">
+            <a:avLst/>
+          </a:prstGeom>
+          <a:noFill/>
+          <a:ln w="0">
+            <a:noFill/>
+          </a:ln>
+        </p:spPr>
+        <p:txBody>
+          <a:bodyPr lIns="0" tIns="0" rIns="0" bIns="0" anchor="ctr">
+            <a:noAutofit/>
+          </a:bodyPr>
+          <a:lstStyle/>
+          <a:p>
+            <a:endParaRPr lang="es-AR" sz="1800" b="0" strike="noStrike" spc="-1">
+              <a:solidFill>
+                <a:srgbClr val="000000"/>
+              </a:solidFill>
+              <a:latin typeface="Arial"/>
+            </a:endParaRPr>
+          </a:p>
+        </p:txBody>
+      </p:sp>
+      <p:sp>
+        <p:nvSpPr>
+          <p:cNvPr id="81" name="PlaceHolder 2"/>
+          <p:cNvSpPr>
+            <a:spLocks noGrp="1"/>
+          </p:cNvSpPr>
+          <p:nvPr>
+            <p:ph/>
+          </p:nvPr>
+        </p:nvSpPr>
+        <p:spPr>
+          <a:xfrm>
+            <a:off x="609480" y="1604520"/>
+            <a:ext cx="10972440" cy="3977280"/>
+          </a:xfrm>
+          <a:prstGeom prst="rect">
+            <a:avLst/>
+          </a:prstGeom>
+          <a:noFill/>
+          <a:ln w="0">
+            <a:noFill/>
+          </a:ln>
+        </p:spPr>
+        <p:txBody>
+          <a:bodyPr lIns="0" tIns="0" rIns="0" bIns="0" anchor="t">
+            <a:normAutofit/>
+          </a:bodyPr>
+          <a:lstStyle/>
+          <a:p>
+            <a:endParaRPr lang="es-AR" sz="2800" b="0" strike="noStrike" spc="-1">
+              <a:solidFill>
+                <a:srgbClr val="000000"/>
+              </a:solidFill>
+              <a:latin typeface="Arial"/>
+            </a:endParaRPr>
+          </a:p>
+        </p:txBody>
+      </p:sp>
+    </p:spTree>
+  </p:cSld>
+  <p:clrMapOvr>
+    <a:masterClrMapping/>
+  </p:clrMapOvr>
+</p:sldLayout>
+</file>
+
+<file path=ppt/slideLayouts/slideLayout28.xml><?xml version="1.0" encoding="utf-8"?>
+<p:sldLayout xmlns:a="http://schemas.openxmlformats.org/drawingml/2006/main" xmlns:r="http://schemas.openxmlformats.org/officeDocument/2006/relationships" xmlns:p="http://schemas.openxmlformats.org/presentationml/2006/main" type="twoObj" preserve="1">
+  <p:cSld name="Title, 2 Content">
+    <p:spTree>
+      <p:nvGrpSpPr>
+        <p:cNvPr id="1" name=""/>
+        <p:cNvGrpSpPr/>
+        <p:nvPr/>
+      </p:nvGrpSpPr>
+      <p:grpSpPr>
+        <a:xfrm>
+          <a:off x="0" y="0"/>
+          <a:ext cx="0" cy="0"/>
+          <a:chOff x="0" y="0"/>
+          <a:chExt cx="0" cy="0"/>
+        </a:xfrm>
+      </p:grpSpPr>
+      <p:sp>
+        <p:nvSpPr>
+          <p:cNvPr id="82" name="PlaceHolder 1"/>
+          <p:cNvSpPr>
+            <a:spLocks noGrp="1"/>
+          </p:cNvSpPr>
+          <p:nvPr>
+            <p:ph type="title"/>
+          </p:nvPr>
+        </p:nvSpPr>
+        <p:spPr>
+          <a:xfrm>
+            <a:off x="609480" y="273600"/>
+            <a:ext cx="10972440" cy="1144800"/>
+          </a:xfrm>
+          <a:prstGeom prst="rect">
+            <a:avLst/>
+          </a:prstGeom>
+          <a:noFill/>
+          <a:ln w="0">
+            <a:noFill/>
+          </a:ln>
+        </p:spPr>
+        <p:txBody>
+          <a:bodyPr lIns="0" tIns="0" rIns="0" bIns="0" anchor="ctr">
+            <a:noAutofit/>
+          </a:bodyPr>
+          <a:lstStyle/>
+          <a:p>
+            <a:endParaRPr lang="es-AR" sz="1800" b="0" strike="noStrike" spc="-1">
+              <a:solidFill>
+                <a:srgbClr val="000000"/>
+              </a:solidFill>
+              <a:latin typeface="Arial"/>
+            </a:endParaRPr>
+          </a:p>
+        </p:txBody>
+      </p:sp>
+      <p:sp>
+        <p:nvSpPr>
+          <p:cNvPr id="83" name="PlaceHolder 2"/>
+          <p:cNvSpPr>
+            <a:spLocks noGrp="1"/>
+          </p:cNvSpPr>
+          <p:nvPr>
+            <p:ph/>
+          </p:nvPr>
+        </p:nvSpPr>
+        <p:spPr>
+          <a:xfrm>
+            <a:off x="609480" y="1604520"/>
+            <a:ext cx="5354280" cy="3977280"/>
+          </a:xfrm>
+          <a:prstGeom prst="rect">
+            <a:avLst/>
+          </a:prstGeom>
+          <a:noFill/>
+          <a:ln w="0">
+            <a:noFill/>
+          </a:ln>
+        </p:spPr>
+        <p:txBody>
+          <a:bodyPr lIns="0" tIns="0" rIns="0" bIns="0" anchor="t">
+            <a:normAutofit/>
+          </a:bodyPr>
+          <a:lstStyle/>
+          <a:p>
+            <a:endParaRPr lang="es-AR" sz="2800" b="0" strike="noStrike" spc="-1">
+              <a:solidFill>
+                <a:srgbClr val="000000"/>
+              </a:solidFill>
+              <a:latin typeface="Arial"/>
+            </a:endParaRPr>
+          </a:p>
+        </p:txBody>
+      </p:sp>
+      <p:sp>
+        <p:nvSpPr>
+          <p:cNvPr id="84" name="PlaceHolder 3"/>
+          <p:cNvSpPr>
+            <a:spLocks noGrp="1"/>
+          </p:cNvSpPr>
+          <p:nvPr>
+            <p:ph/>
+          </p:nvPr>
+        </p:nvSpPr>
+        <p:spPr>
+          <a:xfrm>
+            <a:off x="6231960" y="1604520"/>
+            <a:ext cx="5354280" cy="3977280"/>
+          </a:xfrm>
+          <a:prstGeom prst="rect">
+            <a:avLst/>
+          </a:prstGeom>
+          <a:noFill/>
+          <a:ln w="0">
+            <a:noFill/>
+          </a:ln>
+        </p:spPr>
+        <p:txBody>
+          <a:bodyPr lIns="0" tIns="0" rIns="0" bIns="0" anchor="t">
+            <a:normAutofit/>
+          </a:bodyPr>
+          <a:lstStyle/>
+          <a:p>
+            <a:endParaRPr lang="es-AR" sz="2800" b="0" strike="noStrike" spc="-1">
+              <a:solidFill>
+                <a:srgbClr val="000000"/>
+              </a:solidFill>
+              <a:latin typeface="Arial"/>
+            </a:endParaRPr>
+          </a:p>
+        </p:txBody>
+      </p:sp>
+    </p:spTree>
+  </p:cSld>
+  <p:clrMapOvr>
+    <a:masterClrMapping/>
+  </p:clrMapOvr>
+</p:sldLayout>
+</file>
+
+<file path=ppt/slideLayouts/slideLayout29.xml><?xml version="1.0" encoding="utf-8"?>
+<p:sldLayout xmlns:a="http://schemas.openxmlformats.org/drawingml/2006/main" xmlns:r="http://schemas.openxmlformats.org/officeDocument/2006/relationships" xmlns:p="http://schemas.openxmlformats.org/presentationml/2006/main" type="titleOnly" preserve="1">
+  <p:cSld name="Title Only">
+    <p:spTree>
+      <p:nvGrpSpPr>
+        <p:cNvPr id="1" name=""/>
+        <p:cNvGrpSpPr/>
+        <p:nvPr/>
+      </p:nvGrpSpPr>
+      <p:grpSpPr>
+        <a:xfrm>
+          <a:off x="0" y="0"/>
+          <a:ext cx="0" cy="0"/>
+          <a:chOff x="0" y="0"/>
+          <a:chExt cx="0" cy="0"/>
+        </a:xfrm>
+      </p:grpSpPr>
+      <p:sp>
+        <p:nvSpPr>
+          <p:cNvPr id="85" name="PlaceHolder 1"/>
+          <p:cNvSpPr>
+            <a:spLocks noGrp="1"/>
+          </p:cNvSpPr>
+          <p:nvPr>
+            <p:ph type="title"/>
+          </p:nvPr>
+        </p:nvSpPr>
+        <p:spPr>
+          <a:xfrm>
+            <a:off x="609480" y="273600"/>
+            <a:ext cx="10972440" cy="1144800"/>
+          </a:xfrm>
+          <a:prstGeom prst="rect">
+            <a:avLst/>
+          </a:prstGeom>
+          <a:noFill/>
+          <a:ln w="0">
+            <a:noFill/>
+          </a:ln>
+        </p:spPr>
+        <p:txBody>
+          <a:bodyPr lIns="0" tIns="0" rIns="0" bIns="0" anchor="ctr">
+            <a:noAutofit/>
+          </a:bodyPr>
+          <a:lstStyle/>
+          <a:p>
+            <a:endParaRPr lang="es-AR" sz="1800" b="0" strike="noStrike" spc="-1">
+              <a:solidFill>
+                <a:srgbClr val="000000"/>
+              </a:solidFill>
+              <a:latin typeface="Arial"/>
             </a:endParaRPr>
           </a:p>
         </p:txBody>
@@ -3156,7 +3627,7 @@
       </p:grpSpPr>
       <p:sp>
         <p:nvSpPr>
-          <p:cNvPr id="7" name="PlaceHolder 1"/>
+          <p:cNvPr id="4" name="PlaceHolder 1"/>
           <p:cNvSpPr>
             <a:spLocks noGrp="1"/>
           </p:cNvSpPr>
@@ -3166,8 +3637,8 @@
         </p:nvSpPr>
         <p:spPr>
           <a:xfrm>
-            <a:off x="838080" y="365040"/>
-            <a:ext cx="10515240" cy="1325160"/>
+            <a:off x="609480" y="273600"/>
+            <a:ext cx="10972440" cy="1144800"/>
           </a:xfrm>
           <a:prstGeom prst="rect">
             <a:avLst/>
@@ -3187,14 +3658,14 @@
               <a:solidFill>
                 <a:srgbClr val="000000"/>
               </a:solidFill>
-              <a:latin typeface="Calibri"/>
-            </a:endParaRPr>
-          </a:p>
-        </p:txBody>
-      </p:sp>
-      <p:sp>
-        <p:nvSpPr>
-          <p:cNvPr id="8" name="PlaceHolder 2"/>
+              <a:latin typeface="Arial"/>
+            </a:endParaRPr>
+          </a:p>
+        </p:txBody>
+      </p:sp>
+      <p:sp>
+        <p:nvSpPr>
+          <p:cNvPr id="5" name="PlaceHolder 2"/>
           <p:cNvSpPr>
             <a:spLocks noGrp="1"/>
           </p:cNvSpPr>
@@ -3204,8 +3675,8 @@
         </p:nvSpPr>
         <p:spPr>
           <a:xfrm>
-            <a:off x="838080" y="1825560"/>
-            <a:ext cx="10515240" cy="4350960"/>
+            <a:off x="609480" y="1604520"/>
+            <a:ext cx="10972440" cy="3977280"/>
           </a:xfrm>
           <a:prstGeom prst="rect">
             <a:avLst/>
@@ -3225,7 +3696,1244 @@
               <a:solidFill>
                 <a:srgbClr val="000000"/>
               </a:solidFill>
-              <a:latin typeface="Calibri"/>
+              <a:latin typeface="Arial"/>
+            </a:endParaRPr>
+          </a:p>
+        </p:txBody>
+      </p:sp>
+    </p:spTree>
+  </p:cSld>
+  <p:clrMapOvr>
+    <a:masterClrMapping/>
+  </p:clrMapOvr>
+</p:sldLayout>
+</file>
+
+<file path=ppt/slideLayouts/slideLayout30.xml><?xml version="1.0" encoding="utf-8"?>
+<p:sldLayout xmlns:a="http://schemas.openxmlformats.org/drawingml/2006/main" xmlns:r="http://schemas.openxmlformats.org/officeDocument/2006/relationships" xmlns:p="http://schemas.openxmlformats.org/presentationml/2006/main" type="objOnly" preserve="1">
+  <p:cSld name="Centered Text">
+    <p:spTree>
+      <p:nvGrpSpPr>
+        <p:cNvPr id="1" name=""/>
+        <p:cNvGrpSpPr/>
+        <p:nvPr/>
+      </p:nvGrpSpPr>
+      <p:grpSpPr>
+        <a:xfrm>
+          <a:off x="0" y="0"/>
+          <a:ext cx="0" cy="0"/>
+          <a:chOff x="0" y="0"/>
+          <a:chExt cx="0" cy="0"/>
+        </a:xfrm>
+      </p:grpSpPr>
+      <p:sp>
+        <p:nvSpPr>
+          <p:cNvPr id="86" name="PlaceHolder 1"/>
+          <p:cNvSpPr>
+            <a:spLocks noGrp="1"/>
+          </p:cNvSpPr>
+          <p:nvPr>
+            <p:ph type="subTitle"/>
+          </p:nvPr>
+        </p:nvSpPr>
+        <p:spPr>
+          <a:xfrm>
+            <a:off x="609480" y="273600"/>
+            <a:ext cx="10972440" cy="5307840"/>
+          </a:xfrm>
+          <a:prstGeom prst="rect">
+            <a:avLst/>
+          </a:prstGeom>
+          <a:noFill/>
+          <a:ln w="0">
+            <a:noFill/>
+          </a:ln>
+        </p:spPr>
+        <p:txBody>
+          <a:bodyPr lIns="0" tIns="0" rIns="0" bIns="0" anchor="ctr">
+            <a:noAutofit/>
+          </a:bodyPr>
+          <a:lstStyle/>
+          <a:p>
+            <a:pPr algn="ctr"/>
+            <a:endParaRPr lang="es-AR" sz="3200" b="0" strike="noStrike" spc="-1">
+              <a:latin typeface="Arial"/>
+            </a:endParaRPr>
+          </a:p>
+        </p:txBody>
+      </p:sp>
+    </p:spTree>
+  </p:cSld>
+  <p:clrMapOvr>
+    <a:masterClrMapping/>
+  </p:clrMapOvr>
+</p:sldLayout>
+</file>
+
+<file path=ppt/slideLayouts/slideLayout31.xml><?xml version="1.0" encoding="utf-8"?>
+<p:sldLayout xmlns:a="http://schemas.openxmlformats.org/drawingml/2006/main" xmlns:r="http://schemas.openxmlformats.org/officeDocument/2006/relationships" xmlns:p="http://schemas.openxmlformats.org/presentationml/2006/main" type="twoObjAndObj" preserve="1">
+  <p:cSld name="Title, 2 Content and Content">
+    <p:spTree>
+      <p:nvGrpSpPr>
+        <p:cNvPr id="1" name=""/>
+        <p:cNvGrpSpPr/>
+        <p:nvPr/>
+      </p:nvGrpSpPr>
+      <p:grpSpPr>
+        <a:xfrm>
+          <a:off x="0" y="0"/>
+          <a:ext cx="0" cy="0"/>
+          <a:chOff x="0" y="0"/>
+          <a:chExt cx="0" cy="0"/>
+        </a:xfrm>
+      </p:grpSpPr>
+      <p:sp>
+        <p:nvSpPr>
+          <p:cNvPr id="87" name="PlaceHolder 1"/>
+          <p:cNvSpPr>
+            <a:spLocks noGrp="1"/>
+          </p:cNvSpPr>
+          <p:nvPr>
+            <p:ph type="title"/>
+          </p:nvPr>
+        </p:nvSpPr>
+        <p:spPr>
+          <a:xfrm>
+            <a:off x="609480" y="273600"/>
+            <a:ext cx="10972440" cy="1144800"/>
+          </a:xfrm>
+          <a:prstGeom prst="rect">
+            <a:avLst/>
+          </a:prstGeom>
+          <a:noFill/>
+          <a:ln w="0">
+            <a:noFill/>
+          </a:ln>
+        </p:spPr>
+        <p:txBody>
+          <a:bodyPr lIns="0" tIns="0" rIns="0" bIns="0" anchor="ctr">
+            <a:noAutofit/>
+          </a:bodyPr>
+          <a:lstStyle/>
+          <a:p>
+            <a:endParaRPr lang="es-AR" sz="1800" b="0" strike="noStrike" spc="-1">
+              <a:solidFill>
+                <a:srgbClr val="000000"/>
+              </a:solidFill>
+              <a:latin typeface="Arial"/>
+            </a:endParaRPr>
+          </a:p>
+        </p:txBody>
+      </p:sp>
+      <p:sp>
+        <p:nvSpPr>
+          <p:cNvPr id="88" name="PlaceHolder 2"/>
+          <p:cNvSpPr>
+            <a:spLocks noGrp="1"/>
+          </p:cNvSpPr>
+          <p:nvPr>
+            <p:ph/>
+          </p:nvPr>
+        </p:nvSpPr>
+        <p:spPr>
+          <a:xfrm>
+            <a:off x="609480" y="1604520"/>
+            <a:ext cx="5354280" cy="1896840"/>
+          </a:xfrm>
+          <a:prstGeom prst="rect">
+            <a:avLst/>
+          </a:prstGeom>
+          <a:noFill/>
+          <a:ln w="0">
+            <a:noFill/>
+          </a:ln>
+        </p:spPr>
+        <p:txBody>
+          <a:bodyPr lIns="0" tIns="0" rIns="0" bIns="0" anchor="t">
+            <a:normAutofit/>
+          </a:bodyPr>
+          <a:lstStyle/>
+          <a:p>
+            <a:endParaRPr lang="es-AR" sz="2800" b="0" strike="noStrike" spc="-1">
+              <a:solidFill>
+                <a:srgbClr val="000000"/>
+              </a:solidFill>
+              <a:latin typeface="Arial"/>
+            </a:endParaRPr>
+          </a:p>
+        </p:txBody>
+      </p:sp>
+      <p:sp>
+        <p:nvSpPr>
+          <p:cNvPr id="89" name="PlaceHolder 3"/>
+          <p:cNvSpPr>
+            <a:spLocks noGrp="1"/>
+          </p:cNvSpPr>
+          <p:nvPr>
+            <p:ph/>
+          </p:nvPr>
+        </p:nvSpPr>
+        <p:spPr>
+          <a:xfrm>
+            <a:off x="6231960" y="1604520"/>
+            <a:ext cx="5354280" cy="3977280"/>
+          </a:xfrm>
+          <a:prstGeom prst="rect">
+            <a:avLst/>
+          </a:prstGeom>
+          <a:noFill/>
+          <a:ln w="0">
+            <a:noFill/>
+          </a:ln>
+        </p:spPr>
+        <p:txBody>
+          <a:bodyPr lIns="0" tIns="0" rIns="0" bIns="0" anchor="t">
+            <a:normAutofit/>
+          </a:bodyPr>
+          <a:lstStyle/>
+          <a:p>
+            <a:endParaRPr lang="es-AR" sz="2800" b="0" strike="noStrike" spc="-1">
+              <a:solidFill>
+                <a:srgbClr val="000000"/>
+              </a:solidFill>
+              <a:latin typeface="Arial"/>
+            </a:endParaRPr>
+          </a:p>
+        </p:txBody>
+      </p:sp>
+      <p:sp>
+        <p:nvSpPr>
+          <p:cNvPr id="90" name="PlaceHolder 4"/>
+          <p:cNvSpPr>
+            <a:spLocks noGrp="1"/>
+          </p:cNvSpPr>
+          <p:nvPr>
+            <p:ph/>
+          </p:nvPr>
+        </p:nvSpPr>
+        <p:spPr>
+          <a:xfrm>
+            <a:off x="609480" y="3682080"/>
+            <a:ext cx="5354280" cy="1896840"/>
+          </a:xfrm>
+          <a:prstGeom prst="rect">
+            <a:avLst/>
+          </a:prstGeom>
+          <a:noFill/>
+          <a:ln w="0">
+            <a:noFill/>
+          </a:ln>
+        </p:spPr>
+        <p:txBody>
+          <a:bodyPr lIns="0" tIns="0" rIns="0" bIns="0" anchor="t">
+            <a:normAutofit/>
+          </a:bodyPr>
+          <a:lstStyle/>
+          <a:p>
+            <a:endParaRPr lang="es-AR" sz="2800" b="0" strike="noStrike" spc="-1">
+              <a:solidFill>
+                <a:srgbClr val="000000"/>
+              </a:solidFill>
+              <a:latin typeface="Arial"/>
+            </a:endParaRPr>
+          </a:p>
+        </p:txBody>
+      </p:sp>
+    </p:spTree>
+  </p:cSld>
+  <p:clrMapOvr>
+    <a:masterClrMapping/>
+  </p:clrMapOvr>
+</p:sldLayout>
+</file>
+
+<file path=ppt/slideLayouts/slideLayout32.xml><?xml version="1.0" encoding="utf-8"?>
+<p:sldLayout xmlns:a="http://schemas.openxmlformats.org/drawingml/2006/main" xmlns:r="http://schemas.openxmlformats.org/officeDocument/2006/relationships" xmlns:p="http://schemas.openxmlformats.org/presentationml/2006/main" type="objAndTwoObj" preserve="1">
+  <p:cSld name="Title Content and 2 Content">
+    <p:spTree>
+      <p:nvGrpSpPr>
+        <p:cNvPr id="1" name=""/>
+        <p:cNvGrpSpPr/>
+        <p:nvPr/>
+      </p:nvGrpSpPr>
+      <p:grpSpPr>
+        <a:xfrm>
+          <a:off x="0" y="0"/>
+          <a:ext cx="0" cy="0"/>
+          <a:chOff x="0" y="0"/>
+          <a:chExt cx="0" cy="0"/>
+        </a:xfrm>
+      </p:grpSpPr>
+      <p:sp>
+        <p:nvSpPr>
+          <p:cNvPr id="91" name="PlaceHolder 1"/>
+          <p:cNvSpPr>
+            <a:spLocks noGrp="1"/>
+          </p:cNvSpPr>
+          <p:nvPr>
+            <p:ph type="title"/>
+          </p:nvPr>
+        </p:nvSpPr>
+        <p:spPr>
+          <a:xfrm>
+            <a:off x="609480" y="273600"/>
+            <a:ext cx="10972440" cy="1144800"/>
+          </a:xfrm>
+          <a:prstGeom prst="rect">
+            <a:avLst/>
+          </a:prstGeom>
+          <a:noFill/>
+          <a:ln w="0">
+            <a:noFill/>
+          </a:ln>
+        </p:spPr>
+        <p:txBody>
+          <a:bodyPr lIns="0" tIns="0" rIns="0" bIns="0" anchor="ctr">
+            <a:noAutofit/>
+          </a:bodyPr>
+          <a:lstStyle/>
+          <a:p>
+            <a:endParaRPr lang="es-AR" sz="1800" b="0" strike="noStrike" spc="-1">
+              <a:solidFill>
+                <a:srgbClr val="000000"/>
+              </a:solidFill>
+              <a:latin typeface="Arial"/>
+            </a:endParaRPr>
+          </a:p>
+        </p:txBody>
+      </p:sp>
+      <p:sp>
+        <p:nvSpPr>
+          <p:cNvPr id="92" name="PlaceHolder 2"/>
+          <p:cNvSpPr>
+            <a:spLocks noGrp="1"/>
+          </p:cNvSpPr>
+          <p:nvPr>
+            <p:ph/>
+          </p:nvPr>
+        </p:nvSpPr>
+        <p:spPr>
+          <a:xfrm>
+            <a:off x="609480" y="1604520"/>
+            <a:ext cx="5354280" cy="3977280"/>
+          </a:xfrm>
+          <a:prstGeom prst="rect">
+            <a:avLst/>
+          </a:prstGeom>
+          <a:noFill/>
+          <a:ln w="0">
+            <a:noFill/>
+          </a:ln>
+        </p:spPr>
+        <p:txBody>
+          <a:bodyPr lIns="0" tIns="0" rIns="0" bIns="0" anchor="t">
+            <a:normAutofit/>
+          </a:bodyPr>
+          <a:lstStyle/>
+          <a:p>
+            <a:endParaRPr lang="es-AR" sz="2800" b="0" strike="noStrike" spc="-1">
+              <a:solidFill>
+                <a:srgbClr val="000000"/>
+              </a:solidFill>
+              <a:latin typeface="Arial"/>
+            </a:endParaRPr>
+          </a:p>
+        </p:txBody>
+      </p:sp>
+      <p:sp>
+        <p:nvSpPr>
+          <p:cNvPr id="93" name="PlaceHolder 3"/>
+          <p:cNvSpPr>
+            <a:spLocks noGrp="1"/>
+          </p:cNvSpPr>
+          <p:nvPr>
+            <p:ph/>
+          </p:nvPr>
+        </p:nvSpPr>
+        <p:spPr>
+          <a:xfrm>
+            <a:off x="6231960" y="1604520"/>
+            <a:ext cx="5354280" cy="1896840"/>
+          </a:xfrm>
+          <a:prstGeom prst="rect">
+            <a:avLst/>
+          </a:prstGeom>
+          <a:noFill/>
+          <a:ln w="0">
+            <a:noFill/>
+          </a:ln>
+        </p:spPr>
+        <p:txBody>
+          <a:bodyPr lIns="0" tIns="0" rIns="0" bIns="0" anchor="t">
+            <a:normAutofit/>
+          </a:bodyPr>
+          <a:lstStyle/>
+          <a:p>
+            <a:endParaRPr lang="es-AR" sz="2800" b="0" strike="noStrike" spc="-1">
+              <a:solidFill>
+                <a:srgbClr val="000000"/>
+              </a:solidFill>
+              <a:latin typeface="Arial"/>
+            </a:endParaRPr>
+          </a:p>
+        </p:txBody>
+      </p:sp>
+      <p:sp>
+        <p:nvSpPr>
+          <p:cNvPr id="94" name="PlaceHolder 4"/>
+          <p:cNvSpPr>
+            <a:spLocks noGrp="1"/>
+          </p:cNvSpPr>
+          <p:nvPr>
+            <p:ph/>
+          </p:nvPr>
+        </p:nvSpPr>
+        <p:spPr>
+          <a:xfrm>
+            <a:off x="6231960" y="3682080"/>
+            <a:ext cx="5354280" cy="1896840"/>
+          </a:xfrm>
+          <a:prstGeom prst="rect">
+            <a:avLst/>
+          </a:prstGeom>
+          <a:noFill/>
+          <a:ln w="0">
+            <a:noFill/>
+          </a:ln>
+        </p:spPr>
+        <p:txBody>
+          <a:bodyPr lIns="0" tIns="0" rIns="0" bIns="0" anchor="t">
+            <a:normAutofit/>
+          </a:bodyPr>
+          <a:lstStyle/>
+          <a:p>
+            <a:endParaRPr lang="es-AR" sz="2800" b="0" strike="noStrike" spc="-1">
+              <a:solidFill>
+                <a:srgbClr val="000000"/>
+              </a:solidFill>
+              <a:latin typeface="Arial"/>
+            </a:endParaRPr>
+          </a:p>
+        </p:txBody>
+      </p:sp>
+    </p:spTree>
+  </p:cSld>
+  <p:clrMapOvr>
+    <a:masterClrMapping/>
+  </p:clrMapOvr>
+</p:sldLayout>
+</file>
+
+<file path=ppt/slideLayouts/slideLayout33.xml><?xml version="1.0" encoding="utf-8"?>
+<p:sldLayout xmlns:a="http://schemas.openxmlformats.org/drawingml/2006/main" xmlns:r="http://schemas.openxmlformats.org/officeDocument/2006/relationships" xmlns:p="http://schemas.openxmlformats.org/presentationml/2006/main" type="twoObjOverTx" preserve="1">
+  <p:cSld name="Title, 2 Content over Content">
+    <p:spTree>
+      <p:nvGrpSpPr>
+        <p:cNvPr id="1" name=""/>
+        <p:cNvGrpSpPr/>
+        <p:nvPr/>
+      </p:nvGrpSpPr>
+      <p:grpSpPr>
+        <a:xfrm>
+          <a:off x="0" y="0"/>
+          <a:ext cx="0" cy="0"/>
+          <a:chOff x="0" y="0"/>
+          <a:chExt cx="0" cy="0"/>
+        </a:xfrm>
+      </p:grpSpPr>
+      <p:sp>
+        <p:nvSpPr>
+          <p:cNvPr id="95" name="PlaceHolder 1"/>
+          <p:cNvSpPr>
+            <a:spLocks noGrp="1"/>
+          </p:cNvSpPr>
+          <p:nvPr>
+            <p:ph type="title"/>
+          </p:nvPr>
+        </p:nvSpPr>
+        <p:spPr>
+          <a:xfrm>
+            <a:off x="609480" y="273600"/>
+            <a:ext cx="10972440" cy="1144800"/>
+          </a:xfrm>
+          <a:prstGeom prst="rect">
+            <a:avLst/>
+          </a:prstGeom>
+          <a:noFill/>
+          <a:ln w="0">
+            <a:noFill/>
+          </a:ln>
+        </p:spPr>
+        <p:txBody>
+          <a:bodyPr lIns="0" tIns="0" rIns="0" bIns="0" anchor="ctr">
+            <a:noAutofit/>
+          </a:bodyPr>
+          <a:lstStyle/>
+          <a:p>
+            <a:endParaRPr lang="es-AR" sz="1800" b="0" strike="noStrike" spc="-1">
+              <a:solidFill>
+                <a:srgbClr val="000000"/>
+              </a:solidFill>
+              <a:latin typeface="Arial"/>
+            </a:endParaRPr>
+          </a:p>
+        </p:txBody>
+      </p:sp>
+      <p:sp>
+        <p:nvSpPr>
+          <p:cNvPr id="96" name="PlaceHolder 2"/>
+          <p:cNvSpPr>
+            <a:spLocks noGrp="1"/>
+          </p:cNvSpPr>
+          <p:nvPr>
+            <p:ph/>
+          </p:nvPr>
+        </p:nvSpPr>
+        <p:spPr>
+          <a:xfrm>
+            <a:off x="609480" y="1604520"/>
+            <a:ext cx="5354280" cy="1896840"/>
+          </a:xfrm>
+          <a:prstGeom prst="rect">
+            <a:avLst/>
+          </a:prstGeom>
+          <a:noFill/>
+          <a:ln w="0">
+            <a:noFill/>
+          </a:ln>
+        </p:spPr>
+        <p:txBody>
+          <a:bodyPr lIns="0" tIns="0" rIns="0" bIns="0" anchor="t">
+            <a:normAutofit/>
+          </a:bodyPr>
+          <a:lstStyle/>
+          <a:p>
+            <a:endParaRPr lang="es-AR" sz="2800" b="0" strike="noStrike" spc="-1">
+              <a:solidFill>
+                <a:srgbClr val="000000"/>
+              </a:solidFill>
+              <a:latin typeface="Arial"/>
+            </a:endParaRPr>
+          </a:p>
+        </p:txBody>
+      </p:sp>
+      <p:sp>
+        <p:nvSpPr>
+          <p:cNvPr id="97" name="PlaceHolder 3"/>
+          <p:cNvSpPr>
+            <a:spLocks noGrp="1"/>
+          </p:cNvSpPr>
+          <p:nvPr>
+            <p:ph/>
+          </p:nvPr>
+        </p:nvSpPr>
+        <p:spPr>
+          <a:xfrm>
+            <a:off x="6231960" y="1604520"/>
+            <a:ext cx="5354280" cy="1896840"/>
+          </a:xfrm>
+          <a:prstGeom prst="rect">
+            <a:avLst/>
+          </a:prstGeom>
+          <a:noFill/>
+          <a:ln w="0">
+            <a:noFill/>
+          </a:ln>
+        </p:spPr>
+        <p:txBody>
+          <a:bodyPr lIns="0" tIns="0" rIns="0" bIns="0" anchor="t">
+            <a:normAutofit/>
+          </a:bodyPr>
+          <a:lstStyle/>
+          <a:p>
+            <a:endParaRPr lang="es-AR" sz="2800" b="0" strike="noStrike" spc="-1">
+              <a:solidFill>
+                <a:srgbClr val="000000"/>
+              </a:solidFill>
+              <a:latin typeface="Arial"/>
+            </a:endParaRPr>
+          </a:p>
+        </p:txBody>
+      </p:sp>
+      <p:sp>
+        <p:nvSpPr>
+          <p:cNvPr id="98" name="PlaceHolder 4"/>
+          <p:cNvSpPr>
+            <a:spLocks noGrp="1"/>
+          </p:cNvSpPr>
+          <p:nvPr>
+            <p:ph/>
+          </p:nvPr>
+        </p:nvSpPr>
+        <p:spPr>
+          <a:xfrm>
+            <a:off x="609480" y="3682080"/>
+            <a:ext cx="10972440" cy="1896840"/>
+          </a:xfrm>
+          <a:prstGeom prst="rect">
+            <a:avLst/>
+          </a:prstGeom>
+          <a:noFill/>
+          <a:ln w="0">
+            <a:noFill/>
+          </a:ln>
+        </p:spPr>
+        <p:txBody>
+          <a:bodyPr lIns="0" tIns="0" rIns="0" bIns="0" anchor="t">
+            <a:normAutofit/>
+          </a:bodyPr>
+          <a:lstStyle/>
+          <a:p>
+            <a:endParaRPr lang="es-AR" sz="2800" b="0" strike="noStrike" spc="-1">
+              <a:solidFill>
+                <a:srgbClr val="000000"/>
+              </a:solidFill>
+              <a:latin typeface="Arial"/>
+            </a:endParaRPr>
+          </a:p>
+        </p:txBody>
+      </p:sp>
+    </p:spTree>
+  </p:cSld>
+  <p:clrMapOvr>
+    <a:masterClrMapping/>
+  </p:clrMapOvr>
+</p:sldLayout>
+</file>
+
+<file path=ppt/slideLayouts/slideLayout34.xml><?xml version="1.0" encoding="utf-8"?>
+<p:sldLayout xmlns:a="http://schemas.openxmlformats.org/drawingml/2006/main" xmlns:r="http://schemas.openxmlformats.org/officeDocument/2006/relationships" xmlns:p="http://schemas.openxmlformats.org/presentationml/2006/main" type="objOverTx" preserve="1">
+  <p:cSld name="Title, Content over Content">
+    <p:spTree>
+      <p:nvGrpSpPr>
+        <p:cNvPr id="1" name=""/>
+        <p:cNvGrpSpPr/>
+        <p:nvPr/>
+      </p:nvGrpSpPr>
+      <p:grpSpPr>
+        <a:xfrm>
+          <a:off x="0" y="0"/>
+          <a:ext cx="0" cy="0"/>
+          <a:chOff x="0" y="0"/>
+          <a:chExt cx="0" cy="0"/>
+        </a:xfrm>
+      </p:grpSpPr>
+      <p:sp>
+        <p:nvSpPr>
+          <p:cNvPr id="99" name="PlaceHolder 1"/>
+          <p:cNvSpPr>
+            <a:spLocks noGrp="1"/>
+          </p:cNvSpPr>
+          <p:nvPr>
+            <p:ph type="title"/>
+          </p:nvPr>
+        </p:nvSpPr>
+        <p:spPr>
+          <a:xfrm>
+            <a:off x="609480" y="273600"/>
+            <a:ext cx="10972440" cy="1144800"/>
+          </a:xfrm>
+          <a:prstGeom prst="rect">
+            <a:avLst/>
+          </a:prstGeom>
+          <a:noFill/>
+          <a:ln w="0">
+            <a:noFill/>
+          </a:ln>
+        </p:spPr>
+        <p:txBody>
+          <a:bodyPr lIns="0" tIns="0" rIns="0" bIns="0" anchor="ctr">
+            <a:noAutofit/>
+          </a:bodyPr>
+          <a:lstStyle/>
+          <a:p>
+            <a:endParaRPr lang="es-AR" sz="1800" b="0" strike="noStrike" spc="-1">
+              <a:solidFill>
+                <a:srgbClr val="000000"/>
+              </a:solidFill>
+              <a:latin typeface="Arial"/>
+            </a:endParaRPr>
+          </a:p>
+        </p:txBody>
+      </p:sp>
+      <p:sp>
+        <p:nvSpPr>
+          <p:cNvPr id="100" name="PlaceHolder 2"/>
+          <p:cNvSpPr>
+            <a:spLocks noGrp="1"/>
+          </p:cNvSpPr>
+          <p:nvPr>
+            <p:ph/>
+          </p:nvPr>
+        </p:nvSpPr>
+        <p:spPr>
+          <a:xfrm>
+            <a:off x="609480" y="1604520"/>
+            <a:ext cx="10972440" cy="1896840"/>
+          </a:xfrm>
+          <a:prstGeom prst="rect">
+            <a:avLst/>
+          </a:prstGeom>
+          <a:noFill/>
+          <a:ln w="0">
+            <a:noFill/>
+          </a:ln>
+        </p:spPr>
+        <p:txBody>
+          <a:bodyPr lIns="0" tIns="0" rIns="0" bIns="0" anchor="t">
+            <a:normAutofit/>
+          </a:bodyPr>
+          <a:lstStyle/>
+          <a:p>
+            <a:endParaRPr lang="es-AR" sz="2800" b="0" strike="noStrike" spc="-1">
+              <a:solidFill>
+                <a:srgbClr val="000000"/>
+              </a:solidFill>
+              <a:latin typeface="Arial"/>
+            </a:endParaRPr>
+          </a:p>
+        </p:txBody>
+      </p:sp>
+      <p:sp>
+        <p:nvSpPr>
+          <p:cNvPr id="101" name="PlaceHolder 3"/>
+          <p:cNvSpPr>
+            <a:spLocks noGrp="1"/>
+          </p:cNvSpPr>
+          <p:nvPr>
+            <p:ph/>
+          </p:nvPr>
+        </p:nvSpPr>
+        <p:spPr>
+          <a:xfrm>
+            <a:off x="609480" y="3682080"/>
+            <a:ext cx="10972440" cy="1896840"/>
+          </a:xfrm>
+          <a:prstGeom prst="rect">
+            <a:avLst/>
+          </a:prstGeom>
+          <a:noFill/>
+          <a:ln w="0">
+            <a:noFill/>
+          </a:ln>
+        </p:spPr>
+        <p:txBody>
+          <a:bodyPr lIns="0" tIns="0" rIns="0" bIns="0" anchor="t">
+            <a:normAutofit/>
+          </a:bodyPr>
+          <a:lstStyle/>
+          <a:p>
+            <a:endParaRPr lang="es-AR" sz="2800" b="0" strike="noStrike" spc="-1">
+              <a:solidFill>
+                <a:srgbClr val="000000"/>
+              </a:solidFill>
+              <a:latin typeface="Arial"/>
+            </a:endParaRPr>
+          </a:p>
+        </p:txBody>
+      </p:sp>
+    </p:spTree>
+  </p:cSld>
+  <p:clrMapOvr>
+    <a:masterClrMapping/>
+  </p:clrMapOvr>
+</p:sldLayout>
+</file>
+
+<file path=ppt/slideLayouts/slideLayout35.xml><?xml version="1.0" encoding="utf-8"?>
+<p:sldLayout xmlns:a="http://schemas.openxmlformats.org/drawingml/2006/main" xmlns:r="http://schemas.openxmlformats.org/officeDocument/2006/relationships" xmlns:p="http://schemas.openxmlformats.org/presentationml/2006/main" type="fourObj" preserve="1">
+  <p:cSld name="Title, 4 Content">
+    <p:spTree>
+      <p:nvGrpSpPr>
+        <p:cNvPr id="1" name=""/>
+        <p:cNvGrpSpPr/>
+        <p:nvPr/>
+      </p:nvGrpSpPr>
+      <p:grpSpPr>
+        <a:xfrm>
+          <a:off x="0" y="0"/>
+          <a:ext cx="0" cy="0"/>
+          <a:chOff x="0" y="0"/>
+          <a:chExt cx="0" cy="0"/>
+        </a:xfrm>
+      </p:grpSpPr>
+      <p:sp>
+        <p:nvSpPr>
+          <p:cNvPr id="102" name="PlaceHolder 1"/>
+          <p:cNvSpPr>
+            <a:spLocks noGrp="1"/>
+          </p:cNvSpPr>
+          <p:nvPr>
+            <p:ph type="title"/>
+          </p:nvPr>
+        </p:nvSpPr>
+        <p:spPr>
+          <a:xfrm>
+            <a:off x="609480" y="273600"/>
+            <a:ext cx="10972440" cy="1144800"/>
+          </a:xfrm>
+          <a:prstGeom prst="rect">
+            <a:avLst/>
+          </a:prstGeom>
+          <a:noFill/>
+          <a:ln w="0">
+            <a:noFill/>
+          </a:ln>
+        </p:spPr>
+        <p:txBody>
+          <a:bodyPr lIns="0" tIns="0" rIns="0" bIns="0" anchor="ctr">
+            <a:noAutofit/>
+          </a:bodyPr>
+          <a:lstStyle/>
+          <a:p>
+            <a:endParaRPr lang="es-AR" sz="1800" b="0" strike="noStrike" spc="-1">
+              <a:solidFill>
+                <a:srgbClr val="000000"/>
+              </a:solidFill>
+              <a:latin typeface="Arial"/>
+            </a:endParaRPr>
+          </a:p>
+        </p:txBody>
+      </p:sp>
+      <p:sp>
+        <p:nvSpPr>
+          <p:cNvPr id="103" name="PlaceHolder 2"/>
+          <p:cNvSpPr>
+            <a:spLocks noGrp="1"/>
+          </p:cNvSpPr>
+          <p:nvPr>
+            <p:ph/>
+          </p:nvPr>
+        </p:nvSpPr>
+        <p:spPr>
+          <a:xfrm>
+            <a:off x="609480" y="1604520"/>
+            <a:ext cx="5354280" cy="1896840"/>
+          </a:xfrm>
+          <a:prstGeom prst="rect">
+            <a:avLst/>
+          </a:prstGeom>
+          <a:noFill/>
+          <a:ln w="0">
+            <a:noFill/>
+          </a:ln>
+        </p:spPr>
+        <p:txBody>
+          <a:bodyPr lIns="0" tIns="0" rIns="0" bIns="0" anchor="t">
+            <a:normAutofit/>
+          </a:bodyPr>
+          <a:lstStyle/>
+          <a:p>
+            <a:endParaRPr lang="es-AR" sz="2800" b="0" strike="noStrike" spc="-1">
+              <a:solidFill>
+                <a:srgbClr val="000000"/>
+              </a:solidFill>
+              <a:latin typeface="Arial"/>
+            </a:endParaRPr>
+          </a:p>
+        </p:txBody>
+      </p:sp>
+      <p:sp>
+        <p:nvSpPr>
+          <p:cNvPr id="104" name="PlaceHolder 3"/>
+          <p:cNvSpPr>
+            <a:spLocks noGrp="1"/>
+          </p:cNvSpPr>
+          <p:nvPr>
+            <p:ph/>
+          </p:nvPr>
+        </p:nvSpPr>
+        <p:spPr>
+          <a:xfrm>
+            <a:off x="6231960" y="1604520"/>
+            <a:ext cx="5354280" cy="1896840"/>
+          </a:xfrm>
+          <a:prstGeom prst="rect">
+            <a:avLst/>
+          </a:prstGeom>
+          <a:noFill/>
+          <a:ln w="0">
+            <a:noFill/>
+          </a:ln>
+        </p:spPr>
+        <p:txBody>
+          <a:bodyPr lIns="0" tIns="0" rIns="0" bIns="0" anchor="t">
+            <a:normAutofit/>
+          </a:bodyPr>
+          <a:lstStyle/>
+          <a:p>
+            <a:endParaRPr lang="es-AR" sz="2800" b="0" strike="noStrike" spc="-1">
+              <a:solidFill>
+                <a:srgbClr val="000000"/>
+              </a:solidFill>
+              <a:latin typeface="Arial"/>
+            </a:endParaRPr>
+          </a:p>
+        </p:txBody>
+      </p:sp>
+      <p:sp>
+        <p:nvSpPr>
+          <p:cNvPr id="105" name="PlaceHolder 4"/>
+          <p:cNvSpPr>
+            <a:spLocks noGrp="1"/>
+          </p:cNvSpPr>
+          <p:nvPr>
+            <p:ph/>
+          </p:nvPr>
+        </p:nvSpPr>
+        <p:spPr>
+          <a:xfrm>
+            <a:off x="609480" y="3682080"/>
+            <a:ext cx="5354280" cy="1896840"/>
+          </a:xfrm>
+          <a:prstGeom prst="rect">
+            <a:avLst/>
+          </a:prstGeom>
+          <a:noFill/>
+          <a:ln w="0">
+            <a:noFill/>
+          </a:ln>
+        </p:spPr>
+        <p:txBody>
+          <a:bodyPr lIns="0" tIns="0" rIns="0" bIns="0" anchor="t">
+            <a:normAutofit/>
+          </a:bodyPr>
+          <a:lstStyle/>
+          <a:p>
+            <a:endParaRPr lang="es-AR" sz="2800" b="0" strike="noStrike" spc="-1">
+              <a:solidFill>
+                <a:srgbClr val="000000"/>
+              </a:solidFill>
+              <a:latin typeface="Arial"/>
+            </a:endParaRPr>
+          </a:p>
+        </p:txBody>
+      </p:sp>
+      <p:sp>
+        <p:nvSpPr>
+          <p:cNvPr id="106" name="PlaceHolder 5"/>
+          <p:cNvSpPr>
+            <a:spLocks noGrp="1"/>
+          </p:cNvSpPr>
+          <p:nvPr>
+            <p:ph/>
+          </p:nvPr>
+        </p:nvSpPr>
+        <p:spPr>
+          <a:xfrm>
+            <a:off x="6231960" y="3682080"/>
+            <a:ext cx="5354280" cy="1896840"/>
+          </a:xfrm>
+          <a:prstGeom prst="rect">
+            <a:avLst/>
+          </a:prstGeom>
+          <a:noFill/>
+          <a:ln w="0">
+            <a:noFill/>
+          </a:ln>
+        </p:spPr>
+        <p:txBody>
+          <a:bodyPr lIns="0" tIns="0" rIns="0" bIns="0" anchor="t">
+            <a:normAutofit/>
+          </a:bodyPr>
+          <a:lstStyle/>
+          <a:p>
+            <a:endParaRPr lang="es-AR" sz="2800" b="0" strike="noStrike" spc="-1">
+              <a:solidFill>
+                <a:srgbClr val="000000"/>
+              </a:solidFill>
+              <a:latin typeface="Arial"/>
+            </a:endParaRPr>
+          </a:p>
+        </p:txBody>
+      </p:sp>
+    </p:spTree>
+  </p:cSld>
+  <p:clrMapOvr>
+    <a:masterClrMapping/>
+  </p:clrMapOvr>
+</p:sldLayout>
+</file>
+
+<file path=ppt/slideLayouts/slideLayout36.xml><?xml version="1.0" encoding="utf-8"?>
+<p:sldLayout xmlns:a="http://schemas.openxmlformats.org/drawingml/2006/main" xmlns:r="http://schemas.openxmlformats.org/officeDocument/2006/relationships" xmlns:p="http://schemas.openxmlformats.org/presentationml/2006/main" type="blank" preserve="1">
+  <p:cSld name="Title, 6 Content">
+    <p:spTree>
+      <p:nvGrpSpPr>
+        <p:cNvPr id="1" name=""/>
+        <p:cNvGrpSpPr/>
+        <p:nvPr/>
+      </p:nvGrpSpPr>
+      <p:grpSpPr>
+        <a:xfrm>
+          <a:off x="0" y="0"/>
+          <a:ext cx="0" cy="0"/>
+          <a:chOff x="0" y="0"/>
+          <a:chExt cx="0" cy="0"/>
+        </a:xfrm>
+      </p:grpSpPr>
+      <p:sp>
+        <p:nvSpPr>
+          <p:cNvPr id="107" name="PlaceHolder 1"/>
+          <p:cNvSpPr>
+            <a:spLocks noGrp="1"/>
+          </p:cNvSpPr>
+          <p:nvPr>
+            <p:ph type="title"/>
+          </p:nvPr>
+        </p:nvSpPr>
+        <p:spPr>
+          <a:xfrm>
+            <a:off x="609480" y="273600"/>
+            <a:ext cx="10972440" cy="1144800"/>
+          </a:xfrm>
+          <a:prstGeom prst="rect">
+            <a:avLst/>
+          </a:prstGeom>
+          <a:noFill/>
+          <a:ln w="0">
+            <a:noFill/>
+          </a:ln>
+        </p:spPr>
+        <p:txBody>
+          <a:bodyPr lIns="0" tIns="0" rIns="0" bIns="0" anchor="ctr">
+            <a:noAutofit/>
+          </a:bodyPr>
+          <a:lstStyle/>
+          <a:p>
+            <a:endParaRPr lang="es-AR" sz="1800" b="0" strike="noStrike" spc="-1">
+              <a:solidFill>
+                <a:srgbClr val="000000"/>
+              </a:solidFill>
+              <a:latin typeface="Arial"/>
+            </a:endParaRPr>
+          </a:p>
+        </p:txBody>
+      </p:sp>
+      <p:sp>
+        <p:nvSpPr>
+          <p:cNvPr id="108" name="PlaceHolder 2"/>
+          <p:cNvSpPr>
+            <a:spLocks noGrp="1"/>
+          </p:cNvSpPr>
+          <p:nvPr>
+            <p:ph/>
+          </p:nvPr>
+        </p:nvSpPr>
+        <p:spPr>
+          <a:xfrm>
+            <a:off x="609480" y="1604520"/>
+            <a:ext cx="3533040" cy="1896840"/>
+          </a:xfrm>
+          <a:prstGeom prst="rect">
+            <a:avLst/>
+          </a:prstGeom>
+          <a:noFill/>
+          <a:ln w="0">
+            <a:noFill/>
+          </a:ln>
+        </p:spPr>
+        <p:txBody>
+          <a:bodyPr lIns="0" tIns="0" rIns="0" bIns="0" anchor="t">
+            <a:normAutofit/>
+          </a:bodyPr>
+          <a:lstStyle/>
+          <a:p>
+            <a:endParaRPr lang="es-AR" sz="2800" b="0" strike="noStrike" spc="-1">
+              <a:solidFill>
+                <a:srgbClr val="000000"/>
+              </a:solidFill>
+              <a:latin typeface="Arial"/>
+            </a:endParaRPr>
+          </a:p>
+        </p:txBody>
+      </p:sp>
+      <p:sp>
+        <p:nvSpPr>
+          <p:cNvPr id="109" name="PlaceHolder 3"/>
+          <p:cNvSpPr>
+            <a:spLocks noGrp="1"/>
+          </p:cNvSpPr>
+          <p:nvPr>
+            <p:ph/>
+          </p:nvPr>
+        </p:nvSpPr>
+        <p:spPr>
+          <a:xfrm>
+            <a:off x="4319640" y="1604520"/>
+            <a:ext cx="3533040" cy="1896840"/>
+          </a:xfrm>
+          <a:prstGeom prst="rect">
+            <a:avLst/>
+          </a:prstGeom>
+          <a:noFill/>
+          <a:ln w="0">
+            <a:noFill/>
+          </a:ln>
+        </p:spPr>
+        <p:txBody>
+          <a:bodyPr lIns="0" tIns="0" rIns="0" bIns="0" anchor="t">
+            <a:normAutofit/>
+          </a:bodyPr>
+          <a:lstStyle/>
+          <a:p>
+            <a:endParaRPr lang="es-AR" sz="2800" b="0" strike="noStrike" spc="-1">
+              <a:solidFill>
+                <a:srgbClr val="000000"/>
+              </a:solidFill>
+              <a:latin typeface="Arial"/>
+            </a:endParaRPr>
+          </a:p>
+        </p:txBody>
+      </p:sp>
+      <p:sp>
+        <p:nvSpPr>
+          <p:cNvPr id="110" name="PlaceHolder 4"/>
+          <p:cNvSpPr>
+            <a:spLocks noGrp="1"/>
+          </p:cNvSpPr>
+          <p:nvPr>
+            <p:ph/>
+          </p:nvPr>
+        </p:nvSpPr>
+        <p:spPr>
+          <a:xfrm>
+            <a:off x="8029800" y="1604520"/>
+            <a:ext cx="3533040" cy="1896840"/>
+          </a:xfrm>
+          <a:prstGeom prst="rect">
+            <a:avLst/>
+          </a:prstGeom>
+          <a:noFill/>
+          <a:ln w="0">
+            <a:noFill/>
+          </a:ln>
+        </p:spPr>
+        <p:txBody>
+          <a:bodyPr lIns="0" tIns="0" rIns="0" bIns="0" anchor="t">
+            <a:normAutofit/>
+          </a:bodyPr>
+          <a:lstStyle/>
+          <a:p>
+            <a:endParaRPr lang="es-AR" sz="2800" b="0" strike="noStrike" spc="-1">
+              <a:solidFill>
+                <a:srgbClr val="000000"/>
+              </a:solidFill>
+              <a:latin typeface="Arial"/>
+            </a:endParaRPr>
+          </a:p>
+        </p:txBody>
+      </p:sp>
+      <p:sp>
+        <p:nvSpPr>
+          <p:cNvPr id="111" name="PlaceHolder 5"/>
+          <p:cNvSpPr>
+            <a:spLocks noGrp="1"/>
+          </p:cNvSpPr>
+          <p:nvPr>
+            <p:ph/>
+          </p:nvPr>
+        </p:nvSpPr>
+        <p:spPr>
+          <a:xfrm>
+            <a:off x="609480" y="3682080"/>
+            <a:ext cx="3533040" cy="1896840"/>
+          </a:xfrm>
+          <a:prstGeom prst="rect">
+            <a:avLst/>
+          </a:prstGeom>
+          <a:noFill/>
+          <a:ln w="0">
+            <a:noFill/>
+          </a:ln>
+        </p:spPr>
+        <p:txBody>
+          <a:bodyPr lIns="0" tIns="0" rIns="0" bIns="0" anchor="t">
+            <a:normAutofit/>
+          </a:bodyPr>
+          <a:lstStyle/>
+          <a:p>
+            <a:endParaRPr lang="es-AR" sz="2800" b="0" strike="noStrike" spc="-1">
+              <a:solidFill>
+                <a:srgbClr val="000000"/>
+              </a:solidFill>
+              <a:latin typeface="Arial"/>
+            </a:endParaRPr>
+          </a:p>
+        </p:txBody>
+      </p:sp>
+      <p:sp>
+        <p:nvSpPr>
+          <p:cNvPr id="112" name="PlaceHolder 6"/>
+          <p:cNvSpPr>
+            <a:spLocks noGrp="1"/>
+          </p:cNvSpPr>
+          <p:nvPr>
+            <p:ph/>
+          </p:nvPr>
+        </p:nvSpPr>
+        <p:spPr>
+          <a:xfrm>
+            <a:off x="4319640" y="3682080"/>
+            <a:ext cx="3533040" cy="1896840"/>
+          </a:xfrm>
+          <a:prstGeom prst="rect">
+            <a:avLst/>
+          </a:prstGeom>
+          <a:noFill/>
+          <a:ln w="0">
+            <a:noFill/>
+          </a:ln>
+        </p:spPr>
+        <p:txBody>
+          <a:bodyPr lIns="0" tIns="0" rIns="0" bIns="0" anchor="t">
+            <a:normAutofit/>
+          </a:bodyPr>
+          <a:lstStyle/>
+          <a:p>
+            <a:endParaRPr lang="es-AR" sz="2800" b="0" strike="noStrike" spc="-1">
+              <a:solidFill>
+                <a:srgbClr val="000000"/>
+              </a:solidFill>
+              <a:latin typeface="Arial"/>
+            </a:endParaRPr>
+          </a:p>
+        </p:txBody>
+      </p:sp>
+      <p:sp>
+        <p:nvSpPr>
+          <p:cNvPr id="113" name="PlaceHolder 7"/>
+          <p:cNvSpPr>
+            <a:spLocks noGrp="1"/>
+          </p:cNvSpPr>
+          <p:nvPr>
+            <p:ph/>
+          </p:nvPr>
+        </p:nvSpPr>
+        <p:spPr>
+          <a:xfrm>
+            <a:off x="8029800" y="3682080"/>
+            <a:ext cx="3533040" cy="1896840"/>
+          </a:xfrm>
+          <a:prstGeom prst="rect">
+            <a:avLst/>
+          </a:prstGeom>
+          <a:noFill/>
+          <a:ln w="0">
+            <a:noFill/>
+          </a:ln>
+        </p:spPr>
+        <p:txBody>
+          <a:bodyPr lIns="0" tIns="0" rIns="0" bIns="0" anchor="t">
+            <a:normAutofit/>
+          </a:bodyPr>
+          <a:lstStyle/>
+          <a:p>
+            <a:endParaRPr lang="es-AR" sz="2800" b="0" strike="noStrike" spc="-1">
+              <a:solidFill>
+                <a:srgbClr val="000000"/>
+              </a:solidFill>
+              <a:latin typeface="Arial"/>
             </a:endParaRPr>
           </a:p>
         </p:txBody>
@@ -3257,7 +4965,7 @@
       </p:grpSpPr>
       <p:sp>
         <p:nvSpPr>
-          <p:cNvPr id="9" name="PlaceHolder 1"/>
+          <p:cNvPr id="6" name="PlaceHolder 1"/>
           <p:cNvSpPr>
             <a:spLocks noGrp="1"/>
           </p:cNvSpPr>
@@ -3267,8 +4975,8 @@
         </p:nvSpPr>
         <p:spPr>
           <a:xfrm>
-            <a:off x="838080" y="365040"/>
-            <a:ext cx="10515240" cy="1325160"/>
+            <a:off x="609480" y="273600"/>
+            <a:ext cx="10972440" cy="1144800"/>
           </a:xfrm>
           <a:prstGeom prst="rect">
             <a:avLst/>
@@ -3288,14 +4996,14 @@
               <a:solidFill>
                 <a:srgbClr val="000000"/>
               </a:solidFill>
-              <a:latin typeface="Calibri"/>
-            </a:endParaRPr>
-          </a:p>
-        </p:txBody>
-      </p:sp>
-      <p:sp>
-        <p:nvSpPr>
-          <p:cNvPr id="10" name="PlaceHolder 2"/>
+              <a:latin typeface="Arial"/>
+            </a:endParaRPr>
+          </a:p>
+        </p:txBody>
+      </p:sp>
+      <p:sp>
+        <p:nvSpPr>
+          <p:cNvPr id="7" name="PlaceHolder 2"/>
           <p:cNvSpPr>
             <a:spLocks noGrp="1"/>
           </p:cNvSpPr>
@@ -3305,8 +5013,8 @@
         </p:nvSpPr>
         <p:spPr>
           <a:xfrm>
-            <a:off x="838080" y="1825560"/>
-            <a:ext cx="5131080" cy="4350960"/>
+            <a:off x="609480" y="1604520"/>
+            <a:ext cx="5354280" cy="3977280"/>
           </a:xfrm>
           <a:prstGeom prst="rect">
             <a:avLst/>
@@ -3326,14 +5034,14 @@
               <a:solidFill>
                 <a:srgbClr val="000000"/>
               </a:solidFill>
-              <a:latin typeface="Calibri"/>
-            </a:endParaRPr>
-          </a:p>
-        </p:txBody>
-      </p:sp>
-      <p:sp>
-        <p:nvSpPr>
-          <p:cNvPr id="11" name="PlaceHolder 3"/>
+              <a:latin typeface="Arial"/>
+            </a:endParaRPr>
+          </a:p>
+        </p:txBody>
+      </p:sp>
+      <p:sp>
+        <p:nvSpPr>
+          <p:cNvPr id="8" name="PlaceHolder 3"/>
           <p:cNvSpPr>
             <a:spLocks noGrp="1"/>
           </p:cNvSpPr>
@@ -3343,8 +5051,8 @@
         </p:nvSpPr>
         <p:spPr>
           <a:xfrm>
-            <a:off x="6226200" y="1825560"/>
-            <a:ext cx="5131080" cy="4350960"/>
+            <a:off x="6231960" y="1604520"/>
+            <a:ext cx="5354280" cy="3977280"/>
           </a:xfrm>
           <a:prstGeom prst="rect">
             <a:avLst/>
@@ -3364,7 +5072,7 @@
               <a:solidFill>
                 <a:srgbClr val="000000"/>
               </a:solidFill>
-              <a:latin typeface="Calibri"/>
+              <a:latin typeface="Arial"/>
             </a:endParaRPr>
           </a:p>
         </p:txBody>
@@ -3396,7 +5104,7 @@
       </p:grpSpPr>
       <p:sp>
         <p:nvSpPr>
-          <p:cNvPr id="12" name="PlaceHolder 1"/>
+          <p:cNvPr id="9" name="PlaceHolder 1"/>
           <p:cNvSpPr>
             <a:spLocks noGrp="1"/>
           </p:cNvSpPr>
@@ -3406,8 +5114,8 @@
         </p:nvSpPr>
         <p:spPr>
           <a:xfrm>
-            <a:off x="838080" y="365040"/>
-            <a:ext cx="10515240" cy="1325160"/>
+            <a:off x="609480" y="273600"/>
+            <a:ext cx="10972440" cy="1144800"/>
           </a:xfrm>
           <a:prstGeom prst="rect">
             <a:avLst/>
@@ -3427,7 +5135,7 @@
               <a:solidFill>
                 <a:srgbClr val="000000"/>
               </a:solidFill>
-              <a:latin typeface="Calibri"/>
+              <a:latin typeface="Arial"/>
             </a:endParaRPr>
           </a:p>
         </p:txBody>
@@ -3459,7 +5167,7 @@
       </p:grpSpPr>
       <p:sp>
         <p:nvSpPr>
-          <p:cNvPr id="13" name="PlaceHolder 1"/>
+          <p:cNvPr id="10" name="PlaceHolder 1"/>
           <p:cNvSpPr>
             <a:spLocks noGrp="1"/>
           </p:cNvSpPr>
@@ -3469,8 +5177,8 @@
         </p:nvSpPr>
         <p:spPr>
           <a:xfrm>
-            <a:off x="838080" y="365040"/>
-            <a:ext cx="10515240" cy="6144120"/>
+            <a:off x="609480" y="273600"/>
+            <a:ext cx="10972440" cy="5307840"/>
           </a:xfrm>
           <a:prstGeom prst="rect">
             <a:avLst/>
@@ -3520,7 +5228,7 @@
       </p:grpSpPr>
       <p:sp>
         <p:nvSpPr>
-          <p:cNvPr id="14" name="PlaceHolder 1"/>
+          <p:cNvPr id="11" name="PlaceHolder 1"/>
           <p:cNvSpPr>
             <a:spLocks noGrp="1"/>
           </p:cNvSpPr>
@@ -3530,8 +5238,8 @@
         </p:nvSpPr>
         <p:spPr>
           <a:xfrm>
-            <a:off x="838080" y="365040"/>
-            <a:ext cx="10515240" cy="1325160"/>
+            <a:off x="609480" y="273600"/>
+            <a:ext cx="10972440" cy="1144800"/>
           </a:xfrm>
           <a:prstGeom prst="rect">
             <a:avLst/>
@@ -3551,14 +5259,14 @@
               <a:solidFill>
                 <a:srgbClr val="000000"/>
               </a:solidFill>
-              <a:latin typeface="Calibri"/>
-            </a:endParaRPr>
-          </a:p>
-        </p:txBody>
-      </p:sp>
-      <p:sp>
-        <p:nvSpPr>
-          <p:cNvPr id="15" name="PlaceHolder 2"/>
+              <a:latin typeface="Arial"/>
+            </a:endParaRPr>
+          </a:p>
+        </p:txBody>
+      </p:sp>
+      <p:sp>
+        <p:nvSpPr>
+          <p:cNvPr id="12" name="PlaceHolder 2"/>
           <p:cNvSpPr>
             <a:spLocks noGrp="1"/>
           </p:cNvSpPr>
@@ -3568,8 +5276,8 @@
         </p:nvSpPr>
         <p:spPr>
           <a:xfrm>
-            <a:off x="838080" y="1825560"/>
-            <a:ext cx="5131080" cy="2075040"/>
+            <a:off x="609480" y="1604520"/>
+            <a:ext cx="5354280" cy="1896840"/>
           </a:xfrm>
           <a:prstGeom prst="rect">
             <a:avLst/>
@@ -3589,14 +5297,14 @@
               <a:solidFill>
                 <a:srgbClr val="000000"/>
               </a:solidFill>
-              <a:latin typeface="Calibri"/>
-            </a:endParaRPr>
-          </a:p>
-        </p:txBody>
-      </p:sp>
-      <p:sp>
-        <p:nvSpPr>
-          <p:cNvPr id="16" name="PlaceHolder 3"/>
+              <a:latin typeface="Arial"/>
+            </a:endParaRPr>
+          </a:p>
+        </p:txBody>
+      </p:sp>
+      <p:sp>
+        <p:nvSpPr>
+          <p:cNvPr id="13" name="PlaceHolder 3"/>
           <p:cNvSpPr>
             <a:spLocks noGrp="1"/>
           </p:cNvSpPr>
@@ -3606,8 +5314,8 @@
         </p:nvSpPr>
         <p:spPr>
           <a:xfrm>
-            <a:off x="6226200" y="1825560"/>
-            <a:ext cx="5131080" cy="4350960"/>
+            <a:off x="6231960" y="1604520"/>
+            <a:ext cx="5354280" cy="3977280"/>
           </a:xfrm>
           <a:prstGeom prst="rect">
             <a:avLst/>
@@ -3627,14 +5335,14 @@
               <a:solidFill>
                 <a:srgbClr val="000000"/>
               </a:solidFill>
-              <a:latin typeface="Calibri"/>
-            </a:endParaRPr>
-          </a:p>
-        </p:txBody>
-      </p:sp>
-      <p:sp>
-        <p:nvSpPr>
-          <p:cNvPr id="17" name="PlaceHolder 4"/>
+              <a:latin typeface="Arial"/>
+            </a:endParaRPr>
+          </a:p>
+        </p:txBody>
+      </p:sp>
+      <p:sp>
+        <p:nvSpPr>
+          <p:cNvPr id="14" name="PlaceHolder 4"/>
           <p:cNvSpPr>
             <a:spLocks noGrp="1"/>
           </p:cNvSpPr>
@@ -3644,8 +5352,8 @@
         </p:nvSpPr>
         <p:spPr>
           <a:xfrm>
-            <a:off x="838080" y="4098240"/>
-            <a:ext cx="5131080" cy="2075040"/>
+            <a:off x="609480" y="3682080"/>
+            <a:ext cx="5354280" cy="1896840"/>
           </a:xfrm>
           <a:prstGeom prst="rect">
             <a:avLst/>
@@ -3665,7 +5373,7 @@
               <a:solidFill>
                 <a:srgbClr val="000000"/>
               </a:solidFill>
-              <a:latin typeface="Calibri"/>
+              <a:latin typeface="Arial"/>
             </a:endParaRPr>
           </a:p>
         </p:txBody>
@@ -3697,7 +5405,7 @@
       </p:grpSpPr>
       <p:sp>
         <p:nvSpPr>
-          <p:cNvPr id="18" name="PlaceHolder 1"/>
+          <p:cNvPr id="15" name="PlaceHolder 1"/>
           <p:cNvSpPr>
             <a:spLocks noGrp="1"/>
           </p:cNvSpPr>
@@ -3707,8 +5415,8 @@
         </p:nvSpPr>
         <p:spPr>
           <a:xfrm>
-            <a:off x="838080" y="365040"/>
-            <a:ext cx="10515240" cy="1325160"/>
+            <a:off x="609480" y="273600"/>
+            <a:ext cx="10972440" cy="1144800"/>
           </a:xfrm>
           <a:prstGeom prst="rect">
             <a:avLst/>
@@ -3728,14 +5436,14 @@
               <a:solidFill>
                 <a:srgbClr val="000000"/>
               </a:solidFill>
-              <a:latin typeface="Calibri"/>
-            </a:endParaRPr>
-          </a:p>
-        </p:txBody>
-      </p:sp>
-      <p:sp>
-        <p:nvSpPr>
-          <p:cNvPr id="19" name="PlaceHolder 2"/>
+              <a:latin typeface="Arial"/>
+            </a:endParaRPr>
+          </a:p>
+        </p:txBody>
+      </p:sp>
+      <p:sp>
+        <p:nvSpPr>
+          <p:cNvPr id="16" name="PlaceHolder 2"/>
           <p:cNvSpPr>
             <a:spLocks noGrp="1"/>
           </p:cNvSpPr>
@@ -3745,8 +5453,8 @@
         </p:nvSpPr>
         <p:spPr>
           <a:xfrm>
-            <a:off x="838080" y="1825560"/>
-            <a:ext cx="5131080" cy="4350960"/>
+            <a:off x="609480" y="1604520"/>
+            <a:ext cx="5354280" cy="3977280"/>
           </a:xfrm>
           <a:prstGeom prst="rect">
             <a:avLst/>
@@ -3766,14 +5474,14 @@
               <a:solidFill>
                 <a:srgbClr val="000000"/>
               </a:solidFill>
-              <a:latin typeface="Calibri"/>
-            </a:endParaRPr>
-          </a:p>
-        </p:txBody>
-      </p:sp>
-      <p:sp>
-        <p:nvSpPr>
-          <p:cNvPr id="20" name="PlaceHolder 3"/>
+              <a:latin typeface="Arial"/>
+            </a:endParaRPr>
+          </a:p>
+        </p:txBody>
+      </p:sp>
+      <p:sp>
+        <p:nvSpPr>
+          <p:cNvPr id="17" name="PlaceHolder 3"/>
           <p:cNvSpPr>
             <a:spLocks noGrp="1"/>
           </p:cNvSpPr>
@@ -3783,8 +5491,8 @@
         </p:nvSpPr>
         <p:spPr>
           <a:xfrm>
-            <a:off x="6226200" y="1825560"/>
-            <a:ext cx="5131080" cy="2075040"/>
+            <a:off x="6231960" y="1604520"/>
+            <a:ext cx="5354280" cy="1896840"/>
           </a:xfrm>
           <a:prstGeom prst="rect">
             <a:avLst/>
@@ -3804,14 +5512,14 @@
               <a:solidFill>
                 <a:srgbClr val="000000"/>
               </a:solidFill>
-              <a:latin typeface="Calibri"/>
-            </a:endParaRPr>
-          </a:p>
-        </p:txBody>
-      </p:sp>
-      <p:sp>
-        <p:nvSpPr>
-          <p:cNvPr id="21" name="PlaceHolder 4"/>
+              <a:latin typeface="Arial"/>
+            </a:endParaRPr>
+          </a:p>
+        </p:txBody>
+      </p:sp>
+      <p:sp>
+        <p:nvSpPr>
+          <p:cNvPr id="18" name="PlaceHolder 4"/>
           <p:cNvSpPr>
             <a:spLocks noGrp="1"/>
           </p:cNvSpPr>
@@ -3821,8 +5529,8 @@
         </p:nvSpPr>
         <p:spPr>
           <a:xfrm>
-            <a:off x="6226200" y="4098240"/>
-            <a:ext cx="5131080" cy="2075040"/>
+            <a:off x="6231960" y="3682080"/>
+            <a:ext cx="5354280" cy="1896840"/>
           </a:xfrm>
           <a:prstGeom prst="rect">
             <a:avLst/>
@@ -3842,7 +5550,7 @@
               <a:solidFill>
                 <a:srgbClr val="000000"/>
               </a:solidFill>
-              <a:latin typeface="Calibri"/>
+              <a:latin typeface="Arial"/>
             </a:endParaRPr>
           </a:p>
         </p:txBody>
@@ -3874,7 +5582,7 @@
       </p:grpSpPr>
       <p:sp>
         <p:nvSpPr>
-          <p:cNvPr id="22" name="PlaceHolder 1"/>
+          <p:cNvPr id="19" name="PlaceHolder 1"/>
           <p:cNvSpPr>
             <a:spLocks noGrp="1"/>
           </p:cNvSpPr>
@@ -3884,8 +5592,8 @@
         </p:nvSpPr>
         <p:spPr>
           <a:xfrm>
-            <a:off x="838080" y="365040"/>
-            <a:ext cx="10515240" cy="1325160"/>
+            <a:off x="609480" y="273600"/>
+            <a:ext cx="10972440" cy="1144800"/>
           </a:xfrm>
           <a:prstGeom prst="rect">
             <a:avLst/>
@@ -3905,14 +5613,14 @@
               <a:solidFill>
                 <a:srgbClr val="000000"/>
               </a:solidFill>
-              <a:latin typeface="Calibri"/>
-            </a:endParaRPr>
-          </a:p>
-        </p:txBody>
-      </p:sp>
-      <p:sp>
-        <p:nvSpPr>
-          <p:cNvPr id="23" name="PlaceHolder 2"/>
+              <a:latin typeface="Arial"/>
+            </a:endParaRPr>
+          </a:p>
+        </p:txBody>
+      </p:sp>
+      <p:sp>
+        <p:nvSpPr>
+          <p:cNvPr id="20" name="PlaceHolder 2"/>
           <p:cNvSpPr>
             <a:spLocks noGrp="1"/>
           </p:cNvSpPr>
@@ -3922,8 +5630,8 @@
         </p:nvSpPr>
         <p:spPr>
           <a:xfrm>
-            <a:off x="838080" y="1825560"/>
-            <a:ext cx="5131080" cy="2075040"/>
+            <a:off x="609480" y="1604520"/>
+            <a:ext cx="5354280" cy="1896840"/>
           </a:xfrm>
           <a:prstGeom prst="rect">
             <a:avLst/>
@@ -3943,14 +5651,14 @@
               <a:solidFill>
                 <a:srgbClr val="000000"/>
               </a:solidFill>
-              <a:latin typeface="Calibri"/>
-            </a:endParaRPr>
-          </a:p>
-        </p:txBody>
-      </p:sp>
-      <p:sp>
-        <p:nvSpPr>
-          <p:cNvPr id="24" name="PlaceHolder 3"/>
+              <a:latin typeface="Arial"/>
+            </a:endParaRPr>
+          </a:p>
+        </p:txBody>
+      </p:sp>
+      <p:sp>
+        <p:nvSpPr>
+          <p:cNvPr id="21" name="PlaceHolder 3"/>
           <p:cNvSpPr>
             <a:spLocks noGrp="1"/>
           </p:cNvSpPr>
@@ -3960,8 +5668,8 @@
         </p:nvSpPr>
         <p:spPr>
           <a:xfrm>
-            <a:off x="6226200" y="1825560"/>
-            <a:ext cx="5131080" cy="2075040"/>
+            <a:off x="6231960" y="1604520"/>
+            <a:ext cx="5354280" cy="1896840"/>
           </a:xfrm>
           <a:prstGeom prst="rect">
             <a:avLst/>
@@ -3981,14 +5689,14 @@
               <a:solidFill>
                 <a:srgbClr val="000000"/>
               </a:solidFill>
-              <a:latin typeface="Calibri"/>
-            </a:endParaRPr>
-          </a:p>
-        </p:txBody>
-      </p:sp>
-      <p:sp>
-        <p:nvSpPr>
-          <p:cNvPr id="25" name="PlaceHolder 4"/>
+              <a:latin typeface="Arial"/>
+            </a:endParaRPr>
+          </a:p>
+        </p:txBody>
+      </p:sp>
+      <p:sp>
+        <p:nvSpPr>
+          <p:cNvPr id="22" name="PlaceHolder 4"/>
           <p:cNvSpPr>
             <a:spLocks noGrp="1"/>
           </p:cNvSpPr>
@@ -3998,8 +5706,8 @@
         </p:nvSpPr>
         <p:spPr>
           <a:xfrm>
-            <a:off x="838080" y="4098240"/>
-            <a:ext cx="10515240" cy="2075040"/>
+            <a:off x="609480" y="3682080"/>
+            <a:ext cx="10972440" cy="1896840"/>
           </a:xfrm>
           <a:prstGeom prst="rect">
             <a:avLst/>
@@ -4019,7 +5727,7 @@
               <a:solidFill>
                 <a:srgbClr val="000000"/>
               </a:solidFill>
-              <a:latin typeface="Calibri"/>
+              <a:latin typeface="Arial"/>
             </a:endParaRPr>
           </a:p>
         </p:txBody>
@@ -4059,7 +5767,7 @@
       </p:grpSpPr>
       <p:sp>
         <p:nvSpPr>
-          <p:cNvPr id="5" name="PlaceHolder 1"/>
+          <p:cNvPr id="2" name="PlaceHolder 1"/>
           <p:cNvSpPr>
             <a:spLocks noGrp="1"/>
           </p:cNvSpPr>
@@ -4069,182 +5777,38 @@
         </p:nvSpPr>
         <p:spPr>
           <a:xfrm>
-            <a:off x="1523880" y="1122480"/>
-            <a:ext cx="9143640" cy="2387160"/>
-          </a:xfrm>
-          <a:prstGeom prst="rect">
-            <a:avLst/>
-          </a:prstGeom>
-          <a:noFill/>
-          <a:ln w="0">
-            <a:noFill/>
-          </a:ln>
-        </p:spPr>
-        <p:txBody>
-          <a:bodyPr anchor="b">
+            <a:off x="838080" y="365040"/>
+            <a:ext cx="10514880" cy="1324800"/>
+          </a:xfrm>
+          <a:prstGeom prst="rect">
+            <a:avLst/>
+          </a:prstGeom>
+          <a:noFill/>
+          <a:ln w="0">
+            <a:noFill/>
+          </a:ln>
+        </p:spPr>
+        <p:txBody>
+          <a:bodyPr lIns="0" tIns="0" rIns="0" bIns="0" anchor="ctr">
             <a:noAutofit/>
           </a:bodyPr>
           <a:lstStyle/>
           <a:p>
-            <a:pPr algn="ctr">
-              <a:lnSpc>
-                <a:spcPct val="90000"/>
-              </a:lnSpc>
-            </a:pPr>
             <a:r>
-              <a:rPr lang="es-ES" sz="6000" b="0" strike="noStrike" spc="-1">
+              <a:rPr lang="es-AR" sz="4400" b="0" strike="noStrike" spc="-1">
                 <a:solidFill>
                   <a:srgbClr val="000000"/>
                 </a:solidFill>
-                <a:latin typeface="Calibri Light"/>
+                <a:latin typeface="Arial"/>
               </a:rPr>
-              <a:t>Haga clic para modificar el estilo de título del patrón</a:t>
+              <a:t>Pulse para editar el formato del texto de título</a:t>
             </a:r>
-            <a:endParaRPr lang="es-AR" sz="6000" b="0" strike="noStrike" spc="-1">
-              <a:solidFill>
-                <a:srgbClr val="000000"/>
-              </a:solidFill>
-              <a:latin typeface="Calibri"/>
-            </a:endParaRPr>
-          </a:p>
-        </p:txBody>
-      </p:sp>
-      <p:sp>
-        <p:nvSpPr>
-          <p:cNvPr id="6" name="PlaceHolder 2"/>
-          <p:cNvSpPr>
-            <a:spLocks noGrp="1"/>
-          </p:cNvSpPr>
-          <p:nvPr>
-            <p:ph type="dt"/>
-          </p:nvPr>
-        </p:nvSpPr>
-        <p:spPr>
-          <a:xfrm>
-            <a:off x="838080" y="6356520"/>
-            <a:ext cx="2742840" cy="364680"/>
-          </a:xfrm>
-          <a:prstGeom prst="rect">
-            <a:avLst/>
-          </a:prstGeom>
-          <a:noFill/>
-          <a:ln w="0">
-            <a:noFill/>
-          </a:ln>
-        </p:spPr>
-        <p:txBody>
-          <a:bodyPr anchor="ctr">
-            <a:noAutofit/>
-          </a:bodyPr>
-          <a:lstStyle/>
-          <a:p>
-            <a:pPr>
-              <a:lnSpc>
-                <a:spcPct val="100000"/>
-              </a:lnSpc>
-            </a:pPr>
-            <a:fld id="{9595A61F-25D2-4D92-813A-1284F3BFE4E3}" type="datetime">
-              <a:rPr lang="es-AR" sz="1200" b="0" strike="noStrike" spc="-1">
-                <a:solidFill>
-                  <a:srgbClr val="8B8B8B"/>
-                </a:solidFill>
-                <a:latin typeface="Calibri"/>
-              </a:rPr>
-              <a:t>31/5/2022</a:t>
-            </a:fld>
-            <a:endParaRPr lang="es-AR" sz="1200" b="0" strike="noStrike" spc="-1">
-              <a:latin typeface="Times New Roman"/>
-            </a:endParaRPr>
-          </a:p>
-        </p:txBody>
-      </p:sp>
-      <p:sp>
-        <p:nvSpPr>
-          <p:cNvPr id="2" name="PlaceHolder 3"/>
-          <p:cNvSpPr>
-            <a:spLocks noGrp="1"/>
-          </p:cNvSpPr>
-          <p:nvPr>
-            <p:ph type="ftr"/>
-          </p:nvPr>
-        </p:nvSpPr>
-        <p:spPr>
-          <a:xfrm>
-            <a:off x="4038480" y="6356520"/>
-            <a:ext cx="4114440" cy="364680"/>
-          </a:xfrm>
-          <a:prstGeom prst="rect">
-            <a:avLst/>
-          </a:prstGeom>
-          <a:noFill/>
-          <a:ln w="0">
-            <a:noFill/>
-          </a:ln>
-        </p:spPr>
-        <p:txBody>
-          <a:bodyPr anchor="ctr">
-            <a:noAutofit/>
-          </a:bodyPr>
-          <a:lstStyle/>
-          <a:p>
-            <a:endParaRPr lang="es-AR" sz="2400" b="0" strike="noStrike" spc="-1">
-              <a:latin typeface="Times New Roman"/>
-            </a:endParaRPr>
-          </a:p>
-        </p:txBody>
-      </p:sp>
-      <p:sp>
-        <p:nvSpPr>
-          <p:cNvPr id="3" name="PlaceHolder 4"/>
-          <p:cNvSpPr>
-            <a:spLocks noGrp="1"/>
-          </p:cNvSpPr>
-          <p:nvPr>
-            <p:ph type="sldNum"/>
-          </p:nvPr>
-        </p:nvSpPr>
-        <p:spPr>
-          <a:xfrm>
-            <a:off x="8610480" y="6356520"/>
-            <a:ext cx="2742840" cy="364680"/>
-          </a:xfrm>
-          <a:prstGeom prst="rect">
-            <a:avLst/>
-          </a:prstGeom>
-          <a:noFill/>
-          <a:ln w="0">
-            <a:noFill/>
-          </a:ln>
-        </p:spPr>
-        <p:txBody>
-          <a:bodyPr anchor="ctr">
-            <a:noAutofit/>
-          </a:bodyPr>
-          <a:lstStyle/>
-          <a:p>
-            <a:pPr algn="r">
-              <a:lnSpc>
-                <a:spcPct val="100000"/>
-              </a:lnSpc>
-            </a:pPr>
-            <a:fld id="{7DE62B73-C162-4A82-BBEE-5085693110C2}" type="slidenum">
-              <a:rPr lang="es-AR" sz="1200" b="0" strike="noStrike" spc="-1">
-                <a:solidFill>
-                  <a:srgbClr val="8B8B8B"/>
-                </a:solidFill>
-                <a:latin typeface="Calibri"/>
-              </a:rPr>
-              <a:t>‹Nº›</a:t>
-            </a:fld>
-            <a:endParaRPr lang="es-AR" sz="1200" b="0" strike="noStrike" spc="-1">
-              <a:latin typeface="Times New Roman"/>
-            </a:endParaRPr>
-          </a:p>
-        </p:txBody>
-      </p:sp>
-      <p:sp>
-        <p:nvSpPr>
-          <p:cNvPr id="4" name="PlaceHolder 5"/>
+          </a:p>
+        </p:txBody>
+      </p:sp>
+      <p:sp>
+        <p:nvSpPr>
+          <p:cNvPr id="3" name="PlaceHolder 2"/>
           <p:cNvSpPr>
             <a:spLocks noGrp="1"/>
           </p:cNvSpPr>
@@ -4287,7 +5851,7 @@
                 <a:solidFill>
                   <a:srgbClr val="000000"/>
                 </a:solidFill>
-                <a:latin typeface="Calibri"/>
+                <a:latin typeface="Arial"/>
               </a:rPr>
               <a:t>Pulse para editar el formato de texto del esquema</a:t>
             </a:r>
@@ -4309,7 +5873,7 @@
                 <a:solidFill>
                   <a:srgbClr val="000000"/>
                 </a:solidFill>
-                <a:latin typeface="Calibri"/>
+                <a:latin typeface="Arial"/>
               </a:rPr>
               <a:t>Segundo nivel del esquema</a:t>
             </a:r>
@@ -4331,7 +5895,7 @@
                 <a:solidFill>
                   <a:srgbClr val="000000"/>
                 </a:solidFill>
-                <a:latin typeface="Calibri"/>
+                <a:latin typeface="Arial"/>
               </a:rPr>
               <a:t>Tercer nivel del esquema</a:t>
             </a:r>
@@ -4353,7 +5917,7 @@
                 <a:solidFill>
                   <a:srgbClr val="000000"/>
                 </a:solidFill>
-                <a:latin typeface="Calibri"/>
+                <a:latin typeface="Arial"/>
               </a:rPr>
               <a:t>Cuarto nivel del esquema</a:t>
             </a:r>
@@ -4375,7 +5939,7 @@
                 <a:solidFill>
                   <a:srgbClr val="000000"/>
                 </a:solidFill>
-                <a:latin typeface="Calibri"/>
+                <a:latin typeface="Arial"/>
               </a:rPr>
               <a:t>Quinto nivel del esquema</a:t>
             </a:r>
@@ -4397,7 +5961,7 @@
                 <a:solidFill>
                   <a:srgbClr val="000000"/>
                 </a:solidFill>
-                <a:latin typeface="Calibri"/>
+                <a:latin typeface="Arial"/>
               </a:rPr>
               <a:t>Sexto nivel del esquema</a:t>
             </a:r>
@@ -4419,7 +5983,7 @@
                 <a:solidFill>
                   <a:srgbClr val="000000"/>
                 </a:solidFill>
-                <a:latin typeface="Calibri"/>
+                <a:latin typeface="Arial"/>
               </a:rPr>
               <a:t>Séptimo nivel del esquema</a:t>
             </a:r>
@@ -4753,7 +6317,7 @@
       </p:grpSpPr>
       <p:sp>
         <p:nvSpPr>
-          <p:cNvPr id="41" name="PlaceHolder 1"/>
+          <p:cNvPr id="38" name="PlaceHolder 1"/>
           <p:cNvSpPr>
             <a:spLocks noGrp="1"/>
           </p:cNvSpPr>
@@ -4763,49 +6327,38 @@
         </p:nvSpPr>
         <p:spPr>
           <a:xfrm>
-            <a:off x="838080" y="365040"/>
-            <a:ext cx="10515240" cy="1325160"/>
-          </a:xfrm>
-          <a:prstGeom prst="rect">
-            <a:avLst/>
-          </a:prstGeom>
-          <a:noFill/>
-          <a:ln w="0">
-            <a:noFill/>
-          </a:ln>
-        </p:spPr>
-        <p:txBody>
-          <a:bodyPr anchor="ctr">
+            <a:off x="609480" y="273600"/>
+            <a:ext cx="10972440" cy="1144800"/>
+          </a:xfrm>
+          <a:prstGeom prst="rect">
+            <a:avLst/>
+          </a:prstGeom>
+          <a:noFill/>
+          <a:ln w="0">
+            <a:noFill/>
+          </a:ln>
+        </p:spPr>
+        <p:txBody>
+          <a:bodyPr lIns="0" tIns="0" rIns="0" bIns="0" anchor="ctr">
             <a:noAutofit/>
           </a:bodyPr>
           <a:lstStyle/>
           <a:p>
-            <a:pPr>
-              <a:lnSpc>
-                <a:spcPct val="90000"/>
-              </a:lnSpc>
-            </a:pPr>
             <a:r>
-              <a:rPr lang="es-ES" sz="4400" b="0" strike="noStrike" spc="-1">
+              <a:rPr lang="es-AR" sz="1800" b="0" strike="noStrike" spc="-1">
                 <a:solidFill>
                   <a:srgbClr val="000000"/>
                 </a:solidFill>
-                <a:latin typeface="Calibri Light"/>
+                <a:latin typeface="Arial"/>
               </a:rPr>
-              <a:t>Haga clic para modificar el estilo de título del patrón</a:t>
+              <a:t>Pulse para editar el formato del texto de título</a:t>
             </a:r>
-            <a:endParaRPr lang="es-AR" sz="4400" b="0" strike="noStrike" spc="-1">
-              <a:solidFill>
-                <a:srgbClr val="000000"/>
-              </a:solidFill>
-              <a:latin typeface="Calibri"/>
-            </a:endParaRPr>
-          </a:p>
-        </p:txBody>
-      </p:sp>
-      <p:sp>
-        <p:nvSpPr>
-          <p:cNvPr id="42" name="PlaceHolder 2"/>
+          </a:p>
+        </p:txBody>
+      </p:sp>
+      <p:sp>
+        <p:nvSpPr>
+          <p:cNvPr id="39" name="PlaceHolder 2"/>
           <p:cNvSpPr>
             <a:spLocks noGrp="1"/>
           </p:cNvSpPr>
@@ -4815,304 +6368,175 @@
         </p:nvSpPr>
         <p:spPr>
           <a:xfrm>
-            <a:off x="838080" y="1825560"/>
-            <a:ext cx="10515240" cy="4350960"/>
-          </a:xfrm>
-          <a:prstGeom prst="rect">
-            <a:avLst/>
-          </a:prstGeom>
-          <a:noFill/>
-          <a:ln w="0">
-            <a:noFill/>
-          </a:ln>
-        </p:spPr>
-        <p:txBody>
-          <a:bodyPr anchor="t">
-            <a:noAutofit/>
-          </a:bodyPr>
-          <a:lstStyle/>
-          <a:p>
-            <a:pPr marL="228600" indent="-228600">
-              <a:lnSpc>
-                <a:spcPct val="90000"/>
-              </a:lnSpc>
+            <a:off x="609480" y="1604520"/>
+            <a:ext cx="10972440" cy="3977280"/>
+          </a:xfrm>
+          <a:prstGeom prst="rect">
+            <a:avLst/>
+          </a:prstGeom>
+          <a:noFill/>
+          <a:ln w="0">
+            <a:noFill/>
+          </a:ln>
+        </p:spPr>
+        <p:txBody>
+          <a:bodyPr lIns="0" tIns="0" rIns="0" bIns="0" anchor="t">
+            <a:normAutofit/>
+          </a:bodyPr>
+          <a:lstStyle/>
+          <a:p>
+            <a:pPr marL="432000" indent="-324000">
               <a:spcBef>
-                <a:spcPts val="1001"/>
+                <a:spcPts val="1417"/>
               </a:spcBef>
               <a:buClr>
                 <a:srgbClr val="000000"/>
               </a:buClr>
-              <a:buFont typeface="Arial"/>
-              <a:buChar char="•"/>
+              <a:buSzPct val="45000"/>
+              <a:buFont typeface="Wingdings" charset="2"/>
+              <a:buChar char=""/>
             </a:pPr>
             <a:r>
-              <a:rPr lang="es-ES" sz="2800" b="0" strike="noStrike" spc="-1">
+              <a:rPr lang="es-AR" sz="2800" b="0" strike="noStrike" spc="-1">
                 <a:solidFill>
                   <a:srgbClr val="000000"/>
                 </a:solidFill>
-                <a:latin typeface="Calibri"/>
+                <a:latin typeface="Arial"/>
               </a:rPr>
-              <a:t>Haga clic para modificar los estilos de texto del patrón</a:t>
+              <a:t>Pulse para editar el formato de texto del esquema</a:t>
             </a:r>
-            <a:endParaRPr lang="es-AR" sz="2800" b="0" strike="noStrike" spc="-1">
-              <a:solidFill>
-                <a:srgbClr val="000000"/>
-              </a:solidFill>
-              <a:latin typeface="Calibri"/>
-            </a:endParaRPr>
-          </a:p>
-          <a:p>
-            <a:pPr marL="685800" lvl="1" indent="-228600">
-              <a:lnSpc>
-                <a:spcPct val="90000"/>
-              </a:lnSpc>
+          </a:p>
+          <a:p>
+            <a:pPr marL="864000" lvl="1" indent="-324000">
               <a:spcBef>
-                <a:spcPts val="499"/>
+                <a:spcPts val="1134"/>
               </a:spcBef>
               <a:buClr>
                 <a:srgbClr val="000000"/>
               </a:buClr>
-              <a:buFont typeface="Arial"/>
-              <a:buChar char="•"/>
+              <a:buSzPct val="75000"/>
+              <a:buFont typeface="Symbol" charset="2"/>
+              <a:buChar char=""/>
             </a:pPr>
             <a:r>
-              <a:rPr lang="es-ES" sz="2400" b="0" strike="noStrike" spc="-1">
+              <a:rPr lang="es-AR" sz="2000" b="0" strike="noStrike" spc="-1">
                 <a:solidFill>
                   <a:srgbClr val="000000"/>
                 </a:solidFill>
-                <a:latin typeface="Calibri"/>
+                <a:latin typeface="Arial"/>
               </a:rPr>
-              <a:t>Segundo nivel</a:t>
+              <a:t>Segundo nivel del esquema</a:t>
             </a:r>
-            <a:endParaRPr lang="es-AR" sz="2400" b="0" strike="noStrike" spc="-1">
-              <a:solidFill>
-                <a:srgbClr val="000000"/>
-              </a:solidFill>
-              <a:latin typeface="Calibri"/>
-            </a:endParaRPr>
-          </a:p>
-          <a:p>
-            <a:pPr marL="1143000" lvl="2" indent="-228600">
-              <a:lnSpc>
-                <a:spcPct val="90000"/>
-              </a:lnSpc>
+          </a:p>
+          <a:p>
+            <a:pPr marL="1296000" lvl="2" indent="-288000">
               <a:spcBef>
-                <a:spcPts val="499"/>
+                <a:spcPts val="850"/>
               </a:spcBef>
               <a:buClr>
                 <a:srgbClr val="000000"/>
               </a:buClr>
-              <a:buFont typeface="Arial"/>
-              <a:buChar char="•"/>
+              <a:buSzPct val="45000"/>
+              <a:buFont typeface="Wingdings" charset="2"/>
+              <a:buChar char=""/>
             </a:pPr>
             <a:r>
-              <a:rPr lang="es-ES" sz="2000" b="0" strike="noStrike" spc="-1">
+              <a:rPr lang="es-AR" sz="1800" b="0" strike="noStrike" spc="-1">
                 <a:solidFill>
                   <a:srgbClr val="000000"/>
                 </a:solidFill>
-                <a:latin typeface="Calibri"/>
+                <a:latin typeface="Arial"/>
               </a:rPr>
-              <a:t>Tercer nivel</a:t>
+              <a:t>Tercer nivel del esquema</a:t>
             </a:r>
-            <a:endParaRPr lang="es-AR" sz="2000" b="0" strike="noStrike" spc="-1">
-              <a:solidFill>
-                <a:srgbClr val="000000"/>
-              </a:solidFill>
-              <a:latin typeface="Calibri"/>
-            </a:endParaRPr>
-          </a:p>
-          <a:p>
-            <a:pPr marL="1600200" lvl="3" indent="-228600">
-              <a:lnSpc>
-                <a:spcPct val="90000"/>
-              </a:lnSpc>
+          </a:p>
+          <a:p>
+            <a:pPr marL="1728000" lvl="3" indent="-216000">
               <a:spcBef>
-                <a:spcPts val="499"/>
+                <a:spcPts val="567"/>
               </a:spcBef>
               <a:buClr>
                 <a:srgbClr val="000000"/>
               </a:buClr>
-              <a:buFont typeface="Arial"/>
-              <a:buChar char="•"/>
+              <a:buSzPct val="75000"/>
+              <a:buFont typeface="Symbol" charset="2"/>
+              <a:buChar char=""/>
             </a:pPr>
             <a:r>
-              <a:rPr lang="es-ES" sz="1800" b="0" strike="noStrike" spc="-1">
+              <a:rPr lang="es-AR" sz="1800" b="0" strike="noStrike" spc="-1">
                 <a:solidFill>
                   <a:srgbClr val="000000"/>
                 </a:solidFill>
-                <a:latin typeface="Calibri"/>
+                <a:latin typeface="Arial"/>
               </a:rPr>
-              <a:t>Cuarto nivel</a:t>
+              <a:t>Cuarto nivel del esquema</a:t>
             </a:r>
-            <a:endParaRPr lang="es-AR" sz="1800" b="0" strike="noStrike" spc="-1">
-              <a:solidFill>
-                <a:srgbClr val="000000"/>
-              </a:solidFill>
-              <a:latin typeface="Calibri"/>
-            </a:endParaRPr>
-          </a:p>
-          <a:p>
-            <a:pPr marL="2057400" lvl="4" indent="-228600">
-              <a:lnSpc>
-                <a:spcPct val="90000"/>
-              </a:lnSpc>
+          </a:p>
+          <a:p>
+            <a:pPr marL="2160000" lvl="4" indent="-216000">
               <a:spcBef>
-                <a:spcPts val="499"/>
+                <a:spcPts val="283"/>
               </a:spcBef>
               <a:buClr>
                 <a:srgbClr val="000000"/>
               </a:buClr>
-              <a:buFont typeface="Arial"/>
-              <a:buChar char="•"/>
+              <a:buSzPct val="45000"/>
+              <a:buFont typeface="Wingdings" charset="2"/>
+              <a:buChar char=""/>
             </a:pPr>
             <a:r>
-              <a:rPr lang="es-ES" sz="1800" b="0" strike="noStrike" spc="-1">
+              <a:rPr lang="es-AR" sz="2000" b="0" strike="noStrike" spc="-1">
                 <a:solidFill>
                   <a:srgbClr val="000000"/>
                 </a:solidFill>
-                <a:latin typeface="Calibri"/>
+                <a:latin typeface="Arial"/>
               </a:rPr>
-              <a:t>Quinto nivel</a:t>
+              <a:t>Quinto nivel del esquema</a:t>
             </a:r>
-            <a:endParaRPr lang="es-AR" sz="1800" b="0" strike="noStrike" spc="-1">
-              <a:solidFill>
-                <a:srgbClr val="000000"/>
-              </a:solidFill>
-              <a:latin typeface="Calibri"/>
-            </a:endParaRPr>
-          </a:p>
-        </p:txBody>
-      </p:sp>
-      <p:sp>
-        <p:nvSpPr>
-          <p:cNvPr id="43" name="PlaceHolder 3"/>
-          <p:cNvSpPr>
-            <a:spLocks noGrp="1"/>
-          </p:cNvSpPr>
-          <p:nvPr>
-            <p:ph type="dt"/>
-          </p:nvPr>
-        </p:nvSpPr>
-        <p:spPr>
-          <a:xfrm>
-            <a:off x="838080" y="6356520"/>
-            <a:ext cx="2742840" cy="364680"/>
-          </a:xfrm>
-          <a:prstGeom prst="rect">
-            <a:avLst/>
-          </a:prstGeom>
-          <a:noFill/>
-          <a:ln w="0">
-            <a:noFill/>
-          </a:ln>
-        </p:spPr>
-        <p:txBody>
-          <a:bodyPr anchor="ctr">
-            <a:noAutofit/>
-          </a:bodyPr>
-          <a:lstStyle/>
-          <a:p>
-            <a:pPr>
-              <a:lnSpc>
-                <a:spcPct val="100000"/>
-              </a:lnSpc>
+          </a:p>
+          <a:p>
+            <a:pPr marL="2592000" lvl="5" indent="-216000">
+              <a:spcBef>
+                <a:spcPts val="283"/>
+              </a:spcBef>
+              <a:buClr>
+                <a:srgbClr val="000000"/>
+              </a:buClr>
+              <a:buSzPct val="45000"/>
+              <a:buFont typeface="Wingdings" charset="2"/>
+              <a:buChar char=""/>
             </a:pPr>
-            <a:fld id="{FD5EE5BA-7DA7-4C0C-BAF1-50F96B59B2EB}" type="datetime">
-              <a:rPr lang="es-AR" sz="1200" b="0" strike="noStrike" spc="-1">
+            <a:r>
+              <a:rPr lang="es-AR" sz="2000" b="0" strike="noStrike" spc="-1">
                 <a:solidFill>
-                  <a:srgbClr val="8B8B8B"/>
+                  <a:srgbClr val="000000"/>
                 </a:solidFill>
-                <a:latin typeface="Calibri"/>
+                <a:latin typeface="Arial"/>
               </a:rPr>
-              <a:t>31/5/2022</a:t>
-            </a:fld>
-            <a:endParaRPr lang="es-AR" sz="1200" b="0" strike="noStrike" spc="-1">
-              <a:latin typeface="Times New Roman"/>
-            </a:endParaRPr>
-          </a:p>
-        </p:txBody>
-      </p:sp>
-      <p:sp>
-        <p:nvSpPr>
-          <p:cNvPr id="44" name="PlaceHolder 4"/>
-          <p:cNvSpPr>
-            <a:spLocks noGrp="1"/>
-          </p:cNvSpPr>
-          <p:nvPr>
-            <p:ph type="ftr"/>
-          </p:nvPr>
-        </p:nvSpPr>
-        <p:spPr>
-          <a:xfrm>
-            <a:off x="4038480" y="6356520"/>
-            <a:ext cx="4114440" cy="364680"/>
-          </a:xfrm>
-          <a:prstGeom prst="rect">
-            <a:avLst/>
-          </a:prstGeom>
-          <a:noFill/>
-          <a:ln w="0">
-            <a:noFill/>
-          </a:ln>
-        </p:spPr>
-        <p:txBody>
-          <a:bodyPr anchor="ctr">
-            <a:noAutofit/>
-          </a:bodyPr>
-          <a:lstStyle/>
-          <a:p>
-            <a:endParaRPr lang="es-AR" sz="2400" b="0" strike="noStrike" spc="-1">
-              <a:latin typeface="Times New Roman"/>
-            </a:endParaRPr>
-          </a:p>
-        </p:txBody>
-      </p:sp>
-      <p:sp>
-        <p:nvSpPr>
-          <p:cNvPr id="45" name="PlaceHolder 5"/>
-          <p:cNvSpPr>
-            <a:spLocks noGrp="1"/>
-          </p:cNvSpPr>
-          <p:nvPr>
-            <p:ph type="sldNum"/>
-          </p:nvPr>
-        </p:nvSpPr>
-        <p:spPr>
-          <a:xfrm>
-            <a:off x="8610480" y="6356520"/>
-            <a:ext cx="2742840" cy="364680"/>
-          </a:xfrm>
-          <a:prstGeom prst="rect">
-            <a:avLst/>
-          </a:prstGeom>
-          <a:noFill/>
-          <a:ln w="0">
-            <a:noFill/>
-          </a:ln>
-        </p:spPr>
-        <p:txBody>
-          <a:bodyPr anchor="ctr">
-            <a:noAutofit/>
-          </a:bodyPr>
-          <a:lstStyle/>
-          <a:p>
-            <a:pPr algn="r">
-              <a:lnSpc>
-                <a:spcPct val="100000"/>
-              </a:lnSpc>
+              <a:t>Sexto nivel del esquema</a:t>
+            </a:r>
+          </a:p>
+          <a:p>
+            <a:pPr marL="3024000" lvl="6" indent="-216000">
+              <a:spcBef>
+                <a:spcPts val="283"/>
+              </a:spcBef>
+              <a:buClr>
+                <a:srgbClr val="000000"/>
+              </a:buClr>
+              <a:buSzPct val="45000"/>
+              <a:buFont typeface="Wingdings" charset="2"/>
+              <a:buChar char=""/>
             </a:pPr>
-            <a:fld id="{7F66930E-1129-43CB-B01A-ADB48ADEBFAE}" type="slidenum">
-              <a:rPr lang="es-AR" sz="1200" b="0" strike="noStrike" spc="-1">
+            <a:r>
+              <a:rPr lang="es-AR" sz="2000" b="0" strike="noStrike" spc="-1">
                 <a:solidFill>
-                  <a:srgbClr val="8B8B8B"/>
+                  <a:srgbClr val="000000"/>
                 </a:solidFill>
-                <a:latin typeface="Calibri"/>
+                <a:latin typeface="Arial"/>
               </a:rPr>
-              <a:t>‹Nº›</a:t>
-            </a:fld>
-            <a:endParaRPr lang="es-AR" sz="1200" b="0" strike="noStrike" spc="-1">
-              <a:latin typeface="Times New Roman"/>
-            </a:endParaRPr>
+              <a:t>Séptimo nivel del esquema</a:t>
+            </a:r>
           </a:p>
         </p:txBody>
       </p:sp>
@@ -5132,6 +6556,556 @@
     <p:sldLayoutId id="2147483671" r:id="rId10"/>
     <p:sldLayoutId id="2147483672" r:id="rId11"/>
     <p:sldLayoutId id="2147483673" r:id="rId12"/>
+  </p:sldLayoutIdLst>
+  <p:txStyles>
+    <p:titleStyle>
+      <a:lvl1pPr algn="l" defTabSz="914400" rtl="0" eaLnBrk="1" latinLnBrk="0" hangingPunct="1">
+        <a:lnSpc>
+          <a:spcPct val="90000"/>
+        </a:lnSpc>
+        <a:spcBef>
+          <a:spcPct val="0"/>
+        </a:spcBef>
+        <a:buNone/>
+        <a:defRPr sz="4400" kern="1200">
+          <a:solidFill>
+            <a:schemeClr val="tx1"/>
+          </a:solidFill>
+          <a:latin typeface="+mj-lt"/>
+          <a:ea typeface="+mj-ea"/>
+          <a:cs typeface="+mj-cs"/>
+        </a:defRPr>
+      </a:lvl1pPr>
+    </p:titleStyle>
+    <p:bodyStyle>
+      <a:lvl1pPr marL="228600" indent="-228600" algn="l" defTabSz="914400" rtl="0" eaLnBrk="1" latinLnBrk="0" hangingPunct="1">
+        <a:lnSpc>
+          <a:spcPct val="90000"/>
+        </a:lnSpc>
+        <a:spcBef>
+          <a:spcPts val="1000"/>
+        </a:spcBef>
+        <a:buFont typeface="Arial" panose="020B0604020202020204" pitchFamily="34" charset="0"/>
+        <a:buChar char="•"/>
+        <a:defRPr sz="2800" kern="1200">
+          <a:solidFill>
+            <a:schemeClr val="tx1"/>
+          </a:solidFill>
+          <a:latin typeface="+mn-lt"/>
+          <a:ea typeface="+mn-ea"/>
+          <a:cs typeface="+mn-cs"/>
+        </a:defRPr>
+      </a:lvl1pPr>
+      <a:lvl2pPr marL="685800" indent="-228600" algn="l" defTabSz="914400" rtl="0" eaLnBrk="1" latinLnBrk="0" hangingPunct="1">
+        <a:lnSpc>
+          <a:spcPct val="90000"/>
+        </a:lnSpc>
+        <a:spcBef>
+          <a:spcPts val="500"/>
+        </a:spcBef>
+        <a:buFont typeface="Arial" panose="020B0604020202020204" pitchFamily="34" charset="0"/>
+        <a:buChar char="•"/>
+        <a:defRPr sz="2400" kern="1200">
+          <a:solidFill>
+            <a:schemeClr val="tx1"/>
+          </a:solidFill>
+          <a:latin typeface="+mn-lt"/>
+          <a:ea typeface="+mn-ea"/>
+          <a:cs typeface="+mn-cs"/>
+        </a:defRPr>
+      </a:lvl2pPr>
+      <a:lvl3pPr marL="1143000" indent="-228600" algn="l" defTabSz="914400" rtl="0" eaLnBrk="1" latinLnBrk="0" hangingPunct="1">
+        <a:lnSpc>
+          <a:spcPct val="90000"/>
+        </a:lnSpc>
+        <a:spcBef>
+          <a:spcPts val="500"/>
+        </a:spcBef>
+        <a:buFont typeface="Arial" panose="020B0604020202020204" pitchFamily="34" charset="0"/>
+        <a:buChar char="•"/>
+        <a:defRPr sz="2000" kern="1200">
+          <a:solidFill>
+            <a:schemeClr val="tx1"/>
+          </a:solidFill>
+          <a:latin typeface="+mn-lt"/>
+          <a:ea typeface="+mn-ea"/>
+          <a:cs typeface="+mn-cs"/>
+        </a:defRPr>
+      </a:lvl3pPr>
+      <a:lvl4pPr marL="1600200" indent="-228600" algn="l" defTabSz="914400" rtl="0" eaLnBrk="1" latinLnBrk="0" hangingPunct="1">
+        <a:lnSpc>
+          <a:spcPct val="90000"/>
+        </a:lnSpc>
+        <a:spcBef>
+          <a:spcPts val="500"/>
+        </a:spcBef>
+        <a:buFont typeface="Arial" panose="020B0604020202020204" pitchFamily="34" charset="0"/>
+        <a:buChar char="•"/>
+        <a:defRPr sz="1800" kern="1200">
+          <a:solidFill>
+            <a:schemeClr val="tx1"/>
+          </a:solidFill>
+          <a:latin typeface="+mn-lt"/>
+          <a:ea typeface="+mn-ea"/>
+          <a:cs typeface="+mn-cs"/>
+        </a:defRPr>
+      </a:lvl4pPr>
+      <a:lvl5pPr marL="2057400" indent="-228600" algn="l" defTabSz="914400" rtl="0" eaLnBrk="1" latinLnBrk="0" hangingPunct="1">
+        <a:lnSpc>
+          <a:spcPct val="90000"/>
+        </a:lnSpc>
+        <a:spcBef>
+          <a:spcPts val="500"/>
+        </a:spcBef>
+        <a:buFont typeface="Arial" panose="020B0604020202020204" pitchFamily="34" charset="0"/>
+        <a:buChar char="•"/>
+        <a:defRPr sz="1800" kern="1200">
+          <a:solidFill>
+            <a:schemeClr val="tx1"/>
+          </a:solidFill>
+          <a:latin typeface="+mn-lt"/>
+          <a:ea typeface="+mn-ea"/>
+          <a:cs typeface="+mn-cs"/>
+        </a:defRPr>
+      </a:lvl5pPr>
+      <a:lvl6pPr marL="2514600" indent="-228600" algn="l" defTabSz="914400" rtl="0" eaLnBrk="1" latinLnBrk="0" hangingPunct="1">
+        <a:lnSpc>
+          <a:spcPct val="90000"/>
+        </a:lnSpc>
+        <a:spcBef>
+          <a:spcPts val="500"/>
+        </a:spcBef>
+        <a:buFont typeface="Arial" panose="020B0604020202020204" pitchFamily="34" charset="0"/>
+        <a:buChar char="•"/>
+        <a:defRPr sz="1800" kern="1200">
+          <a:solidFill>
+            <a:schemeClr val="tx1"/>
+          </a:solidFill>
+          <a:latin typeface="+mn-lt"/>
+          <a:ea typeface="+mn-ea"/>
+          <a:cs typeface="+mn-cs"/>
+        </a:defRPr>
+      </a:lvl6pPr>
+      <a:lvl7pPr marL="2971800" indent="-228600" algn="l" defTabSz="914400" rtl="0" eaLnBrk="1" latinLnBrk="0" hangingPunct="1">
+        <a:lnSpc>
+          <a:spcPct val="90000"/>
+        </a:lnSpc>
+        <a:spcBef>
+          <a:spcPts val="500"/>
+        </a:spcBef>
+        <a:buFont typeface="Arial" panose="020B0604020202020204" pitchFamily="34" charset="0"/>
+        <a:buChar char="•"/>
+        <a:defRPr sz="1800" kern="1200">
+          <a:solidFill>
+            <a:schemeClr val="tx1"/>
+          </a:solidFill>
+          <a:latin typeface="+mn-lt"/>
+          <a:ea typeface="+mn-ea"/>
+          <a:cs typeface="+mn-cs"/>
+        </a:defRPr>
+      </a:lvl7pPr>
+      <a:lvl8pPr marL="3429000" indent="-228600" algn="l" defTabSz="914400" rtl="0" eaLnBrk="1" latinLnBrk="0" hangingPunct="1">
+        <a:lnSpc>
+          <a:spcPct val="90000"/>
+        </a:lnSpc>
+        <a:spcBef>
+          <a:spcPts val="500"/>
+        </a:spcBef>
+        <a:buFont typeface="Arial" panose="020B0604020202020204" pitchFamily="34" charset="0"/>
+        <a:buChar char="•"/>
+        <a:defRPr sz="1800" kern="1200">
+          <a:solidFill>
+            <a:schemeClr val="tx1"/>
+          </a:solidFill>
+          <a:latin typeface="+mn-lt"/>
+          <a:ea typeface="+mn-ea"/>
+          <a:cs typeface="+mn-cs"/>
+        </a:defRPr>
+      </a:lvl8pPr>
+      <a:lvl9pPr marL="3886200" indent="-228600" algn="l" defTabSz="914400" rtl="0" eaLnBrk="1" latinLnBrk="0" hangingPunct="1">
+        <a:lnSpc>
+          <a:spcPct val="90000"/>
+        </a:lnSpc>
+        <a:spcBef>
+          <a:spcPts val="500"/>
+        </a:spcBef>
+        <a:buFont typeface="Arial" panose="020B0604020202020204" pitchFamily="34" charset="0"/>
+        <a:buChar char="•"/>
+        <a:defRPr sz="1800" kern="1200">
+          <a:solidFill>
+            <a:schemeClr val="tx1"/>
+          </a:solidFill>
+          <a:latin typeface="+mn-lt"/>
+          <a:ea typeface="+mn-ea"/>
+          <a:cs typeface="+mn-cs"/>
+        </a:defRPr>
+      </a:lvl9pPr>
+    </p:bodyStyle>
+    <p:otherStyle>
+      <a:defPPr>
+        <a:defRPr lang="es-AR"/>
+      </a:defPPr>
+      <a:lvl1pPr marL="0" algn="l" defTabSz="914400" rtl="0" eaLnBrk="1" latinLnBrk="0" hangingPunct="1">
+        <a:defRPr sz="1800" kern="1200">
+          <a:solidFill>
+            <a:schemeClr val="tx1"/>
+          </a:solidFill>
+          <a:latin typeface="+mn-lt"/>
+          <a:ea typeface="+mn-ea"/>
+          <a:cs typeface="+mn-cs"/>
+        </a:defRPr>
+      </a:lvl1pPr>
+      <a:lvl2pPr marL="457200" algn="l" defTabSz="914400" rtl="0" eaLnBrk="1" latinLnBrk="0" hangingPunct="1">
+        <a:defRPr sz="1800" kern="1200">
+          <a:solidFill>
+            <a:schemeClr val="tx1"/>
+          </a:solidFill>
+          <a:latin typeface="+mn-lt"/>
+          <a:ea typeface="+mn-ea"/>
+          <a:cs typeface="+mn-cs"/>
+        </a:defRPr>
+      </a:lvl2pPr>
+      <a:lvl3pPr marL="914400" algn="l" defTabSz="914400" rtl="0" eaLnBrk="1" latinLnBrk="0" hangingPunct="1">
+        <a:defRPr sz="1800" kern="1200">
+          <a:solidFill>
+            <a:schemeClr val="tx1"/>
+          </a:solidFill>
+          <a:latin typeface="+mn-lt"/>
+          <a:ea typeface="+mn-ea"/>
+          <a:cs typeface="+mn-cs"/>
+        </a:defRPr>
+      </a:lvl3pPr>
+      <a:lvl4pPr marL="1371600" algn="l" defTabSz="914400" rtl="0" eaLnBrk="1" latinLnBrk="0" hangingPunct="1">
+        <a:defRPr sz="1800" kern="1200">
+          <a:solidFill>
+            <a:schemeClr val="tx1"/>
+          </a:solidFill>
+          <a:latin typeface="+mn-lt"/>
+          <a:ea typeface="+mn-ea"/>
+          <a:cs typeface="+mn-cs"/>
+        </a:defRPr>
+      </a:lvl4pPr>
+      <a:lvl5pPr marL="1828800" algn="l" defTabSz="914400" rtl="0" eaLnBrk="1" latinLnBrk="0" hangingPunct="1">
+        <a:defRPr sz="1800" kern="1200">
+          <a:solidFill>
+            <a:schemeClr val="tx1"/>
+          </a:solidFill>
+          <a:latin typeface="+mn-lt"/>
+          <a:ea typeface="+mn-ea"/>
+          <a:cs typeface="+mn-cs"/>
+        </a:defRPr>
+      </a:lvl5pPr>
+      <a:lvl6pPr marL="2286000" algn="l" defTabSz="914400" rtl="0" eaLnBrk="1" latinLnBrk="0" hangingPunct="1">
+        <a:defRPr sz="1800" kern="1200">
+          <a:solidFill>
+            <a:schemeClr val="tx1"/>
+          </a:solidFill>
+          <a:latin typeface="+mn-lt"/>
+          <a:ea typeface="+mn-ea"/>
+          <a:cs typeface="+mn-cs"/>
+        </a:defRPr>
+      </a:lvl6pPr>
+      <a:lvl7pPr marL="2743200" algn="l" defTabSz="914400" rtl="0" eaLnBrk="1" latinLnBrk="0" hangingPunct="1">
+        <a:defRPr sz="1800" kern="1200">
+          <a:solidFill>
+            <a:schemeClr val="tx1"/>
+          </a:solidFill>
+          <a:latin typeface="+mn-lt"/>
+          <a:ea typeface="+mn-ea"/>
+          <a:cs typeface="+mn-cs"/>
+        </a:defRPr>
+      </a:lvl7pPr>
+      <a:lvl8pPr marL="3200400" algn="l" defTabSz="914400" rtl="0" eaLnBrk="1" latinLnBrk="0" hangingPunct="1">
+        <a:defRPr sz="1800" kern="1200">
+          <a:solidFill>
+            <a:schemeClr val="tx1"/>
+          </a:solidFill>
+          <a:latin typeface="+mn-lt"/>
+          <a:ea typeface="+mn-ea"/>
+          <a:cs typeface="+mn-cs"/>
+        </a:defRPr>
+      </a:lvl8pPr>
+      <a:lvl9pPr marL="3657600" algn="l" defTabSz="914400" rtl="0" eaLnBrk="1" latinLnBrk="0" hangingPunct="1">
+        <a:defRPr sz="1800" kern="1200">
+          <a:solidFill>
+            <a:schemeClr val="tx1"/>
+          </a:solidFill>
+          <a:latin typeface="+mn-lt"/>
+          <a:ea typeface="+mn-ea"/>
+          <a:cs typeface="+mn-cs"/>
+        </a:defRPr>
+      </a:lvl9pPr>
+    </p:otherStyle>
+  </p:txStyles>
+</p:sldMaster>
+</file>
+
+<file path=ppt/slideMasters/slideMaster3.xml><?xml version="1.0" encoding="utf-8"?>
+<p:sldMaster xmlns:a="http://schemas.openxmlformats.org/drawingml/2006/main" xmlns:r="http://schemas.openxmlformats.org/officeDocument/2006/relationships" xmlns:p="http://schemas.openxmlformats.org/presentationml/2006/main">
+  <p:cSld>
+    <p:bg>
+      <p:bgPr>
+        <a:solidFill>
+          <a:srgbClr val="FFFFFF"/>
+        </a:solidFill>
+        <a:effectLst/>
+      </p:bgPr>
+    </p:bg>
+    <p:spTree>
+      <p:nvGrpSpPr>
+        <p:cNvPr id="1" name=""/>
+        <p:cNvGrpSpPr/>
+        <p:nvPr/>
+      </p:nvGrpSpPr>
+      <p:grpSpPr>
+        <a:xfrm>
+          <a:off x="0" y="0"/>
+          <a:ext cx="0" cy="0"/>
+          <a:chOff x="0" y="0"/>
+          <a:chExt cx="0" cy="0"/>
+        </a:xfrm>
+      </p:grpSpPr>
+      <p:sp>
+        <p:nvSpPr>
+          <p:cNvPr id="76" name="PlaceHolder 1"/>
+          <p:cNvSpPr>
+            <a:spLocks noGrp="1"/>
+          </p:cNvSpPr>
+          <p:nvPr>
+            <p:ph type="title"/>
+          </p:nvPr>
+        </p:nvSpPr>
+        <p:spPr>
+          <a:xfrm>
+            <a:off x="838080" y="365040"/>
+            <a:ext cx="10514880" cy="1324800"/>
+          </a:xfrm>
+          <a:prstGeom prst="rect">
+            <a:avLst/>
+          </a:prstGeom>
+          <a:noFill/>
+          <a:ln w="0">
+            <a:noFill/>
+          </a:ln>
+        </p:spPr>
+        <p:txBody>
+          <a:bodyPr lIns="0" tIns="0" rIns="0" bIns="0" anchor="ctr">
+            <a:noAutofit/>
+          </a:bodyPr>
+          <a:lstStyle/>
+          <a:p>
+            <a:r>
+              <a:rPr lang="es-AR" sz="4400" b="0" strike="noStrike" spc="-1">
+                <a:solidFill>
+                  <a:srgbClr val="000000"/>
+                </a:solidFill>
+                <a:latin typeface="Arial"/>
+              </a:rPr>
+              <a:t>Pulse para editar el formato del texto de título</a:t>
+            </a:r>
+          </a:p>
+        </p:txBody>
+      </p:sp>
+      <p:sp>
+        <p:nvSpPr>
+          <p:cNvPr id="77" name="PlaceHolder 2"/>
+          <p:cNvSpPr>
+            <a:spLocks noGrp="1"/>
+          </p:cNvSpPr>
+          <p:nvPr>
+            <p:ph type="body"/>
+          </p:nvPr>
+        </p:nvSpPr>
+        <p:spPr>
+          <a:xfrm>
+            <a:off x="609480" y="1604520"/>
+            <a:ext cx="10972440" cy="3977280"/>
+          </a:xfrm>
+          <a:prstGeom prst="rect">
+            <a:avLst/>
+          </a:prstGeom>
+          <a:noFill/>
+          <a:ln w="0">
+            <a:noFill/>
+          </a:ln>
+        </p:spPr>
+        <p:txBody>
+          <a:bodyPr lIns="0" tIns="0" rIns="0" bIns="0" anchor="t">
+            <a:normAutofit/>
+          </a:bodyPr>
+          <a:lstStyle/>
+          <a:p>
+            <a:pPr marL="432000" indent="-324000">
+              <a:spcBef>
+                <a:spcPts val="1417"/>
+              </a:spcBef>
+              <a:buClr>
+                <a:srgbClr val="000000"/>
+              </a:buClr>
+              <a:buSzPct val="45000"/>
+              <a:buFont typeface="Wingdings" charset="2"/>
+              <a:buChar char=""/>
+            </a:pPr>
+            <a:r>
+              <a:rPr lang="es-AR" sz="2800" b="0" strike="noStrike" spc="-1">
+                <a:solidFill>
+                  <a:srgbClr val="000000"/>
+                </a:solidFill>
+                <a:latin typeface="Arial"/>
+              </a:rPr>
+              <a:t>Pulse para editar el formato de texto del esquema</a:t>
+            </a:r>
+          </a:p>
+          <a:p>
+            <a:pPr marL="864000" lvl="1" indent="-324000">
+              <a:spcBef>
+                <a:spcPts val="1134"/>
+              </a:spcBef>
+              <a:buClr>
+                <a:srgbClr val="000000"/>
+              </a:buClr>
+              <a:buSzPct val="75000"/>
+              <a:buFont typeface="Symbol" charset="2"/>
+              <a:buChar char=""/>
+            </a:pPr>
+            <a:r>
+              <a:rPr lang="es-AR" sz="2000" b="0" strike="noStrike" spc="-1">
+                <a:solidFill>
+                  <a:srgbClr val="000000"/>
+                </a:solidFill>
+                <a:latin typeface="Arial"/>
+              </a:rPr>
+              <a:t>Segundo nivel del esquema</a:t>
+            </a:r>
+          </a:p>
+          <a:p>
+            <a:pPr marL="1296000" lvl="2" indent="-288000">
+              <a:spcBef>
+                <a:spcPts val="850"/>
+              </a:spcBef>
+              <a:buClr>
+                <a:srgbClr val="000000"/>
+              </a:buClr>
+              <a:buSzPct val="45000"/>
+              <a:buFont typeface="Wingdings" charset="2"/>
+              <a:buChar char=""/>
+            </a:pPr>
+            <a:r>
+              <a:rPr lang="es-AR" sz="1800" b="0" strike="noStrike" spc="-1">
+                <a:solidFill>
+                  <a:srgbClr val="000000"/>
+                </a:solidFill>
+                <a:latin typeface="Arial"/>
+              </a:rPr>
+              <a:t>Tercer nivel del esquema</a:t>
+            </a:r>
+          </a:p>
+          <a:p>
+            <a:pPr marL="1728000" lvl="3" indent="-216000">
+              <a:spcBef>
+                <a:spcPts val="567"/>
+              </a:spcBef>
+              <a:buClr>
+                <a:srgbClr val="000000"/>
+              </a:buClr>
+              <a:buSzPct val="75000"/>
+              <a:buFont typeface="Symbol" charset="2"/>
+              <a:buChar char=""/>
+            </a:pPr>
+            <a:r>
+              <a:rPr lang="es-AR" sz="1800" b="0" strike="noStrike" spc="-1">
+                <a:solidFill>
+                  <a:srgbClr val="000000"/>
+                </a:solidFill>
+                <a:latin typeface="Arial"/>
+              </a:rPr>
+              <a:t>Cuarto nivel del esquema</a:t>
+            </a:r>
+          </a:p>
+          <a:p>
+            <a:pPr marL="2160000" lvl="4" indent="-216000">
+              <a:spcBef>
+                <a:spcPts val="283"/>
+              </a:spcBef>
+              <a:buClr>
+                <a:srgbClr val="000000"/>
+              </a:buClr>
+              <a:buSzPct val="45000"/>
+              <a:buFont typeface="Wingdings" charset="2"/>
+              <a:buChar char=""/>
+            </a:pPr>
+            <a:r>
+              <a:rPr lang="es-AR" sz="2000" b="0" strike="noStrike" spc="-1">
+                <a:solidFill>
+                  <a:srgbClr val="000000"/>
+                </a:solidFill>
+                <a:latin typeface="Arial"/>
+              </a:rPr>
+              <a:t>Quinto nivel del esquema</a:t>
+            </a:r>
+          </a:p>
+          <a:p>
+            <a:pPr marL="2592000" lvl="5" indent="-216000">
+              <a:spcBef>
+                <a:spcPts val="283"/>
+              </a:spcBef>
+              <a:buClr>
+                <a:srgbClr val="000000"/>
+              </a:buClr>
+              <a:buSzPct val="45000"/>
+              <a:buFont typeface="Wingdings" charset="2"/>
+              <a:buChar char=""/>
+            </a:pPr>
+            <a:r>
+              <a:rPr lang="es-AR" sz="2000" b="0" strike="noStrike" spc="-1">
+                <a:solidFill>
+                  <a:srgbClr val="000000"/>
+                </a:solidFill>
+                <a:latin typeface="Arial"/>
+              </a:rPr>
+              <a:t>Sexto nivel del esquema</a:t>
+            </a:r>
+          </a:p>
+          <a:p>
+            <a:pPr marL="3024000" lvl="6" indent="-216000">
+              <a:spcBef>
+                <a:spcPts val="283"/>
+              </a:spcBef>
+              <a:buClr>
+                <a:srgbClr val="000000"/>
+              </a:buClr>
+              <a:buSzPct val="45000"/>
+              <a:buFont typeface="Wingdings" charset="2"/>
+              <a:buChar char=""/>
+            </a:pPr>
+            <a:r>
+              <a:rPr lang="es-AR" sz="2000" b="0" strike="noStrike" spc="-1">
+                <a:solidFill>
+                  <a:srgbClr val="000000"/>
+                </a:solidFill>
+                <a:latin typeface="Arial"/>
+              </a:rPr>
+              <a:t>Séptimo nivel del esquema</a:t>
+            </a:r>
+          </a:p>
+        </p:txBody>
+      </p:sp>
+    </p:spTree>
+  </p:cSld>
+  <p:clrMap bg1="lt1" tx1="dk1" bg2="lt2" tx2="dk2" accent1="accent1" accent2="accent2" accent3="accent3" accent4="accent4" accent5="accent5" accent6="accent6" hlink="hlink" folHlink="folHlink"/>
+  <p:sldLayoutIdLst>
+    <p:sldLayoutId id="2147483675" r:id="rId1"/>
+    <p:sldLayoutId id="2147483676" r:id="rId2"/>
+    <p:sldLayoutId id="2147483677" r:id="rId3"/>
+    <p:sldLayoutId id="2147483678" r:id="rId4"/>
+    <p:sldLayoutId id="2147483679" r:id="rId5"/>
+    <p:sldLayoutId id="2147483680" r:id="rId6"/>
+    <p:sldLayoutId id="2147483681" r:id="rId7"/>
+    <p:sldLayoutId id="2147483682" r:id="rId8"/>
+    <p:sldLayoutId id="2147483683" r:id="rId9"/>
+    <p:sldLayoutId id="2147483684" r:id="rId10"/>
+    <p:sldLayoutId id="2147483685" r:id="rId11"/>
+    <p:sldLayoutId id="2147483686" r:id="rId12"/>
   </p:sldLayoutIdLst>
   <p:txStyles>
     <p:titleStyle>
@@ -5435,7 +7409,7 @@
       </p:grpSpPr>
       <p:sp>
         <p:nvSpPr>
-          <p:cNvPr id="88" name="PlaceHolder 1"/>
+          <p:cNvPr id="120" name="PlaceHolder 1"/>
           <p:cNvSpPr>
             <a:spLocks noGrp="1"/>
           </p:cNvSpPr>
@@ -5446,19 +7420,19 @@
         <p:spPr>
           <a:xfrm>
             <a:off x="1523880" y="1122480"/>
-            <a:ext cx="9143640" cy="2387160"/>
-          </a:xfrm>
-          <a:prstGeom prst="rect">
-            <a:avLst/>
-          </a:prstGeom>
-          <a:noFill/>
-          <a:ln w="0">
-            <a:noFill/>
-          </a:ln>
-        </p:spPr>
-        <p:txBody>
-          <a:bodyPr anchor="b">
-            <a:normAutofit fontScale="93000"/>
+            <a:ext cx="9143280" cy="2386800"/>
+          </a:xfrm>
+          <a:prstGeom prst="rect">
+            <a:avLst/>
+          </a:prstGeom>
+          <a:noFill/>
+          <a:ln w="0">
+            <a:noFill/>
+          </a:ln>
+        </p:spPr>
+        <p:txBody>
+          <a:bodyPr lIns="0" tIns="0" rIns="0" bIns="0" anchor="b">
+            <a:normAutofit fontScale="96000"/>
           </a:bodyPr>
           <a:lstStyle/>
           <a:p>
@@ -5473,6 +7447,7 @@
                   <a:srgbClr val="000000"/>
                 </a:solidFill>
                 <a:latin typeface="Times New Roman"/>
+                <a:ea typeface="DejaVu Sans"/>
               </a:rPr>
               <a:t>Inteligencia Artificial 1 </a:t>
             </a:r>
@@ -5483,6 +7458,7 @@
                   <a:srgbClr val="000000"/>
                 </a:solidFill>
                 <a:latin typeface="Times New Roman"/>
+                <a:ea typeface="DejaVu Sans"/>
               </a:rPr>
               <a:t>Proyecto Final </a:t>
             </a:r>
@@ -5493,6 +7469,7 @@
                   <a:srgbClr val="000000"/>
                 </a:solidFill>
                 <a:latin typeface="Times New Roman"/>
+                <a:ea typeface="DejaVu Sans"/>
               </a:rPr>
               <a:t>BOXOPT</a:t>
             </a:r>
@@ -5500,14 +7477,14 @@
               <a:solidFill>
                 <a:srgbClr val="000000"/>
               </a:solidFill>
-              <a:latin typeface="Calibri"/>
-            </a:endParaRPr>
-          </a:p>
-        </p:txBody>
-      </p:sp>
-      <p:sp>
-        <p:nvSpPr>
-          <p:cNvPr id="89" name="PlaceHolder 2"/>
+              <a:latin typeface="Arial"/>
+            </a:endParaRPr>
+          </a:p>
+        </p:txBody>
+      </p:sp>
+      <p:sp>
+        <p:nvSpPr>
+          <p:cNvPr id="121" name="PlaceHolder 2"/>
           <p:cNvSpPr>
             <a:spLocks noGrp="1"/>
           </p:cNvSpPr>
@@ -5518,29 +7495,34 @@
         <p:spPr>
           <a:xfrm>
             <a:off x="1523880" y="3776760"/>
-            <a:ext cx="9143640" cy="1655280"/>
-          </a:xfrm>
-          <a:prstGeom prst="rect">
-            <a:avLst/>
-          </a:prstGeom>
-          <a:noFill/>
-          <a:ln w="0">
-            <a:noFill/>
-          </a:ln>
-        </p:spPr>
-        <p:txBody>
-          <a:bodyPr anchor="t">
+            <a:ext cx="9143280" cy="1654920"/>
+          </a:xfrm>
+          <a:prstGeom prst="rect">
+            <a:avLst/>
+          </a:prstGeom>
+          <a:noFill/>
+          <a:ln w="0">
+            <a:noFill/>
+          </a:ln>
+        </p:spPr>
+        <p:txBody>
+          <a:bodyPr lIns="0" tIns="0" rIns="0" bIns="0" anchor="t">
             <a:noAutofit/>
           </a:bodyPr>
           <a:lstStyle/>
           <a:p>
-            <a:pPr algn="ctr">
+            <a:pPr marL="228600" indent="-228600" algn="ctr">
               <a:lnSpc>
                 <a:spcPct val="90000"/>
               </a:lnSpc>
               <a:spcBef>
                 <a:spcPts val="1001"/>
               </a:spcBef>
+              <a:buClr>
+                <a:srgbClr val="000000"/>
+              </a:buClr>
+              <a:buFont typeface="Arial"/>
+              <a:buChar char="•"/>
               <a:tabLst>
                 <a:tab pos="0" algn="l"/>
               </a:tabLst>
@@ -5551,6 +7533,7 @@
                   <a:srgbClr val="000000"/>
                 </a:solidFill>
                 <a:latin typeface="Times New Roman"/>
+                <a:ea typeface="DejaVu Sans"/>
               </a:rPr>
               <a:t>Ordenamiento de cajas en contenedores</a:t>
             </a:r>
@@ -5559,13 +7542,18 @@
             </a:endParaRPr>
           </a:p>
           <a:p>
-            <a:pPr algn="ctr">
+            <a:pPr marL="228600" indent="-228600" algn="ctr">
               <a:lnSpc>
                 <a:spcPct val="90000"/>
               </a:lnSpc>
               <a:spcBef>
                 <a:spcPts val="1001"/>
               </a:spcBef>
+              <a:buClr>
+                <a:srgbClr val="000000"/>
+              </a:buClr>
+              <a:buFont typeface="Arial"/>
+              <a:buChar char="•"/>
               <a:tabLst>
                 <a:tab pos="0" algn="l"/>
               </a:tabLst>
@@ -5576,6 +7564,7 @@
                   <a:srgbClr val="000000"/>
                 </a:solidFill>
                 <a:latin typeface="Times New Roman"/>
+                <a:ea typeface="DejaVu Sans"/>
               </a:rPr>
               <a:t>Diego Rinaldo Cazon Condori</a:t>
             </a:r>
@@ -5584,13 +7573,18 @@
             </a:endParaRPr>
           </a:p>
           <a:p>
-            <a:pPr algn="ctr">
+            <a:pPr marL="228600" indent="-228600" algn="ctr">
               <a:lnSpc>
                 <a:spcPct val="90000"/>
               </a:lnSpc>
               <a:spcBef>
                 <a:spcPts val="1001"/>
               </a:spcBef>
+              <a:buClr>
+                <a:srgbClr val="000000"/>
+              </a:buClr>
+              <a:buFont typeface="Arial"/>
+              <a:buChar char="•"/>
               <a:tabLst>
                 <a:tab pos="0" algn="l"/>
               </a:tabLst>
@@ -5601,6 +7595,7 @@
                   <a:srgbClr val="000000"/>
                 </a:solidFill>
                 <a:latin typeface="Times New Roman"/>
+                <a:ea typeface="DejaVu Sans"/>
               </a:rPr>
               <a:t>Facultad de Ingeniería – Universidad Nacional de Cuyo - 2022</a:t>
             </a:r>
@@ -5637,7 +7632,7 @@
       </p:grpSpPr>
       <p:sp>
         <p:nvSpPr>
-          <p:cNvPr id="109" name="PlaceHolder 1"/>
+          <p:cNvPr id="142" name="PlaceHolder 1"/>
           <p:cNvSpPr>
             <a:spLocks noGrp="1"/>
           </p:cNvSpPr>
@@ -5648,19 +7643,19 @@
         <p:spPr>
           <a:xfrm>
             <a:off x="838080" y="365040"/>
-            <a:ext cx="10515240" cy="1175400"/>
-          </a:xfrm>
-          <a:prstGeom prst="rect">
-            <a:avLst/>
-          </a:prstGeom>
-          <a:noFill/>
-          <a:ln w="0">
-            <a:noFill/>
-          </a:ln>
-        </p:spPr>
-        <p:txBody>
-          <a:bodyPr anchor="ctr">
-            <a:normAutofit fontScale="90000"/>
+            <a:ext cx="10514880" cy="1175040"/>
+          </a:xfrm>
+          <a:prstGeom prst="rect">
+            <a:avLst/>
+          </a:prstGeom>
+          <a:noFill/>
+          <a:ln w="0">
+            <a:noFill/>
+          </a:ln>
+        </p:spPr>
+        <p:txBody>
+          <a:bodyPr lIns="90000" tIns="45000" rIns="90000" bIns="45000" anchor="ctr">
+            <a:normAutofit fontScale="85000"/>
           </a:bodyPr>
           <a:lstStyle/>
           <a:p>
@@ -5675,6 +7670,7 @@
                   <a:srgbClr val="000000"/>
                 </a:solidFill>
                 <a:latin typeface="Times New Roman"/>
+                <a:ea typeface="DejaVu Sans"/>
               </a:rPr>
               <a:t>4. Resultados Obtenidos</a:t>
             </a:r>
@@ -5683,14 +7679,14 @@
               <a:solidFill>
                 <a:srgbClr val="000000"/>
               </a:solidFill>
-              <a:latin typeface="Calibri"/>
-            </a:endParaRPr>
-          </a:p>
-        </p:txBody>
-      </p:sp>
-      <p:sp>
-        <p:nvSpPr>
-          <p:cNvPr id="110" name="PlaceHolder 2"/>
+              <a:latin typeface="Arial"/>
+            </a:endParaRPr>
+          </a:p>
+        </p:txBody>
+      </p:sp>
+      <p:sp>
+        <p:nvSpPr>
+          <p:cNvPr id="143" name="PlaceHolder 2"/>
           <p:cNvSpPr>
             <a:spLocks noGrp="1"/>
           </p:cNvSpPr>
@@ -5701,18 +7697,18 @@
         <p:spPr>
           <a:xfrm>
             <a:off x="838080" y="1096200"/>
-            <a:ext cx="10515240" cy="1175400"/>
-          </a:xfrm>
-          <a:prstGeom prst="rect">
-            <a:avLst/>
-          </a:prstGeom>
-          <a:noFill/>
-          <a:ln w="0">
-            <a:noFill/>
-          </a:ln>
-        </p:spPr>
-        <p:txBody>
-          <a:bodyPr anchor="t">
+            <a:ext cx="10514880" cy="1175040"/>
+          </a:xfrm>
+          <a:prstGeom prst="rect">
+            <a:avLst/>
+          </a:prstGeom>
+          <a:noFill/>
+          <a:ln w="0">
+            <a:noFill/>
+          </a:ln>
+        </p:spPr>
+        <p:txBody>
+          <a:bodyPr lIns="90000" tIns="45000" rIns="90000" bIns="45000" anchor="t">
             <a:normAutofit/>
           </a:bodyPr>
           <a:lstStyle/>
@@ -5736,6 +7732,7 @@
                   <a:srgbClr val="000000"/>
                 </a:solidFill>
                 <a:latin typeface="Times New Roman"/>
+                <a:ea typeface="DejaVu Sans"/>
               </a:rPr>
               <a:t>Ahora mostraremos los resultados obtenidos</a:t>
             </a:r>
@@ -5743,14 +7740,14 @@
               <a:solidFill>
                 <a:srgbClr val="000000"/>
               </a:solidFill>
-              <a:latin typeface="Calibri"/>
+              <a:latin typeface="Arial"/>
             </a:endParaRPr>
           </a:p>
         </p:txBody>
       </p:sp>
       <p:pic>
         <p:nvPicPr>
-          <p:cNvPr id="111" name="Imagen 8"/>
+          <p:cNvPr id="144" name="Imagen 8"/>
           <p:cNvPicPr/>
           <p:nvPr/>
         </p:nvPicPr>
@@ -5761,7 +7758,7 @@
         <p:spPr>
           <a:xfrm>
             <a:off x="3952800" y="1585800"/>
-            <a:ext cx="4285800" cy="3685680"/>
+            <a:ext cx="4285440" cy="3685320"/>
           </a:xfrm>
           <a:prstGeom prst="rect">
             <a:avLst/>
@@ -5773,14 +7770,14 @@
       </p:pic>
       <p:sp>
         <p:nvSpPr>
-          <p:cNvPr id="112" name="CuadroTexto 12"/>
+          <p:cNvPr id="145" name="CuadroTexto 12"/>
           <p:cNvSpPr/>
           <p:nvPr/>
         </p:nvSpPr>
         <p:spPr>
           <a:xfrm>
             <a:off x="838080" y="5514840"/>
-            <a:ext cx="10100520" cy="639000"/>
+            <a:ext cx="10100160" cy="638640"/>
           </a:xfrm>
           <a:prstGeom prst="rect">
             <a:avLst/>
@@ -5824,6 +7821,7 @@
                   <a:srgbClr val="000000"/>
                 </a:solidFill>
                 <a:latin typeface="Times New Roman"/>
+                <a:ea typeface="DejaVu Sans"/>
               </a:rPr>
               <a:t>Con los resultados obtenidos vemos que mientras mas aumenta el tamaño de los contenedores obtenemos peores resultados. </a:t>
             </a:r>
@@ -5860,7 +7858,7 @@
       </p:grpSpPr>
       <p:pic>
         <p:nvPicPr>
-          <p:cNvPr id="113" name="Marcador de contenido 3"/>
+          <p:cNvPr id="146" name="Marcador de contenido 3"/>
           <p:cNvPicPr/>
           <p:nvPr/>
         </p:nvPicPr>
@@ -5871,7 +7869,7 @@
         <p:spPr>
           <a:xfrm>
             <a:off x="471240" y="1554840"/>
-            <a:ext cx="5554800" cy="4109400"/>
+            <a:ext cx="5554440" cy="4109040"/>
           </a:xfrm>
           <a:prstGeom prst="rect">
             <a:avLst/>
@@ -5883,14 +7881,14 @@
       </p:pic>
       <p:sp>
         <p:nvSpPr>
-          <p:cNvPr id="114" name="CuadroTexto 5"/>
+          <p:cNvPr id="147" name="CuadroTexto 5"/>
           <p:cNvSpPr/>
           <p:nvPr/>
         </p:nvSpPr>
         <p:spPr>
           <a:xfrm>
             <a:off x="1414080" y="528840"/>
-            <a:ext cx="9465480" cy="700200"/>
+            <a:ext cx="9465120" cy="699840"/>
           </a:xfrm>
           <a:prstGeom prst="rect">
             <a:avLst/>
@@ -5929,6 +7927,7 @@
                   <a:srgbClr val="000000"/>
                 </a:solidFill>
                 <a:latin typeface="Times New Roman"/>
+                <a:ea typeface="DejaVu Sans"/>
               </a:rPr>
               <a:t>Ahora mostraremos algunos resultados de como se reduce el area sin uso, con el pasar de los ciclos para un contenedor de (50x50)</a:t>
             </a:r>
@@ -5940,7 +7939,7 @@
       </p:sp>
       <p:pic>
         <p:nvPicPr>
-          <p:cNvPr id="115" name="Imagen 7"/>
+          <p:cNvPr id="148" name="Imagen 7"/>
           <p:cNvPicPr/>
           <p:nvPr/>
         </p:nvPicPr>
@@ -5951,7 +7950,7 @@
         <p:spPr>
           <a:xfrm>
             <a:off x="5933160" y="1495800"/>
-            <a:ext cx="5554800" cy="4227480"/>
+            <a:ext cx="5554440" cy="4227120"/>
           </a:xfrm>
           <a:prstGeom prst="rect">
             <a:avLst/>
@@ -5988,7 +7987,7 @@
       </p:grpSpPr>
       <p:pic>
         <p:nvPicPr>
-          <p:cNvPr id="116" name="Marcador de contenido 4"/>
+          <p:cNvPr id="149" name="Marcador de contenido 4"/>
           <p:cNvPicPr/>
           <p:nvPr/>
         </p:nvPicPr>
@@ -5999,7 +7998,7 @@
         <p:spPr>
           <a:xfrm>
             <a:off x="3698280" y="1505880"/>
-            <a:ext cx="4921920" cy="4303080"/>
+            <a:ext cx="4921560" cy="4302720"/>
           </a:xfrm>
           <a:prstGeom prst="rect">
             <a:avLst/>
@@ -6011,14 +8010,14 @@
       </p:pic>
       <p:sp>
         <p:nvSpPr>
-          <p:cNvPr id="117" name="CuadroTexto 6"/>
+          <p:cNvPr id="150" name="CuadroTexto 6"/>
           <p:cNvSpPr/>
           <p:nvPr/>
         </p:nvSpPr>
         <p:spPr>
           <a:xfrm>
             <a:off x="1270080" y="610200"/>
-            <a:ext cx="9778680" cy="1004400"/>
+            <a:ext cx="9778320" cy="1004400"/>
           </a:xfrm>
           <a:prstGeom prst="rect">
             <a:avLst/>
@@ -6057,6 +8056,7 @@
                   <a:srgbClr val="000000"/>
                 </a:solidFill>
                 <a:latin typeface="Times New Roman"/>
+                <a:ea typeface="DejaVu Sans"/>
               </a:rPr>
               <a:t>La imagen representa el orden en final que quedaria un contenedor luego de usar el algoritmo, los espacios verdes son los espacios desperdiciados y las cajas marrones, las cajas a ordenar. </a:t>
             </a:r>
@@ -6093,7 +8093,7 @@
       </p:grpSpPr>
       <p:sp>
         <p:nvSpPr>
-          <p:cNvPr id="118" name="PlaceHolder 1"/>
+          <p:cNvPr id="151" name="PlaceHolder 1"/>
           <p:cNvSpPr>
             <a:spLocks noGrp="1"/>
           </p:cNvSpPr>
@@ -6104,29 +8104,34 @@
         <p:spPr>
           <a:xfrm>
             <a:off x="1066680" y="571680"/>
-            <a:ext cx="10032480" cy="764640"/>
-          </a:xfrm>
-          <a:prstGeom prst="rect">
-            <a:avLst/>
-          </a:prstGeom>
-          <a:noFill/>
-          <a:ln w="0">
-            <a:noFill/>
-          </a:ln>
-        </p:spPr>
-        <p:txBody>
-          <a:bodyPr anchor="t">
+            <a:ext cx="10032120" cy="764280"/>
+          </a:xfrm>
+          <a:prstGeom prst="rect">
+            <a:avLst/>
+          </a:prstGeom>
+          <a:noFill/>
+          <a:ln w="0">
+            <a:noFill/>
+          </a:ln>
+        </p:spPr>
+        <p:txBody>
+          <a:bodyPr lIns="90000" tIns="45000" rIns="90000" bIns="45000" anchor="t">
             <a:normAutofit/>
           </a:bodyPr>
           <a:lstStyle/>
           <a:p>
-            <a:pPr>
+            <a:pPr marL="228600" indent="-228600">
               <a:lnSpc>
                 <a:spcPct val="90000"/>
               </a:lnSpc>
               <a:spcBef>
                 <a:spcPts val="1001"/>
               </a:spcBef>
+              <a:buClr>
+                <a:srgbClr val="000000"/>
+              </a:buClr>
+              <a:buFont typeface="Arial"/>
+              <a:buChar char="•"/>
               <a:tabLst>
                 <a:tab pos="0" algn="l"/>
               </a:tabLst>
@@ -6137,6 +8142,7 @@
                   <a:srgbClr val="000000"/>
                 </a:solidFill>
                 <a:latin typeface="Times New Roman"/>
+                <a:ea typeface="DejaVu Sans"/>
               </a:rPr>
               <a:t>Ahora haremos la comparación del algoritmo propuesto con AG y un algoritmo que busca aleatoriamente, para los mismos escenarios de 50, 100 y 250.</a:t>
             </a:r>
@@ -6144,14 +8150,14 @@
               <a:solidFill>
                 <a:srgbClr val="000000"/>
               </a:solidFill>
-              <a:latin typeface="Calibri"/>
+              <a:latin typeface="Arial"/>
             </a:endParaRPr>
           </a:p>
         </p:txBody>
       </p:sp>
       <p:pic>
         <p:nvPicPr>
-          <p:cNvPr id="119" name="Imagen 6"/>
+          <p:cNvPr id="152" name="Imagen 6"/>
           <p:cNvPicPr/>
           <p:nvPr/>
         </p:nvPicPr>
@@ -6162,7 +8168,7 @@
         <p:spPr>
           <a:xfrm>
             <a:off x="6095880" y="1337040"/>
-            <a:ext cx="4341240" cy="3544560"/>
+            <a:ext cx="4340880" cy="3544200"/>
           </a:xfrm>
           <a:prstGeom prst="rect">
             <a:avLst/>
@@ -6174,7 +8180,7 @@
       </p:pic>
       <p:pic>
         <p:nvPicPr>
-          <p:cNvPr id="120" name="Imagen 8"/>
+          <p:cNvPr id="153" name="Imagen 8"/>
           <p:cNvPicPr/>
           <p:nvPr/>
         </p:nvPicPr>
@@ -6185,7 +8191,7 @@
         <p:spPr>
           <a:xfrm>
             <a:off x="1514160" y="1337040"/>
-            <a:ext cx="4148280" cy="3567600"/>
+            <a:ext cx="4147920" cy="3567240"/>
           </a:xfrm>
           <a:prstGeom prst="rect">
             <a:avLst/>
@@ -6197,14 +8203,14 @@
       </p:pic>
       <p:sp>
         <p:nvSpPr>
-          <p:cNvPr id="121" name="CuadroTexto 10"/>
+          <p:cNvPr id="154" name="CuadroTexto 10"/>
           <p:cNvSpPr/>
           <p:nvPr/>
         </p:nvSpPr>
         <p:spPr>
           <a:xfrm>
             <a:off x="1066680" y="5013000"/>
-            <a:ext cx="10261080" cy="1005120"/>
+            <a:ext cx="10260720" cy="1004760"/>
           </a:xfrm>
           <a:prstGeom prst="rect">
             <a:avLst/>
@@ -6243,6 +8249,7 @@
                   <a:srgbClr val="000000"/>
                 </a:solidFill>
                 <a:latin typeface="Times New Roman"/>
+                <a:ea typeface="DejaVu Sans"/>
               </a:rPr>
               <a:t>Los resultados obtenidos, para el algoritmo aleatorio, suelen ser muy dispersos, en comparación con el propuesto además de búsquedas aleatorias al inicio, agrega una búsqueda mas profunda a medida que la poblacion avoluciona, en espacios de soluciones cada vez mas reducidos. </a:t>
             </a:r>
@@ -6279,7 +8286,7 @@
       </p:grpSpPr>
       <p:sp>
         <p:nvSpPr>
-          <p:cNvPr id="122" name="PlaceHolder 1"/>
+          <p:cNvPr id="155" name="PlaceHolder 1"/>
           <p:cNvSpPr>
             <a:spLocks noGrp="1"/>
           </p:cNvSpPr>
@@ -6290,18 +8297,18 @@
         <p:spPr>
           <a:xfrm>
             <a:off x="838080" y="289080"/>
-            <a:ext cx="10515240" cy="912600"/>
-          </a:xfrm>
-          <a:prstGeom prst="rect">
-            <a:avLst/>
-          </a:prstGeom>
-          <a:noFill/>
-          <a:ln w="0">
-            <a:noFill/>
-          </a:ln>
-        </p:spPr>
-        <p:txBody>
-          <a:bodyPr anchor="ctr">
+            <a:ext cx="10514880" cy="912240"/>
+          </a:xfrm>
+          <a:prstGeom prst="rect">
+            <a:avLst/>
+          </a:prstGeom>
+          <a:noFill/>
+          <a:ln w="0">
+            <a:noFill/>
+          </a:ln>
+        </p:spPr>
+        <p:txBody>
+          <a:bodyPr lIns="90000" tIns="45000" rIns="90000" bIns="45000" anchor="ctr">
             <a:noAutofit/>
           </a:bodyPr>
           <a:lstStyle/>
@@ -6317,6 +8324,7 @@
                   <a:srgbClr val="000000"/>
                 </a:solidFill>
                 <a:latin typeface="Times New Roman"/>
+                <a:ea typeface="DejaVu Sans"/>
               </a:rPr>
               <a:t>5. Conclusiones</a:t>
             </a:r>
@@ -6324,14 +8332,14 @@
               <a:solidFill>
                 <a:srgbClr val="000000"/>
               </a:solidFill>
-              <a:latin typeface="Calibri"/>
-            </a:endParaRPr>
-          </a:p>
-        </p:txBody>
-      </p:sp>
-      <p:sp>
-        <p:nvSpPr>
-          <p:cNvPr id="123" name="PlaceHolder 2"/>
+              <a:latin typeface="Arial"/>
+            </a:endParaRPr>
+          </a:p>
+        </p:txBody>
+      </p:sp>
+      <p:sp>
+        <p:nvSpPr>
+          <p:cNvPr id="156" name="PlaceHolder 2"/>
           <p:cNvSpPr>
             <a:spLocks noGrp="1"/>
           </p:cNvSpPr>
@@ -6342,18 +8350,18 @@
         <p:spPr>
           <a:xfrm>
             <a:off x="838080" y="1450800"/>
-            <a:ext cx="10515240" cy="3956040"/>
-          </a:xfrm>
-          <a:prstGeom prst="rect">
-            <a:avLst/>
-          </a:prstGeom>
-          <a:noFill/>
-          <a:ln w="0">
-            <a:noFill/>
-          </a:ln>
-        </p:spPr>
-        <p:txBody>
-          <a:bodyPr anchor="t">
+            <a:ext cx="10514880" cy="3955680"/>
+          </a:xfrm>
+          <a:prstGeom prst="rect">
+            <a:avLst/>
+          </a:prstGeom>
+          <a:noFill/>
+          <a:ln w="0">
+            <a:noFill/>
+          </a:ln>
+        </p:spPr>
+        <p:txBody>
+          <a:bodyPr lIns="90000" tIns="45000" rIns="90000" bIns="45000" anchor="t">
             <a:normAutofit/>
           </a:bodyPr>
           <a:lstStyle/>
@@ -6377,6 +8385,7 @@
                   <a:srgbClr val="000000"/>
                 </a:solidFill>
                 <a:latin typeface="Times New Roman"/>
+                <a:ea typeface="DejaVu Sans"/>
               </a:rPr>
               <a:t>El algoritmo propuesto que hace uso de un algoritmo genético, tiene mejor desempeño que sin usar AG, los resultados mejoran en alrededor del 10%.</a:t>
             </a:r>
@@ -6384,7 +8393,7 @@
               <a:solidFill>
                 <a:srgbClr val="000000"/>
               </a:solidFill>
-              <a:latin typeface="Calibri"/>
+              <a:latin typeface="Arial"/>
             </a:endParaRPr>
           </a:p>
           <a:p>
@@ -6407,6 +8416,7 @@
                   <a:srgbClr val="000000"/>
                 </a:solidFill>
                 <a:latin typeface="Times New Roman"/>
+                <a:ea typeface="DejaVu Sans"/>
               </a:rPr>
               <a:t>Podemos concluir que el uso del AG es importante para mejorar los resultados ya que este en un comienzo realiza una búsqueda aleatoria y luego con la evolución de la población explora mejor los espacios de soluciones</a:t>
             </a:r>
@@ -6414,7 +8424,7 @@
               <a:solidFill>
                 <a:srgbClr val="000000"/>
               </a:solidFill>
-              <a:latin typeface="Calibri"/>
+              <a:latin typeface="Arial"/>
             </a:endParaRPr>
           </a:p>
           <a:p>
@@ -6437,6 +8447,7 @@
                   <a:srgbClr val="000000"/>
                 </a:solidFill>
                 <a:latin typeface="Times New Roman"/>
+                <a:ea typeface="DejaVu Sans"/>
               </a:rPr>
               <a:t>El algoritmo propuesto nos da buenos resultados, a pesar de ser bastante simple, sabemos que estos resultados pueden mejorar aún más:</a:t>
             </a:r>
@@ -6444,7 +8455,7 @@
               <a:solidFill>
                 <a:srgbClr val="000000"/>
               </a:solidFill>
-              <a:latin typeface="Calibri"/>
+              <a:latin typeface="Arial"/>
             </a:endParaRPr>
           </a:p>
           <a:p>
@@ -6467,6 +8478,7 @@
                   <a:srgbClr val="000000"/>
                 </a:solidFill>
                 <a:latin typeface="Times New Roman"/>
+                <a:ea typeface="DejaVu Sans"/>
               </a:rPr>
               <a:t>	Aumentando la cantidad de individuos de la población de AG.</a:t>
             </a:r>
@@ -6474,7 +8486,7 @@
               <a:solidFill>
                 <a:srgbClr val="000000"/>
               </a:solidFill>
-              <a:latin typeface="Calibri"/>
+              <a:latin typeface="Arial"/>
             </a:endParaRPr>
           </a:p>
           <a:p>
@@ -6497,6 +8509,7 @@
                   <a:srgbClr val="000000"/>
                 </a:solidFill>
                 <a:latin typeface="Times New Roman"/>
+                <a:ea typeface="DejaVu Sans"/>
               </a:rPr>
               <a:t> 	Implementando programación paralela para reducir los tiempos,</a:t>
             </a:r>
@@ -6504,7 +8517,7 @@
               <a:solidFill>
                 <a:srgbClr val="000000"/>
               </a:solidFill>
-              <a:latin typeface="Calibri"/>
+              <a:latin typeface="Arial"/>
             </a:endParaRPr>
           </a:p>
           <a:p>
@@ -6527,6 +8540,7 @@
                   <a:srgbClr val="000000"/>
                 </a:solidFill>
                 <a:latin typeface="Times New Roman"/>
+                <a:ea typeface="DejaVu Sans"/>
               </a:rPr>
               <a:t> 	Implementando PSO para mejorar los porcentajes de corte,</a:t>
             </a:r>
@@ -6534,7 +8548,7 @@
               <a:solidFill>
                 <a:srgbClr val="000000"/>
               </a:solidFill>
-              <a:latin typeface="Calibri"/>
+              <a:latin typeface="Arial"/>
             </a:endParaRPr>
           </a:p>
           <a:p>
@@ -6557,6 +8571,7 @@
                   <a:srgbClr val="000000"/>
                 </a:solidFill>
                 <a:latin typeface="Times New Roman"/>
+                <a:ea typeface="DejaVu Sans"/>
               </a:rPr>
               <a:t> 	Programando a cada individuo un algoritmo de busqueda local que busque 	sus mejores porcentajes de corte en cada ciclo. </a:t>
             </a:r>
@@ -6564,7 +8579,7 @@
               <a:solidFill>
                 <a:srgbClr val="000000"/>
               </a:solidFill>
-              <a:latin typeface="Calibri"/>
+              <a:latin typeface="Arial"/>
             </a:endParaRPr>
           </a:p>
         </p:txBody>
@@ -6596,7 +8611,7 @@
       </p:grpSpPr>
       <p:sp>
         <p:nvSpPr>
-          <p:cNvPr id="124" name="PlaceHolder 1"/>
+          <p:cNvPr id="157" name="PlaceHolder 1"/>
           <p:cNvSpPr>
             <a:spLocks noGrp="1"/>
           </p:cNvSpPr>
@@ -6607,18 +8622,18 @@
         <p:spPr>
           <a:xfrm>
             <a:off x="838080" y="551160"/>
-            <a:ext cx="10515240" cy="1325160"/>
-          </a:xfrm>
-          <a:prstGeom prst="rect">
-            <a:avLst/>
-          </a:prstGeom>
-          <a:noFill/>
-          <a:ln w="0">
-            <a:noFill/>
-          </a:ln>
-        </p:spPr>
-        <p:txBody>
-          <a:bodyPr anchor="ctr">
+            <a:ext cx="10514880" cy="1324800"/>
+          </a:xfrm>
+          <a:prstGeom prst="rect">
+            <a:avLst/>
+          </a:prstGeom>
+          <a:noFill/>
+          <a:ln w="0">
+            <a:noFill/>
+          </a:ln>
+        </p:spPr>
+        <p:txBody>
+          <a:bodyPr lIns="90000" tIns="45000" rIns="90000" bIns="45000" anchor="ctr">
             <a:noAutofit/>
           </a:bodyPr>
           <a:lstStyle/>
@@ -6634,6 +8649,7 @@
                   <a:srgbClr val="000000"/>
                 </a:solidFill>
                 <a:latin typeface="Times New Roman"/>
+                <a:ea typeface="DejaVu Sans"/>
               </a:rPr>
               <a:t>6. Bibliografia</a:t>
             </a:r>
@@ -6641,14 +8657,14 @@
               <a:solidFill>
                 <a:srgbClr val="000000"/>
               </a:solidFill>
-              <a:latin typeface="Calibri"/>
-            </a:endParaRPr>
-          </a:p>
-        </p:txBody>
-      </p:sp>
-      <p:sp>
-        <p:nvSpPr>
-          <p:cNvPr id="125" name="PlaceHolder 2"/>
+              <a:latin typeface="Arial"/>
+            </a:endParaRPr>
+          </a:p>
+        </p:txBody>
+      </p:sp>
+      <p:sp>
+        <p:nvSpPr>
+          <p:cNvPr id="158" name="PlaceHolder 2"/>
           <p:cNvSpPr>
             <a:spLocks noGrp="1"/>
           </p:cNvSpPr>
@@ -6659,29 +8675,34 @@
         <p:spPr>
           <a:xfrm>
             <a:off x="838080" y="2365560"/>
-            <a:ext cx="10515240" cy="707400"/>
-          </a:xfrm>
-          <a:prstGeom prst="rect">
-            <a:avLst/>
-          </a:prstGeom>
-          <a:noFill/>
-          <a:ln w="0">
-            <a:noFill/>
-          </a:ln>
-        </p:spPr>
-        <p:txBody>
-          <a:bodyPr anchor="t">
+            <a:ext cx="10514880" cy="707040"/>
+          </a:xfrm>
+          <a:prstGeom prst="rect">
+            <a:avLst/>
+          </a:prstGeom>
+          <a:noFill/>
+          <a:ln w="0">
+            <a:noFill/>
+          </a:ln>
+        </p:spPr>
+        <p:txBody>
+          <a:bodyPr lIns="90000" tIns="45000" rIns="90000" bIns="45000" anchor="t">
             <a:normAutofit/>
           </a:bodyPr>
           <a:lstStyle/>
           <a:p>
-            <a:pPr>
+            <a:pPr marL="228600" indent="-228600">
               <a:lnSpc>
                 <a:spcPct val="90000"/>
               </a:lnSpc>
               <a:spcBef>
                 <a:spcPts val="1001"/>
               </a:spcBef>
+              <a:buClr>
+                <a:srgbClr val="000000"/>
+              </a:buClr>
+              <a:buFont typeface="Arial"/>
+              <a:buChar char="•"/>
               <a:tabLst>
                 <a:tab pos="0" algn="l"/>
               </a:tabLst>
@@ -6692,6 +8713,7 @@
                   <a:srgbClr val="000000"/>
                 </a:solidFill>
                 <a:latin typeface="Times New Roman"/>
+                <a:ea typeface="DejaVu Sans"/>
               </a:rPr>
               <a:t>1- PROBLEMA DE EMPAQUETAMIENTO RECTANGULAR BIDIMENSIONAL TIPO GUILLOTINA - Universidad Tecnológica de Pereira</a:t>
             </a:r>
@@ -6699,21 +8721,21 @@
               <a:solidFill>
                 <a:srgbClr val="000000"/>
               </a:solidFill>
-              <a:latin typeface="Calibri"/>
-            </a:endParaRPr>
-          </a:p>
-        </p:txBody>
-      </p:sp>
-      <p:sp>
-        <p:nvSpPr>
-          <p:cNvPr id="126" name="CuadroTexto 6"/>
+              <a:latin typeface="Arial"/>
+            </a:endParaRPr>
+          </a:p>
+        </p:txBody>
+      </p:sp>
+      <p:sp>
+        <p:nvSpPr>
+          <p:cNvPr id="159" name="CuadroTexto 6"/>
           <p:cNvSpPr/>
           <p:nvPr/>
         </p:nvSpPr>
         <p:spPr>
           <a:xfrm>
             <a:off x="838080" y="3208320"/>
-            <a:ext cx="10438920" cy="700200"/>
+            <a:ext cx="10438560" cy="699840"/>
           </a:xfrm>
           <a:prstGeom prst="rect">
             <a:avLst/>
@@ -6752,6 +8774,7 @@
                   <a:srgbClr val="000000"/>
                 </a:solidFill>
                 <a:latin typeface="Times New Roman"/>
+                <a:ea typeface="DejaVu Sans"/>
               </a:rPr>
               <a:t>2- SOLUCIÓN DEL PROBLEMA DE EMPAQUETAMIENTO ÓPTIMO BIDIMENSIONAL EN UNA SOLA PLACA – David Alvarez Martinez </a:t>
             </a:r>
@@ -6763,14 +8786,14 @@
       </p:sp>
       <p:sp>
         <p:nvSpPr>
-          <p:cNvPr id="127" name="CuadroTexto 8"/>
+          <p:cNvPr id="160" name="CuadroTexto 8"/>
           <p:cNvSpPr/>
           <p:nvPr/>
         </p:nvSpPr>
         <p:spPr>
           <a:xfrm>
             <a:off x="838080" y="4051080"/>
-            <a:ext cx="10515240" cy="700200"/>
+            <a:ext cx="10514880" cy="699840"/>
           </a:xfrm>
           <a:prstGeom prst="rect">
             <a:avLst/>
@@ -6809,6 +8832,7 @@
                   <a:srgbClr val="000000"/>
                 </a:solidFill>
                 <a:latin typeface="Times New Roman"/>
+                <a:ea typeface="DejaVu Sans"/>
               </a:rPr>
               <a:t>3- EL CODIGO DEL PROYECTO LO PUEDE ENCONTRAR EN </a:t>
             </a:r>
@@ -6819,6 +8843,7 @@
                 </a:solidFill>
                 <a:uFillTx/>
                 <a:latin typeface="Times New Roman"/>
+                <a:ea typeface="DejaVu Sans"/>
                 <a:hlinkClick r:id="rId2"/>
               </a:rPr>
               <a:t>https://github.com/DiegoCC14/DiegoCazon_ProyectoFinal_IA1</a:t>
@@ -6829,6 +8854,7 @@
                   <a:srgbClr val="000000"/>
                 </a:solidFill>
                 <a:latin typeface="Times New Roman"/>
+                <a:ea typeface="DejaVu Sans"/>
               </a:rPr>
               <a:t> </a:t>
             </a:r>
@@ -6865,7 +8891,7 @@
       </p:grpSpPr>
       <p:sp>
         <p:nvSpPr>
-          <p:cNvPr id="90" name="PlaceHolder 1"/>
+          <p:cNvPr id="122" name="PlaceHolder 1"/>
           <p:cNvSpPr>
             <a:spLocks noGrp="1"/>
           </p:cNvSpPr>
@@ -6876,18 +8902,18 @@
         <p:spPr>
           <a:xfrm>
             <a:off x="838080" y="572040"/>
-            <a:ext cx="10515240" cy="771480"/>
-          </a:xfrm>
-          <a:prstGeom prst="rect">
-            <a:avLst/>
-          </a:prstGeom>
-          <a:noFill/>
-          <a:ln w="0">
-            <a:noFill/>
-          </a:ln>
-        </p:spPr>
-        <p:txBody>
-          <a:bodyPr anchor="ctr">
+            <a:ext cx="10514880" cy="771120"/>
+          </a:xfrm>
+          <a:prstGeom prst="rect">
+            <a:avLst/>
+          </a:prstGeom>
+          <a:noFill/>
+          <a:ln w="0">
+            <a:noFill/>
+          </a:ln>
+        </p:spPr>
+        <p:txBody>
+          <a:bodyPr lIns="90000" tIns="45000" rIns="90000" bIns="45000" anchor="ctr">
             <a:noAutofit/>
           </a:bodyPr>
           <a:lstStyle/>
@@ -6903,6 +8929,7 @@
                   <a:srgbClr val="000000"/>
                 </a:solidFill>
                 <a:latin typeface="Times New Roman"/>
+                <a:ea typeface="DejaVu Sans"/>
               </a:rPr>
               <a:t>Índice</a:t>
             </a:r>
@@ -6910,14 +8937,14 @@
               <a:solidFill>
                 <a:srgbClr val="000000"/>
               </a:solidFill>
-              <a:latin typeface="Calibri"/>
-            </a:endParaRPr>
-          </a:p>
-        </p:txBody>
-      </p:sp>
-      <p:sp>
-        <p:nvSpPr>
-          <p:cNvPr id="91" name="PlaceHolder 2"/>
+              <a:latin typeface="Arial"/>
+            </a:endParaRPr>
+          </a:p>
+        </p:txBody>
+      </p:sp>
+      <p:sp>
+        <p:nvSpPr>
+          <p:cNvPr id="123" name="PlaceHolder 2"/>
           <p:cNvSpPr>
             <a:spLocks noGrp="1"/>
           </p:cNvSpPr>
@@ -6928,19 +8955,19 @@
         <p:spPr>
           <a:xfrm>
             <a:off x="1171800" y="1343880"/>
-            <a:ext cx="10181520" cy="4350960"/>
-          </a:xfrm>
-          <a:prstGeom prst="rect">
-            <a:avLst/>
-          </a:prstGeom>
-          <a:noFill/>
-          <a:ln w="0">
-            <a:noFill/>
-          </a:ln>
-        </p:spPr>
-        <p:txBody>
-          <a:bodyPr anchor="t">
-            <a:normAutofit fontScale="95000"/>
+            <a:ext cx="10181160" cy="4350600"/>
+          </a:xfrm>
+          <a:prstGeom prst="rect">
+            <a:avLst/>
+          </a:prstGeom>
+          <a:noFill/>
+          <a:ln w="0">
+            <a:noFill/>
+          </a:ln>
+        </p:spPr>
+        <p:txBody>
+          <a:bodyPr lIns="90000" tIns="45000" rIns="90000" bIns="45000" anchor="t">
+            <a:normAutofit/>
           </a:bodyPr>
           <a:lstStyle/>
           <a:p>
@@ -6958,19 +8985,20 @@
               <a:buChar char="•"/>
             </a:pPr>
             <a:r>
-              <a:rPr lang="es-AR" sz="2800" b="0" strike="noStrike" spc="-1" dirty="0">
+              <a:rPr lang="es-AR" sz="2800" b="0" strike="noStrike" spc="-1">
                 <a:solidFill>
                   <a:srgbClr val="000000"/>
                 </a:solidFill>
                 <a:latin typeface="Times New Roman"/>
+                <a:ea typeface="DejaVu Sans"/>
               </a:rPr>
               <a:t>1. Definición del problema</a:t>
             </a:r>
-            <a:endParaRPr lang="es-AR" sz="2800" b="0" strike="noStrike" spc="-1" dirty="0">
-              <a:solidFill>
-                <a:srgbClr val="000000"/>
-              </a:solidFill>
-              <a:latin typeface="Calibri"/>
+            <a:endParaRPr lang="es-AR" sz="2800" b="0" strike="noStrike" spc="-1">
+              <a:solidFill>
+                <a:srgbClr val="000000"/>
+              </a:solidFill>
+              <a:latin typeface="Arial"/>
             </a:endParaRPr>
           </a:p>
           <a:p>
@@ -6988,19 +9016,20 @@
               <a:buChar char="•"/>
             </a:pPr>
             <a:r>
-              <a:rPr lang="es-AR" sz="2800" b="0" strike="noStrike" spc="-1" dirty="0">
+              <a:rPr lang="es-AR" sz="2800" b="0" strike="noStrike" spc="-1">
                 <a:solidFill>
                   <a:srgbClr val="000000"/>
                 </a:solidFill>
                 <a:latin typeface="Times New Roman"/>
+                <a:ea typeface="DejaVu Sans"/>
               </a:rPr>
               <a:t>2. Métodos usados</a:t>
             </a:r>
-            <a:endParaRPr lang="es-AR" sz="2800" b="0" strike="noStrike" spc="-1" dirty="0">
-              <a:solidFill>
-                <a:srgbClr val="000000"/>
-              </a:solidFill>
-              <a:latin typeface="Calibri"/>
+            <a:endParaRPr lang="es-AR" sz="2800" b="0" strike="noStrike" spc="-1">
+              <a:solidFill>
+                <a:srgbClr val="000000"/>
+              </a:solidFill>
+              <a:latin typeface="Arial"/>
             </a:endParaRPr>
           </a:p>
           <a:p>
@@ -7018,19 +9047,20 @@
               <a:buChar char="•"/>
             </a:pPr>
             <a:r>
-              <a:rPr lang="es-AR" sz="2400" b="0" strike="noStrike" spc="-1" dirty="0">
+              <a:rPr lang="es-AR" sz="2400" b="0" strike="noStrike" spc="-1">
                 <a:solidFill>
                   <a:srgbClr val="000000"/>
                 </a:solidFill>
                 <a:latin typeface="Times New Roman"/>
+                <a:ea typeface="DejaVu Sans"/>
               </a:rPr>
               <a:t>2.1 Árbol de ordenamiento y Algoritmo de Ordenamiento</a:t>
             </a:r>
-            <a:endParaRPr lang="es-AR" sz="2000" b="0" strike="noStrike" spc="-1" dirty="0">
-              <a:solidFill>
-                <a:srgbClr val="000000"/>
-              </a:solidFill>
-              <a:latin typeface="Calibri"/>
+            <a:endParaRPr lang="es-AR" sz="2400" b="0" strike="noStrike" spc="-1">
+              <a:solidFill>
+                <a:srgbClr val="000000"/>
+              </a:solidFill>
+              <a:latin typeface="Arial"/>
             </a:endParaRPr>
           </a:p>
           <a:p>
@@ -7048,19 +9078,20 @@
               <a:buChar char="•"/>
             </a:pPr>
             <a:r>
-              <a:rPr lang="es-AR" sz="2400" b="0" strike="noStrike" spc="-1" dirty="0">
+              <a:rPr lang="es-AR" sz="2400" b="0" strike="noStrike" spc="-1">
                 <a:solidFill>
                   <a:srgbClr val="000000"/>
                 </a:solidFill>
                 <a:latin typeface="Times New Roman"/>
+                <a:ea typeface="DejaVu Sans"/>
               </a:rPr>
               <a:t>2.2 Árbol de corte guillotina</a:t>
             </a:r>
-            <a:endParaRPr lang="es-AR" sz="2400" b="0" strike="noStrike" spc="-1" dirty="0">
-              <a:solidFill>
-                <a:srgbClr val="000000"/>
-              </a:solidFill>
-              <a:latin typeface="Calibri"/>
+            <a:endParaRPr lang="es-AR" sz="2400" b="0" strike="noStrike" spc="-1">
+              <a:solidFill>
+                <a:srgbClr val="000000"/>
+              </a:solidFill>
+              <a:latin typeface="Arial"/>
             </a:endParaRPr>
           </a:p>
           <a:p>
@@ -7078,19 +9109,20 @@
               <a:buChar char="•"/>
             </a:pPr>
             <a:r>
-              <a:rPr lang="es-AR" sz="2400" b="0" strike="noStrike" spc="-1" dirty="0">
+              <a:rPr lang="es-AR" sz="2400" b="0" strike="noStrike" spc="-1">
                 <a:solidFill>
                   <a:srgbClr val="000000"/>
                 </a:solidFill>
                 <a:latin typeface="Times New Roman"/>
+                <a:ea typeface="DejaVu Sans"/>
               </a:rPr>
               <a:t>2.3 Algoritmo Genético</a:t>
             </a:r>
-            <a:endParaRPr lang="es-AR" sz="2400" b="0" strike="noStrike" spc="-1" dirty="0">
-              <a:solidFill>
-                <a:srgbClr val="000000"/>
-              </a:solidFill>
-              <a:latin typeface="Calibri"/>
+            <a:endParaRPr lang="es-AR" sz="2400" b="0" strike="noStrike" spc="-1">
+              <a:solidFill>
+                <a:srgbClr val="000000"/>
+              </a:solidFill>
+              <a:latin typeface="Arial"/>
             </a:endParaRPr>
           </a:p>
           <a:p>
@@ -7108,19 +9140,20 @@
               <a:buChar char="•"/>
             </a:pPr>
             <a:r>
-              <a:rPr lang="es-AR" sz="2800" b="0" strike="noStrike" spc="-1" dirty="0">
+              <a:rPr lang="es-AR" sz="2800" b="0" strike="noStrike" spc="-1">
                 <a:solidFill>
                   <a:srgbClr val="000000"/>
                 </a:solidFill>
                 <a:latin typeface="Times New Roman"/>
+                <a:ea typeface="DejaVu Sans"/>
               </a:rPr>
               <a:t>3. Diseño Experimental</a:t>
             </a:r>
-            <a:endParaRPr lang="es-AR" sz="2800" b="0" strike="noStrike" spc="-1" dirty="0">
-              <a:solidFill>
-                <a:srgbClr val="000000"/>
-              </a:solidFill>
-              <a:latin typeface="Calibri"/>
+            <a:endParaRPr lang="es-AR" sz="2800" b="0" strike="noStrike" spc="-1">
+              <a:solidFill>
+                <a:srgbClr val="000000"/>
+              </a:solidFill>
+              <a:latin typeface="Arial"/>
             </a:endParaRPr>
           </a:p>
           <a:p>
@@ -7138,19 +9171,20 @@
               <a:buChar char="•"/>
             </a:pPr>
             <a:r>
-              <a:rPr lang="es-AR" sz="2800" b="0" strike="noStrike" spc="-1" dirty="0">
+              <a:rPr lang="es-AR" sz="2800" b="0" strike="noStrike" spc="-1">
                 <a:solidFill>
                   <a:srgbClr val="000000"/>
                 </a:solidFill>
                 <a:latin typeface="Times New Roman"/>
+                <a:ea typeface="DejaVu Sans"/>
               </a:rPr>
               <a:t>4. Resultados</a:t>
             </a:r>
-            <a:endParaRPr lang="es-AR" sz="2800" b="0" strike="noStrike" spc="-1" dirty="0">
-              <a:solidFill>
-                <a:srgbClr val="000000"/>
-              </a:solidFill>
-              <a:latin typeface="Calibri"/>
+            <a:endParaRPr lang="es-AR" sz="2800" b="0" strike="noStrike" spc="-1">
+              <a:solidFill>
+                <a:srgbClr val="000000"/>
+              </a:solidFill>
+              <a:latin typeface="Arial"/>
             </a:endParaRPr>
           </a:p>
           <a:p>
@@ -7168,19 +9202,20 @@
               <a:buChar char="•"/>
             </a:pPr>
             <a:r>
-              <a:rPr lang="es-AR" sz="2800" b="0" strike="noStrike" spc="-1" dirty="0">
+              <a:rPr lang="es-AR" sz="2800" b="0" strike="noStrike" spc="-1">
                 <a:solidFill>
                   <a:srgbClr val="000000"/>
                 </a:solidFill>
                 <a:latin typeface="Times New Roman"/>
+                <a:ea typeface="DejaVu Sans"/>
               </a:rPr>
               <a:t>5. Conclusiones</a:t>
             </a:r>
-            <a:endParaRPr lang="es-AR" sz="2800" b="0" strike="noStrike" spc="-1" dirty="0">
-              <a:solidFill>
-                <a:srgbClr val="000000"/>
-              </a:solidFill>
-              <a:latin typeface="Calibri"/>
+            <a:endParaRPr lang="es-AR" sz="2800" b="0" strike="noStrike" spc="-1">
+              <a:solidFill>
+                <a:srgbClr val="000000"/>
+              </a:solidFill>
+              <a:latin typeface="Arial"/>
             </a:endParaRPr>
           </a:p>
           <a:p>
@@ -7198,28 +9233,20 @@
               <a:buChar char="•"/>
             </a:pPr>
             <a:r>
-              <a:rPr lang="es-AR" sz="2800" b="0" strike="noStrike" spc="-1" dirty="0">
+              <a:rPr lang="es-AR" sz="2800" b="0" strike="noStrike" spc="-1">
                 <a:solidFill>
                   <a:srgbClr val="000000"/>
                 </a:solidFill>
                 <a:latin typeface="Times New Roman"/>
+                <a:ea typeface="DejaVu Sans"/>
               </a:rPr>
-              <a:t>6. </a:t>
+              <a:t>6. Bibliografia</a:t>
             </a:r>
-            <a:r>
-              <a:rPr lang="es-AR" sz="2800" b="0" strike="noStrike" spc="-1" dirty="0" err="1">
-                <a:solidFill>
-                  <a:srgbClr val="000000"/>
-                </a:solidFill>
-                <a:latin typeface="Times New Roman"/>
-              </a:rPr>
-              <a:t>Bibliografia</a:t>
-            </a:r>
-            <a:endParaRPr lang="es-AR" sz="2800" b="0" strike="noStrike" spc="-1" dirty="0">
-              <a:solidFill>
-                <a:srgbClr val="000000"/>
-              </a:solidFill>
-              <a:latin typeface="Calibri"/>
+            <a:endParaRPr lang="es-AR" sz="2800" b="0" strike="noStrike" spc="-1">
+              <a:solidFill>
+                <a:srgbClr val="000000"/>
+              </a:solidFill>
+              <a:latin typeface="Arial"/>
             </a:endParaRPr>
           </a:p>
         </p:txBody>
@@ -7251,7 +9278,7 @@
       </p:grpSpPr>
       <p:sp>
         <p:nvSpPr>
-          <p:cNvPr id="92" name="PlaceHolder 1"/>
+          <p:cNvPr id="124" name="PlaceHolder 1"/>
           <p:cNvSpPr>
             <a:spLocks noGrp="1"/>
           </p:cNvSpPr>
@@ -7262,18 +9289,18 @@
         <p:spPr>
           <a:xfrm>
             <a:off x="838080" y="239400"/>
-            <a:ext cx="10515240" cy="1325160"/>
-          </a:xfrm>
-          <a:prstGeom prst="rect">
-            <a:avLst/>
-          </a:prstGeom>
-          <a:noFill/>
-          <a:ln w="0">
-            <a:noFill/>
-          </a:ln>
-        </p:spPr>
-        <p:txBody>
-          <a:bodyPr anchor="ctr">
+            <a:ext cx="10514880" cy="1324800"/>
+          </a:xfrm>
+          <a:prstGeom prst="rect">
+            <a:avLst/>
+          </a:prstGeom>
+          <a:noFill/>
+          <a:ln w="0">
+            <a:noFill/>
+          </a:ln>
+        </p:spPr>
+        <p:txBody>
+          <a:bodyPr lIns="90000" tIns="45000" rIns="90000" bIns="45000" anchor="ctr">
             <a:noAutofit/>
           </a:bodyPr>
           <a:lstStyle/>
@@ -7289,6 +9316,7 @@
                   <a:srgbClr val="000000"/>
                 </a:solidFill>
                 <a:latin typeface="Times New Roman"/>
+                <a:ea typeface="DejaVu Sans"/>
               </a:rPr>
               <a:t>1. Definición del problema</a:t>
             </a:r>
@@ -7296,14 +9324,14 @@
               <a:solidFill>
                 <a:srgbClr val="000000"/>
               </a:solidFill>
-              <a:latin typeface="Calibri"/>
-            </a:endParaRPr>
-          </a:p>
-        </p:txBody>
-      </p:sp>
-      <p:sp>
-        <p:nvSpPr>
-          <p:cNvPr id="93" name="PlaceHolder 2"/>
+              <a:latin typeface="Arial"/>
+            </a:endParaRPr>
+          </a:p>
+        </p:txBody>
+      </p:sp>
+      <p:sp>
+        <p:nvSpPr>
+          <p:cNvPr id="125" name="PlaceHolder 2"/>
           <p:cNvSpPr>
             <a:spLocks noGrp="1"/>
           </p:cNvSpPr>
@@ -7314,18 +9342,18 @@
         <p:spPr>
           <a:xfrm>
             <a:off x="1142640" y="1287000"/>
-            <a:ext cx="9677520" cy="5020200"/>
-          </a:xfrm>
-          <a:prstGeom prst="rect">
-            <a:avLst/>
-          </a:prstGeom>
-          <a:noFill/>
-          <a:ln w="0">
-            <a:noFill/>
-          </a:ln>
-        </p:spPr>
-        <p:txBody>
-          <a:bodyPr anchor="t">
+            <a:ext cx="9677160" cy="5019840"/>
+          </a:xfrm>
+          <a:prstGeom prst="rect">
+            <a:avLst/>
+          </a:prstGeom>
+          <a:noFill/>
+          <a:ln w="0">
+            <a:noFill/>
+          </a:ln>
+        </p:spPr>
+        <p:txBody>
+          <a:bodyPr lIns="90000" tIns="45000" rIns="90000" bIns="45000" anchor="t">
             <a:normAutofit fontScale="96000"/>
           </a:bodyPr>
           <a:lstStyle/>
@@ -7344,19 +9372,20 @@
               <a:buChar char="•"/>
             </a:pPr>
             <a:r>
-              <a:rPr lang="es-AR" sz="2000" b="0" strike="noStrike" spc="-1" dirty="0">
+              <a:rPr lang="es-AR" sz="2000" b="0" strike="noStrike" spc="-1">
                 <a:solidFill>
                   <a:srgbClr val="000000"/>
                 </a:solidFill>
                 <a:latin typeface="Times New Roman"/>
+                <a:ea typeface="DejaVu Sans"/>
               </a:rPr>
               <a:t>El problema a resolver es el de ordenamiento de cajas en contenedores pero en un espacio bidimensional, similar al ordenar placas en una placa mayor</a:t>
             </a:r>
-            <a:endParaRPr lang="es-AR" sz="2000" b="0" strike="noStrike" spc="-1" dirty="0">
-              <a:solidFill>
-                <a:srgbClr val="000000"/>
-              </a:solidFill>
-              <a:latin typeface="Calibri"/>
+            <a:endParaRPr lang="es-AR" sz="2000" b="0" strike="noStrike" spc="-1">
+              <a:solidFill>
+                <a:srgbClr val="000000"/>
+              </a:solidFill>
+              <a:latin typeface="Arial"/>
             </a:endParaRPr>
           </a:p>
           <a:p>
@@ -7368,11 +9397,11 @@
                 <a:spcPts val="1001"/>
               </a:spcBef>
             </a:pPr>
-            <a:endParaRPr lang="es-AR" sz="2000" b="0" strike="noStrike" spc="-1" dirty="0">
-              <a:solidFill>
-                <a:srgbClr val="000000"/>
-              </a:solidFill>
-              <a:latin typeface="Calibri"/>
+            <a:endParaRPr lang="es-AR" sz="2000" b="0" strike="noStrike" spc="-1">
+              <a:solidFill>
+                <a:srgbClr val="000000"/>
+              </a:solidFill>
+              <a:latin typeface="Arial"/>
             </a:endParaRPr>
           </a:p>
           <a:p>
@@ -7384,11 +9413,11 @@
                 <a:spcPts val="1001"/>
               </a:spcBef>
             </a:pPr>
-            <a:endParaRPr lang="es-AR" sz="2000" b="0" strike="noStrike" spc="-1" dirty="0">
-              <a:solidFill>
-                <a:srgbClr val="000000"/>
-              </a:solidFill>
-              <a:latin typeface="Calibri"/>
+            <a:endParaRPr lang="es-AR" sz="2000" b="0" strike="noStrike" spc="-1">
+              <a:solidFill>
+                <a:srgbClr val="000000"/>
+              </a:solidFill>
+              <a:latin typeface="Arial"/>
             </a:endParaRPr>
           </a:p>
           <a:p>
@@ -7400,11 +9429,11 @@
                 <a:spcPts val="1001"/>
               </a:spcBef>
             </a:pPr>
-            <a:endParaRPr lang="es-AR" sz="2000" b="0" strike="noStrike" spc="-1" dirty="0">
-              <a:solidFill>
-                <a:srgbClr val="000000"/>
-              </a:solidFill>
-              <a:latin typeface="Calibri"/>
+            <a:endParaRPr lang="es-AR" sz="2000" b="0" strike="noStrike" spc="-1">
+              <a:solidFill>
+                <a:srgbClr val="000000"/>
+              </a:solidFill>
+              <a:latin typeface="Arial"/>
             </a:endParaRPr>
           </a:p>
           <a:p>
@@ -7416,11 +9445,11 @@
                 <a:spcPts val="1001"/>
               </a:spcBef>
             </a:pPr>
-            <a:endParaRPr lang="es-AR" sz="2000" b="0" strike="noStrike" spc="-1" dirty="0">
-              <a:solidFill>
-                <a:srgbClr val="000000"/>
-              </a:solidFill>
-              <a:latin typeface="Calibri"/>
+            <a:endParaRPr lang="es-AR" sz="2000" b="0" strike="noStrike" spc="-1">
+              <a:solidFill>
+                <a:srgbClr val="000000"/>
+              </a:solidFill>
+              <a:latin typeface="Arial"/>
             </a:endParaRPr>
           </a:p>
           <a:p>
@@ -7432,11 +9461,11 @@
                 <a:spcPts val="1001"/>
               </a:spcBef>
             </a:pPr>
-            <a:endParaRPr lang="es-AR" sz="2000" b="0" strike="noStrike" spc="-1" dirty="0">
-              <a:solidFill>
-                <a:srgbClr val="000000"/>
-              </a:solidFill>
-              <a:latin typeface="Calibri"/>
+            <a:endParaRPr lang="es-AR" sz="2000" b="0" strike="noStrike" spc="-1">
+              <a:solidFill>
+                <a:srgbClr val="000000"/>
+              </a:solidFill>
+              <a:latin typeface="Arial"/>
             </a:endParaRPr>
           </a:p>
           <a:p>
@@ -7448,11 +9477,11 @@
                 <a:spcPts val="1001"/>
               </a:spcBef>
             </a:pPr>
-            <a:endParaRPr lang="es-AR" sz="2000" b="0" strike="noStrike" spc="-1" dirty="0">
-              <a:solidFill>
-                <a:srgbClr val="000000"/>
-              </a:solidFill>
-              <a:latin typeface="Calibri"/>
+            <a:endParaRPr lang="es-AR" sz="2000" b="0" strike="noStrike" spc="-1">
+              <a:solidFill>
+                <a:srgbClr val="000000"/>
+              </a:solidFill>
+              <a:latin typeface="Arial"/>
             </a:endParaRPr>
           </a:p>
           <a:p>
@@ -7464,11 +9493,11 @@
                 <a:spcPts val="1001"/>
               </a:spcBef>
             </a:pPr>
-            <a:endParaRPr lang="es-AR" sz="2000" b="0" strike="noStrike" spc="-1" dirty="0">
-              <a:solidFill>
-                <a:srgbClr val="000000"/>
-              </a:solidFill>
-              <a:latin typeface="Calibri"/>
+            <a:endParaRPr lang="es-AR" sz="2000" b="0" strike="noStrike" spc="-1">
+              <a:solidFill>
+                <a:srgbClr val="000000"/>
+              </a:solidFill>
+              <a:latin typeface="Arial"/>
             </a:endParaRPr>
           </a:p>
           <a:p>
@@ -7486,19 +9515,20 @@
               <a:buChar char="•"/>
             </a:pPr>
             <a:r>
-              <a:rPr lang="es-AR" sz="2000" b="0" strike="noStrike" spc="-1" dirty="0">
+              <a:rPr lang="es-AR" sz="2000" b="0" strike="noStrike" spc="-1">
                 <a:solidFill>
                   <a:srgbClr val="000000"/>
                 </a:solidFill>
                 <a:latin typeface="Times New Roman"/>
+                <a:ea typeface="DejaVu Sans"/>
               </a:rPr>
               <a:t>Estos problema de ordenamiento, entran dentro de la familia de los problemas de corte y empaquetamiento bidimensional en una sola placa (2D-CSP).</a:t>
             </a:r>
-            <a:endParaRPr lang="es-AR" sz="2000" b="0" strike="noStrike" spc="-1" dirty="0">
-              <a:solidFill>
-                <a:srgbClr val="000000"/>
-              </a:solidFill>
-              <a:latin typeface="Calibri"/>
+            <a:endParaRPr lang="es-AR" sz="2000" b="0" strike="noStrike" spc="-1">
+              <a:solidFill>
+                <a:srgbClr val="000000"/>
+              </a:solidFill>
+              <a:latin typeface="Arial"/>
             </a:endParaRPr>
           </a:p>
           <a:p>
@@ -7510,11 +9540,11 @@
                 <a:spcPts val="1001"/>
               </a:spcBef>
             </a:pPr>
-            <a:endParaRPr lang="es-AR" sz="2000" b="0" strike="noStrike" spc="-1" dirty="0">
-              <a:solidFill>
-                <a:srgbClr val="000000"/>
-              </a:solidFill>
-              <a:latin typeface="Calibri"/>
+            <a:endParaRPr lang="es-AR" sz="2000" b="0" strike="noStrike" spc="-1">
+              <a:solidFill>
+                <a:srgbClr val="000000"/>
+              </a:solidFill>
+              <a:latin typeface="Arial"/>
             </a:endParaRPr>
           </a:p>
           <a:p>
@@ -7532,26 +9562,27 @@
               <a:buChar char="•"/>
             </a:pPr>
             <a:r>
-              <a:rPr lang="es-AR" sz="2000" b="0" strike="noStrike" spc="-1" dirty="0">
+              <a:rPr lang="es-AR" sz="2000" b="0" strike="noStrike" spc="-1">
                 <a:solidFill>
                   <a:srgbClr val="000000"/>
                 </a:solidFill>
                 <a:latin typeface="Times New Roman"/>
+                <a:ea typeface="DejaVu Sans"/>
               </a:rPr>
               <a:t>Uno de los objetivos a cumplir, es el de disminuir el espacio de área desperdiciado y además mantener un tiempo de ejecución relativamente bajo.</a:t>
             </a:r>
-            <a:endParaRPr lang="es-AR" sz="2000" b="0" strike="noStrike" spc="-1" dirty="0">
-              <a:solidFill>
-                <a:srgbClr val="000000"/>
-              </a:solidFill>
-              <a:latin typeface="Calibri"/>
+            <a:endParaRPr lang="es-AR" sz="2000" b="0" strike="noStrike" spc="-1">
+              <a:solidFill>
+                <a:srgbClr val="000000"/>
+              </a:solidFill>
+              <a:latin typeface="Arial"/>
             </a:endParaRPr>
           </a:p>
         </p:txBody>
       </p:sp>
       <p:pic>
         <p:nvPicPr>
-          <p:cNvPr id="94" name="Imagen 4"/>
+          <p:cNvPr id="126" name="Imagen 4"/>
           <p:cNvPicPr/>
           <p:nvPr/>
         </p:nvPicPr>
@@ -7563,7 +9594,7 @@
         <p:spPr>
           <a:xfrm>
             <a:off x="3228840" y="2028960"/>
-            <a:ext cx="5733720" cy="2009520"/>
+            <a:ext cx="5733360" cy="2009160"/>
           </a:xfrm>
           <a:prstGeom prst="rect">
             <a:avLst/>
@@ -7600,13 +9631,7 @@
       </p:grpSpPr>
       <p:sp>
         <p:nvSpPr>
-          <p:cNvPr id="2" name="Título 1">
-            <a:extLst>
-              <a:ext uri="{FF2B5EF4-FFF2-40B4-BE49-F238E27FC236}">
-                <a16:creationId xmlns:a16="http://schemas.microsoft.com/office/drawing/2014/main" id="{AD878108-1725-F8FC-4CE2-9E3E0E4BDB30}"/>
-              </a:ext>
-            </a:extLst>
-          </p:cNvPr>
+          <p:cNvPr id="127" name="PlaceHolder 1"/>
           <p:cNvSpPr>
             <a:spLocks noGrp="1"/>
           </p:cNvSpPr>
@@ -7616,44 +9641,48 @@
         </p:nvSpPr>
         <p:spPr>
           <a:xfrm>
-            <a:off x="3515247" y="2539073"/>
-            <a:ext cx="6309887" cy="1325160"/>
-          </a:xfrm>
-        </p:spPr>
-        <p:txBody>
-          <a:bodyPr/>
-          <a:lstStyle/>
-          <a:p>
+            <a:off x="3515400" y="2539080"/>
+            <a:ext cx="6309360" cy="1324800"/>
+          </a:xfrm>
+          <a:prstGeom prst="rect">
+            <a:avLst/>
+          </a:prstGeom>
+          <a:noFill/>
+          <a:ln w="0">
+            <a:noFill/>
+          </a:ln>
+        </p:spPr>
+        <p:txBody>
+          <a:bodyPr lIns="0" tIns="0" rIns="0" bIns="0" anchor="ctr">
+            <a:noAutofit/>
+          </a:bodyPr>
+          <a:lstStyle/>
+          <a:p>
+            <a:pPr>
+              <a:lnSpc>
+                <a:spcPct val="90000"/>
+              </a:lnSpc>
+            </a:pPr>
             <a:r>
-              <a:rPr lang="es-AR" dirty="0">
-                <a:latin typeface="Times New Roman" panose="02020603050405020304" pitchFamily="18" charset="0"/>
-                <a:cs typeface="Times New Roman" panose="02020603050405020304" pitchFamily="18" charset="0"/>
+              <a:rPr lang="es-AR" sz="4400" b="0" strike="noStrike" spc="-1">
+                <a:solidFill>
+                  <a:srgbClr val="000000"/>
+                </a:solidFill>
+                <a:latin typeface="Times New Roman"/>
+                <a:ea typeface="DejaVu Sans"/>
               </a:rPr>
-              <a:t>2. </a:t>
+              <a:t>2. Metodos Usados</a:t>
             </a:r>
-            <a:r>
-              <a:rPr lang="es-AR" dirty="0" err="1">
-                <a:latin typeface="Times New Roman" panose="02020603050405020304" pitchFamily="18" charset="0"/>
-                <a:cs typeface="Times New Roman" panose="02020603050405020304" pitchFamily="18" charset="0"/>
-              </a:rPr>
-              <a:t>Metodos</a:t>
-            </a:r>
-            <a:r>
-              <a:rPr lang="es-AR" dirty="0">
-                <a:latin typeface="Times New Roman" panose="02020603050405020304" pitchFamily="18" charset="0"/>
-                <a:cs typeface="Times New Roman" panose="02020603050405020304" pitchFamily="18" charset="0"/>
-              </a:rPr>
-              <a:t> Usados</a:t>
-            </a:r>
+            <a:endParaRPr lang="es-AR" sz="4400" b="0" strike="noStrike" spc="-1">
+              <a:solidFill>
+                <a:srgbClr val="000000"/>
+              </a:solidFill>
+              <a:latin typeface="Arial"/>
+            </a:endParaRPr>
           </a:p>
         </p:txBody>
       </p:sp>
     </p:spTree>
-    <p:extLst>
-      <p:ext uri="{BB962C8B-B14F-4D97-AF65-F5344CB8AC3E}">
-        <p14:creationId xmlns:p14="http://schemas.microsoft.com/office/powerpoint/2010/main" val="2623954870"/>
-      </p:ext>
-    </p:extLst>
   </p:cSld>
   <p:clrMapOvr>
     <a:masterClrMapping/>
@@ -7680,7 +9709,7 @@
       </p:grpSpPr>
       <p:sp>
         <p:nvSpPr>
-          <p:cNvPr id="97" name="PlaceHolder 1"/>
+          <p:cNvPr id="128" name="PlaceHolder 1"/>
           <p:cNvSpPr>
             <a:spLocks noGrp="1"/>
           </p:cNvSpPr>
@@ -7691,18 +9720,18 @@
         <p:spPr>
           <a:xfrm>
             <a:off x="838080" y="365040"/>
-            <a:ext cx="10515240" cy="1325160"/>
-          </a:xfrm>
-          <a:prstGeom prst="rect">
-            <a:avLst/>
-          </a:prstGeom>
-          <a:noFill/>
-          <a:ln w="0">
-            <a:noFill/>
-          </a:ln>
-        </p:spPr>
-        <p:txBody>
-          <a:bodyPr anchor="ctr">
+            <a:ext cx="10514880" cy="1324800"/>
+          </a:xfrm>
+          <a:prstGeom prst="rect">
+            <a:avLst/>
+          </a:prstGeom>
+          <a:noFill/>
+          <a:ln w="0">
+            <a:noFill/>
+          </a:ln>
+        </p:spPr>
+        <p:txBody>
+          <a:bodyPr lIns="90000" tIns="45000" rIns="90000" bIns="45000" anchor="ctr">
             <a:noAutofit/>
           </a:bodyPr>
           <a:lstStyle/>
@@ -7713,26 +9742,27 @@
               </a:lnSpc>
             </a:pPr>
             <a:r>
-              <a:rPr lang="es-AR" sz="4400" b="0" strike="noStrike" spc="-1" dirty="0">
+              <a:rPr lang="es-AR" sz="4400" b="0" strike="noStrike" spc="-1">
                 <a:solidFill>
                   <a:srgbClr val="000000"/>
                 </a:solidFill>
                 <a:latin typeface="Times New Roman"/>
+                <a:ea typeface="DejaVu Sans"/>
               </a:rPr>
               <a:t>2.1 Árbol de ordenamiento</a:t>
             </a:r>
-            <a:endParaRPr lang="es-AR" sz="4400" b="0" strike="noStrike" spc="-1" dirty="0">
-              <a:solidFill>
-                <a:srgbClr val="000000"/>
-              </a:solidFill>
-              <a:latin typeface="Calibri"/>
-            </a:endParaRPr>
-          </a:p>
-        </p:txBody>
-      </p:sp>
-      <p:sp>
-        <p:nvSpPr>
-          <p:cNvPr id="98" name="PlaceHolder 2"/>
+            <a:endParaRPr lang="es-AR" sz="4400" b="0" strike="noStrike" spc="-1">
+              <a:solidFill>
+                <a:srgbClr val="000000"/>
+              </a:solidFill>
+              <a:latin typeface="Arial"/>
+            </a:endParaRPr>
+          </a:p>
+        </p:txBody>
+      </p:sp>
+      <p:sp>
+        <p:nvSpPr>
+          <p:cNvPr id="129" name="PlaceHolder 2"/>
           <p:cNvSpPr>
             <a:spLocks noGrp="1"/>
           </p:cNvSpPr>
@@ -7743,18 +9773,18 @@
         <p:spPr>
           <a:xfrm>
             <a:off x="838080" y="1690560"/>
-            <a:ext cx="10515240" cy="4350960"/>
-          </a:xfrm>
-          <a:prstGeom prst="rect">
-            <a:avLst/>
-          </a:prstGeom>
-          <a:noFill/>
-          <a:ln w="0">
-            <a:noFill/>
-          </a:ln>
-        </p:spPr>
-        <p:txBody>
-          <a:bodyPr anchor="t">
+            <a:ext cx="10514880" cy="4350600"/>
+          </a:xfrm>
+          <a:prstGeom prst="rect">
+            <a:avLst/>
+          </a:prstGeom>
+          <a:noFill/>
+          <a:ln w="0">
+            <a:noFill/>
+          </a:ln>
+        </p:spPr>
+        <p:txBody>
+          <a:bodyPr lIns="90000" tIns="45000" rIns="90000" bIns="45000" anchor="t">
             <a:normAutofit/>
           </a:bodyPr>
           <a:lstStyle/>
@@ -7778,6 +9808,7 @@
                   <a:srgbClr val="000000"/>
                 </a:solidFill>
                 <a:latin typeface="Times New Roman"/>
+                <a:ea typeface="DejaVu Sans"/>
               </a:rPr>
               <a:t>El árbol de ordenamiento es un árbol binario el cual tiene como objetivo dar información de cómo se encuentran ordenadas las cajas, espacios aun no recorridos y espacios desperdiciados</a:t>
             </a:r>
@@ -7785,7 +9816,7 @@
               <a:solidFill>
                 <a:srgbClr val="000000"/>
               </a:solidFill>
-              <a:latin typeface="Calibri"/>
+              <a:latin typeface="Arial"/>
             </a:endParaRPr>
           </a:p>
           <a:p>
@@ -7801,7 +9832,7 @@
               <a:solidFill>
                 <a:srgbClr val="000000"/>
               </a:solidFill>
-              <a:latin typeface="Calibri"/>
+              <a:latin typeface="Arial"/>
             </a:endParaRPr>
           </a:p>
           <a:p>
@@ -7824,6 +9855,7 @@
                   <a:srgbClr val="000000"/>
                 </a:solidFill>
                 <a:latin typeface="Times New Roman"/>
+                <a:ea typeface="DejaVu Sans"/>
               </a:rPr>
               <a:t>Atributos de Nodo:</a:t>
             </a:r>
@@ -7831,7 +9863,7 @@
               <a:solidFill>
                 <a:srgbClr val="000000"/>
               </a:solidFill>
-              <a:latin typeface="Calibri"/>
+              <a:latin typeface="Arial"/>
             </a:endParaRPr>
           </a:p>
           <a:p>
@@ -7854,6 +9886,7 @@
                   <a:srgbClr val="000000"/>
                 </a:solidFill>
                 <a:latin typeface="Times New Roman"/>
+                <a:ea typeface="DejaVu Sans"/>
               </a:rPr>
               <a:t>Tam_Contenedor:</a:t>
             </a:r>
@@ -7861,7 +9894,7 @@
               <a:solidFill>
                 <a:srgbClr val="000000"/>
               </a:solidFill>
-              <a:latin typeface="Calibri"/>
+              <a:latin typeface="Arial"/>
             </a:endParaRPr>
           </a:p>
           <a:p>
@@ -7884,6 +9917,7 @@
                   <a:srgbClr val="000000"/>
                 </a:solidFill>
                 <a:latin typeface="Times New Roman"/>
+                <a:ea typeface="DejaVu Sans"/>
               </a:rPr>
               <a:t>Tam_Caja_Ingresada</a:t>
             </a:r>
@@ -7891,7 +9925,7 @@
               <a:solidFill>
                 <a:srgbClr val="000000"/>
               </a:solidFill>
-              <a:latin typeface="Calibri"/>
+              <a:latin typeface="Arial"/>
             </a:endParaRPr>
           </a:p>
           <a:p>
@@ -7914,6 +9948,7 @@
                   <a:srgbClr val="000000"/>
                 </a:solidFill>
                 <a:latin typeface="Times New Roman"/>
+                <a:ea typeface="DejaVu Sans"/>
               </a:rPr>
               <a:t>Nodo_Alado</a:t>
             </a:r>
@@ -7921,7 +9956,7 @@
               <a:solidFill>
                 <a:srgbClr val="000000"/>
               </a:solidFill>
-              <a:latin typeface="Calibri"/>
+              <a:latin typeface="Arial"/>
             </a:endParaRPr>
           </a:p>
           <a:p>
@@ -7944,6 +9979,7 @@
                   <a:srgbClr val="000000"/>
                 </a:solidFill>
                 <a:latin typeface="Times New Roman"/>
+                <a:ea typeface="DejaVu Sans"/>
               </a:rPr>
               <a:t>Nodo_Arriba</a:t>
             </a:r>
@@ -7951,14 +9987,14 @@
               <a:solidFill>
                 <a:srgbClr val="000000"/>
               </a:solidFill>
-              <a:latin typeface="Calibri"/>
+              <a:latin typeface="Arial"/>
             </a:endParaRPr>
           </a:p>
         </p:txBody>
       </p:sp>
       <p:pic>
         <p:nvPicPr>
-          <p:cNvPr id="99" name="Imagen 4"/>
+          <p:cNvPr id="130" name="Imagen 4"/>
           <p:cNvPicPr/>
           <p:nvPr/>
         </p:nvPicPr>
@@ -7969,7 +10005,7 @@
         <p:spPr>
           <a:xfrm>
             <a:off x="8939880" y="3043440"/>
-            <a:ext cx="2737080" cy="1915560"/>
+            <a:ext cx="2736720" cy="1915200"/>
           </a:xfrm>
           <a:prstGeom prst="rect">
             <a:avLst/>
@@ -7981,7 +10017,7 @@
       </p:pic>
       <p:pic>
         <p:nvPicPr>
-          <p:cNvPr id="100" name="Imagen 6"/>
+          <p:cNvPr id="131" name="Imagen 6"/>
           <p:cNvPicPr/>
           <p:nvPr/>
         </p:nvPicPr>
@@ -7992,7 +10028,7 @@
         <p:spPr>
           <a:xfrm>
             <a:off x="3708720" y="2705760"/>
-            <a:ext cx="4954680" cy="2590560"/>
+            <a:ext cx="4954320" cy="2590200"/>
           </a:xfrm>
           <a:prstGeom prst="rect">
             <a:avLst/>
@@ -8029,7 +10065,7 @@
       </p:grpSpPr>
       <p:sp>
         <p:nvSpPr>
-          <p:cNvPr id="101" name="PlaceHolder 1"/>
+          <p:cNvPr id="132" name="PlaceHolder 1"/>
           <p:cNvSpPr>
             <a:spLocks noGrp="1"/>
           </p:cNvSpPr>
@@ -8040,18 +10076,18 @@
         <p:spPr>
           <a:xfrm>
             <a:off x="838080" y="134280"/>
-            <a:ext cx="10515240" cy="877320"/>
-          </a:xfrm>
-          <a:prstGeom prst="rect">
-            <a:avLst/>
-          </a:prstGeom>
-          <a:noFill/>
-          <a:ln w="0">
-            <a:noFill/>
-          </a:ln>
-        </p:spPr>
-        <p:txBody>
-          <a:bodyPr anchor="ctr">
+            <a:ext cx="10514880" cy="876960"/>
+          </a:xfrm>
+          <a:prstGeom prst="rect">
+            <a:avLst/>
+          </a:prstGeom>
+          <a:noFill/>
+          <a:ln w="0">
+            <a:noFill/>
+          </a:ln>
+        </p:spPr>
+        <p:txBody>
+          <a:bodyPr lIns="90000" tIns="45000" rIns="90000" bIns="45000" anchor="ctr">
             <a:noAutofit/>
           </a:bodyPr>
           <a:lstStyle/>
@@ -8062,26 +10098,27 @@
               </a:lnSpc>
             </a:pPr>
             <a:r>
-              <a:rPr lang="es-AR" sz="4400" strike="noStrike" spc="-1" dirty="0">
+              <a:rPr lang="es-AR" sz="4400" b="0" strike="noStrike" spc="-1">
                 <a:solidFill>
                   <a:srgbClr val="000000"/>
                 </a:solidFill>
                 <a:latin typeface="Times New Roman"/>
+                <a:ea typeface="DejaVu Sans"/>
               </a:rPr>
               <a:t>2.2 Árbol de corte guillotina</a:t>
             </a:r>
-            <a:endParaRPr lang="es-AR" sz="4400" strike="noStrike" spc="-1" dirty="0">
-              <a:solidFill>
-                <a:srgbClr val="000000"/>
-              </a:solidFill>
-              <a:latin typeface="Calibri"/>
-            </a:endParaRPr>
-          </a:p>
-        </p:txBody>
-      </p:sp>
-      <p:sp>
-        <p:nvSpPr>
-          <p:cNvPr id="102" name="PlaceHolder 2"/>
+            <a:endParaRPr lang="es-AR" sz="4400" b="0" strike="noStrike" spc="-1">
+              <a:solidFill>
+                <a:srgbClr val="000000"/>
+              </a:solidFill>
+              <a:latin typeface="Arial"/>
+            </a:endParaRPr>
+          </a:p>
+        </p:txBody>
+      </p:sp>
+      <p:sp>
+        <p:nvSpPr>
+          <p:cNvPr id="133" name="PlaceHolder 2"/>
           <p:cNvSpPr>
             <a:spLocks noGrp="1"/>
           </p:cNvSpPr>
@@ -8092,18 +10129,18 @@
         <p:spPr>
           <a:xfrm>
             <a:off x="1273320" y="1011960"/>
-            <a:ext cx="10515240" cy="4712040"/>
-          </a:xfrm>
-          <a:prstGeom prst="rect">
-            <a:avLst/>
-          </a:prstGeom>
-          <a:noFill/>
-          <a:ln w="0">
-            <a:noFill/>
-          </a:ln>
-        </p:spPr>
-        <p:txBody>
-          <a:bodyPr anchor="t">
+            <a:ext cx="10514880" cy="4711680"/>
+          </a:xfrm>
+          <a:prstGeom prst="rect">
+            <a:avLst/>
+          </a:prstGeom>
+          <a:noFill/>
+          <a:ln w="0">
+            <a:noFill/>
+          </a:ln>
+        </p:spPr>
+        <p:txBody>
+          <a:bodyPr lIns="90000" tIns="45000" rIns="90000" bIns="45000" anchor="t">
             <a:normAutofit/>
           </a:bodyPr>
           <a:lstStyle/>
@@ -8122,37 +10159,20 @@
               <a:buChar char="•"/>
             </a:pPr>
             <a:r>
-              <a:rPr lang="es-AR" sz="1800" b="0" strike="noStrike" spc="-1" dirty="0">
+              <a:rPr lang="es-AR" sz="1800" b="0" strike="noStrike" spc="-1">
                 <a:solidFill>
                   <a:srgbClr val="000000"/>
                 </a:solidFill>
                 <a:latin typeface="Times New Roman"/>
+                <a:ea typeface="DejaVu Sans"/>
               </a:rPr>
-              <a:t>El árbol de Corte Guillotina es un árbol binario completo, esta estructura nos permitirá dividir el contenedor principal en varios </a:t>
+              <a:t>El árbol de Corte Guillotina es un árbol binario completo, esta estructura nos permitirá dividir el contenedor principal en varios subcontenedores. </a:t>
             </a:r>
-            <a:r>
-              <a:rPr lang="es-AR" sz="1800" b="0" strike="noStrike" spc="-1" dirty="0" err="1">
-                <a:solidFill>
-                  <a:srgbClr val="000000"/>
-                </a:solidFill>
-                <a:latin typeface="Times New Roman"/>
-              </a:rPr>
-              <a:t>subcontenedores</a:t>
-            </a:r>
-            <a:r>
-              <a:rPr lang="es-AR" sz="1800" b="0" strike="noStrike" spc="-1" dirty="0">
-                <a:solidFill>
-                  <a:srgbClr val="000000"/>
-                </a:solidFill>
-                <a:latin typeface="Times New Roman"/>
-              </a:rPr>
-              <a:t>. </a:t>
-            </a:r>
-            <a:endParaRPr lang="es-AR" sz="1800" b="0" strike="noStrike" spc="-1" dirty="0">
-              <a:solidFill>
-                <a:srgbClr val="000000"/>
-              </a:solidFill>
-              <a:latin typeface="Calibri"/>
+            <a:endParaRPr lang="es-AR" sz="1800" b="0" strike="noStrike" spc="-1">
+              <a:solidFill>
+                <a:srgbClr val="000000"/>
+              </a:solidFill>
+              <a:latin typeface="Arial"/>
             </a:endParaRPr>
           </a:p>
           <a:p>
@@ -8170,55 +10190,20 @@
               <a:buChar char="•"/>
             </a:pPr>
             <a:r>
-              <a:rPr lang="es-AR" sz="1800" b="0" strike="noStrike" spc="-1" dirty="0">
+              <a:rPr lang="es-AR" sz="1800" b="0" strike="noStrike" spc="-1">
                 <a:solidFill>
                   <a:srgbClr val="000000"/>
                 </a:solidFill>
                 <a:latin typeface="Times New Roman"/>
+                <a:ea typeface="DejaVu Sans"/>
               </a:rPr>
-              <a:t>Usaremos cada </a:t>
+              <a:t>Usaremos cada subcontenedor para ordenar las cajas en estos, tratando de obtener esos subcontenedores para un conjunto de cajas que dejen menos espacios desperdiciados.</a:t>
             </a:r>
-            <a:r>
-              <a:rPr lang="es-AR" sz="1800" b="0" strike="noStrike" spc="-1" dirty="0" err="1">
-                <a:solidFill>
-                  <a:srgbClr val="000000"/>
-                </a:solidFill>
-                <a:latin typeface="Times New Roman"/>
-              </a:rPr>
-              <a:t>subcontenedor</a:t>
-            </a:r>
-            <a:r>
-              <a:rPr lang="es-AR" sz="1800" b="0" strike="noStrike" spc="-1" dirty="0">
-                <a:solidFill>
-                  <a:srgbClr val="000000"/>
-                </a:solidFill>
-                <a:latin typeface="Times New Roman"/>
-              </a:rPr>
-              <a:t> para ordenar las cajas en estos, tratando de obtener esos </a:t>
-            </a:r>
-            <a:r>
-              <a:rPr lang="es-AR" sz="1800" b="0" strike="noStrike" spc="-1" dirty="0" err="1">
-                <a:solidFill>
-                  <a:srgbClr val="000000"/>
-                </a:solidFill>
-                <a:latin typeface="Times New Roman"/>
-              </a:rPr>
-              <a:t>subcontenedores</a:t>
-            </a:r>
-            <a:r>
-              <a:rPr lang="es-AR" sz="1800" b="0" strike="noStrike" spc="-1" dirty="0">
-                <a:solidFill>
-                  <a:srgbClr val="000000"/>
-                </a:solidFill>
-                <a:latin typeface="Times New Roman"/>
-              </a:rPr>
-              <a:t> para un conjunto de cajas que dejen menos espacios desperdiciados.</a:t>
-            </a:r>
-            <a:endParaRPr lang="es-AR" sz="1800" b="0" strike="noStrike" spc="-1" dirty="0">
-              <a:solidFill>
-                <a:srgbClr val="000000"/>
-              </a:solidFill>
-              <a:latin typeface="Calibri"/>
+            <a:endParaRPr lang="es-AR" sz="1800" b="0" strike="noStrike" spc="-1">
+              <a:solidFill>
+                <a:srgbClr val="000000"/>
+              </a:solidFill>
+              <a:latin typeface="Arial"/>
             </a:endParaRPr>
           </a:p>
           <a:p>
@@ -8236,19 +10221,20 @@
               <a:buChar char="•"/>
             </a:pPr>
             <a:r>
-              <a:rPr lang="es-AR" sz="1800" b="0" strike="noStrike" spc="-1" dirty="0">
+              <a:rPr lang="es-AR" sz="1800" b="0" strike="noStrike" spc="-1">
                 <a:solidFill>
                   <a:srgbClr val="000000"/>
                 </a:solidFill>
                 <a:latin typeface="Times New Roman"/>
+                <a:ea typeface="DejaVu Sans"/>
               </a:rPr>
               <a:t>La altura del árbol define la cantidad de cortes que se realizaran sobre el contenedor</a:t>
             </a:r>
-            <a:endParaRPr lang="es-AR" sz="1800" b="0" strike="noStrike" spc="-1" dirty="0">
-              <a:solidFill>
-                <a:srgbClr val="000000"/>
-              </a:solidFill>
-              <a:latin typeface="Calibri"/>
+            <a:endParaRPr lang="es-AR" sz="1800" b="0" strike="noStrike" spc="-1">
+              <a:solidFill>
+                <a:srgbClr val="000000"/>
+              </a:solidFill>
+              <a:latin typeface="Arial"/>
             </a:endParaRPr>
           </a:p>
           <a:p>
@@ -8266,19 +10252,20 @@
               <a:buChar char="•"/>
             </a:pPr>
             <a:r>
-              <a:rPr lang="es-AR" sz="1800" b="0" strike="noStrike" spc="-1" dirty="0">
+              <a:rPr lang="es-AR" sz="1800" b="0" strike="noStrike" spc="-1">
                 <a:solidFill>
                   <a:srgbClr val="000000"/>
                 </a:solidFill>
                 <a:latin typeface="Times New Roman"/>
+                <a:ea typeface="DejaVu Sans"/>
               </a:rPr>
               <a:t>Atributos de Nodos:</a:t>
             </a:r>
-            <a:endParaRPr lang="es-AR" sz="1800" b="0" strike="noStrike" spc="-1" dirty="0">
-              <a:solidFill>
-                <a:srgbClr val="000000"/>
-              </a:solidFill>
-              <a:latin typeface="Calibri"/>
+            <a:endParaRPr lang="es-AR" sz="1800" b="0" strike="noStrike" spc="-1">
+              <a:solidFill>
+                <a:srgbClr val="000000"/>
+              </a:solidFill>
+              <a:latin typeface="Arial"/>
             </a:endParaRPr>
           </a:p>
           <a:p>
@@ -8296,19 +10283,20 @@
               <a:buChar char="•"/>
             </a:pPr>
             <a:r>
-              <a:rPr lang="es-AR" sz="1800" b="0" strike="noStrike" spc="-1" dirty="0" err="1">
+              <a:rPr lang="es-AR" sz="1800" b="0" strike="noStrike" spc="-1">
                 <a:solidFill>
                   <a:srgbClr val="000000"/>
                 </a:solidFill>
                 <a:latin typeface="Times New Roman"/>
+                <a:ea typeface="DejaVu Sans"/>
               </a:rPr>
               <a:t>Tipo_de_Corte</a:t>
             </a:r>
-            <a:endParaRPr lang="es-AR" sz="1800" b="0" strike="noStrike" spc="-1" dirty="0">
-              <a:solidFill>
-                <a:srgbClr val="000000"/>
-              </a:solidFill>
-              <a:latin typeface="Calibri"/>
+            <a:endParaRPr lang="es-AR" sz="1800" b="0" strike="noStrike" spc="-1">
+              <a:solidFill>
+                <a:srgbClr val="000000"/>
+              </a:solidFill>
+              <a:latin typeface="Arial"/>
             </a:endParaRPr>
           </a:p>
           <a:p>
@@ -8326,19 +10314,20 @@
               <a:buChar char="•"/>
             </a:pPr>
             <a:r>
-              <a:rPr lang="es-AR" sz="1800" b="0" strike="noStrike" spc="-1" dirty="0" err="1">
+              <a:rPr lang="es-AR" sz="1800" b="0" strike="noStrike" spc="-1">
                 <a:solidFill>
                   <a:srgbClr val="000000"/>
                 </a:solidFill>
                 <a:latin typeface="Times New Roman"/>
+                <a:ea typeface="DejaVu Sans"/>
               </a:rPr>
               <a:t>Porcentaje_de_Corte</a:t>
             </a:r>
-            <a:endParaRPr lang="es-AR" sz="1800" b="0" strike="noStrike" spc="-1" dirty="0">
-              <a:solidFill>
-                <a:srgbClr val="000000"/>
-              </a:solidFill>
-              <a:latin typeface="Calibri"/>
+            <a:endParaRPr lang="es-AR" sz="1800" b="0" strike="noStrike" spc="-1">
+              <a:solidFill>
+                <a:srgbClr val="000000"/>
+              </a:solidFill>
+              <a:latin typeface="Arial"/>
             </a:endParaRPr>
           </a:p>
           <a:p>
@@ -8356,19 +10345,20 @@
               <a:buChar char="•"/>
             </a:pPr>
             <a:r>
-              <a:rPr lang="es-AR" sz="1800" b="0" strike="noStrike" spc="-1" dirty="0">
+              <a:rPr lang="es-AR" sz="1800" b="0" strike="noStrike" spc="-1">
                 <a:solidFill>
                   <a:srgbClr val="000000"/>
                 </a:solidFill>
                 <a:latin typeface="Times New Roman"/>
+                <a:ea typeface="DejaVu Sans"/>
               </a:rPr>
               <a:t>Nodo_ Derecho</a:t>
             </a:r>
-            <a:endParaRPr lang="es-AR" sz="1800" b="0" strike="noStrike" spc="-1" dirty="0">
-              <a:solidFill>
-                <a:srgbClr val="000000"/>
-              </a:solidFill>
-              <a:latin typeface="Calibri"/>
+            <a:endParaRPr lang="es-AR" sz="1800" b="0" strike="noStrike" spc="-1">
+              <a:solidFill>
+                <a:srgbClr val="000000"/>
+              </a:solidFill>
+              <a:latin typeface="Arial"/>
             </a:endParaRPr>
           </a:p>
           <a:p>
@@ -8386,26 +10376,27 @@
               <a:buChar char="•"/>
             </a:pPr>
             <a:r>
-              <a:rPr lang="es-AR" sz="1800" b="0" strike="noStrike" spc="-1" dirty="0" err="1">
+              <a:rPr lang="es-AR" sz="1800" b="0" strike="noStrike" spc="-1">
                 <a:solidFill>
                   <a:srgbClr val="000000"/>
                 </a:solidFill>
                 <a:latin typeface="Times New Roman"/>
+                <a:ea typeface="DejaVu Sans"/>
               </a:rPr>
               <a:t>Nodo_Izquierdo</a:t>
             </a:r>
-            <a:endParaRPr lang="es-AR" sz="1800" b="0" strike="noStrike" spc="-1" dirty="0">
-              <a:solidFill>
-                <a:srgbClr val="000000"/>
-              </a:solidFill>
-              <a:latin typeface="Calibri"/>
+            <a:endParaRPr lang="es-AR" sz="1800" b="0" strike="noStrike" spc="-1">
+              <a:solidFill>
+                <a:srgbClr val="000000"/>
+              </a:solidFill>
+              <a:latin typeface="Arial"/>
             </a:endParaRPr>
           </a:p>
         </p:txBody>
       </p:sp>
       <p:pic>
         <p:nvPicPr>
-          <p:cNvPr id="103" name="Imagen 5"/>
+          <p:cNvPr id="134" name="Imagen 5"/>
           <p:cNvPicPr/>
           <p:nvPr/>
         </p:nvPicPr>
@@ -8416,7 +10407,7 @@
         <p:spPr>
           <a:xfrm>
             <a:off x="4106160" y="2953440"/>
-            <a:ext cx="3808800" cy="2892600"/>
+            <a:ext cx="3808440" cy="2892240"/>
           </a:xfrm>
           <a:prstGeom prst="rect">
             <a:avLst/>
@@ -8428,7 +10419,7 @@
       </p:pic>
       <p:pic>
         <p:nvPicPr>
-          <p:cNvPr id="104" name="Imagen 6"/>
+          <p:cNvPr id="135" name="Imagen 6"/>
           <p:cNvPicPr/>
           <p:nvPr/>
         </p:nvPicPr>
@@ -8438,8 +10429,8 @@
         </p:blipFill>
         <p:spPr>
           <a:xfrm>
-            <a:off x="7956900" y="3146940"/>
-            <a:ext cx="3789720" cy="2638080"/>
+            <a:off x="7957080" y="3147120"/>
+            <a:ext cx="3789360" cy="2637720"/>
           </a:xfrm>
           <a:prstGeom prst="rect">
             <a:avLst/>
@@ -8476,7 +10467,7 @@
       </p:grpSpPr>
       <p:sp>
         <p:nvSpPr>
-          <p:cNvPr id="105" name="PlaceHolder 1"/>
+          <p:cNvPr id="136" name="PlaceHolder 1"/>
           <p:cNvSpPr>
             <a:spLocks noGrp="1"/>
           </p:cNvSpPr>
@@ -8487,18 +10478,18 @@
         <p:spPr>
           <a:xfrm>
             <a:off x="838080" y="267480"/>
-            <a:ext cx="10515240" cy="655560"/>
-          </a:xfrm>
-          <a:prstGeom prst="rect">
-            <a:avLst/>
-          </a:prstGeom>
-          <a:noFill/>
-          <a:ln w="0">
-            <a:noFill/>
-          </a:ln>
-        </p:spPr>
-        <p:txBody>
-          <a:bodyPr anchor="ctr">
+            <a:ext cx="10514880" cy="655200"/>
+          </a:xfrm>
+          <a:prstGeom prst="rect">
+            <a:avLst/>
+          </a:prstGeom>
+          <a:noFill/>
+          <a:ln w="0">
+            <a:noFill/>
+          </a:ln>
+        </p:spPr>
+        <p:txBody>
+          <a:bodyPr lIns="90000" tIns="45000" rIns="90000" bIns="45000" anchor="ctr">
             <a:normAutofit fontScale="93000"/>
           </a:bodyPr>
           <a:lstStyle/>
@@ -8509,26 +10500,27 @@
               </a:lnSpc>
             </a:pPr>
             <a:r>
-              <a:rPr lang="es-AR" sz="4400" b="0" strike="noStrike" spc="-1" dirty="0">
+              <a:rPr lang="es-AR" sz="4400" b="0" strike="noStrike" spc="-1">
                 <a:solidFill>
                   <a:srgbClr val="000000"/>
                 </a:solidFill>
                 <a:latin typeface="Times New Roman"/>
+                <a:ea typeface="DejaVu Sans"/>
               </a:rPr>
               <a:t>2.3 Algoritmo Genético</a:t>
             </a:r>
-            <a:endParaRPr lang="es-AR" sz="4400" b="0" strike="noStrike" spc="-1" dirty="0">
-              <a:solidFill>
-                <a:srgbClr val="000000"/>
-              </a:solidFill>
-              <a:latin typeface="Calibri"/>
-            </a:endParaRPr>
-          </a:p>
-        </p:txBody>
-      </p:sp>
-      <p:sp>
-        <p:nvSpPr>
-          <p:cNvPr id="106" name="PlaceHolder 2"/>
+            <a:endParaRPr lang="es-AR" sz="4400" b="0" strike="noStrike" spc="-1">
+              <a:solidFill>
+                <a:srgbClr val="000000"/>
+              </a:solidFill>
+              <a:latin typeface="Arial"/>
+            </a:endParaRPr>
+          </a:p>
+        </p:txBody>
+      </p:sp>
+      <p:sp>
+        <p:nvSpPr>
+          <p:cNvPr id="137" name="PlaceHolder 2"/>
           <p:cNvSpPr>
             <a:spLocks noGrp="1"/>
           </p:cNvSpPr>
@@ -8539,29 +10531,34 @@
         <p:spPr>
           <a:xfrm>
             <a:off x="838080" y="994320"/>
-            <a:ext cx="10515240" cy="3603960"/>
-          </a:xfrm>
-          <a:prstGeom prst="rect">
-            <a:avLst/>
-          </a:prstGeom>
-          <a:noFill/>
-          <a:ln w="0">
-            <a:noFill/>
-          </a:ln>
-        </p:spPr>
-        <p:txBody>
-          <a:bodyPr anchor="t">
+            <a:ext cx="10514880" cy="3603600"/>
+          </a:xfrm>
+          <a:prstGeom prst="rect">
+            <a:avLst/>
+          </a:prstGeom>
+          <a:noFill/>
+          <a:ln w="0">
+            <a:noFill/>
+          </a:ln>
+        </p:spPr>
+        <p:txBody>
+          <a:bodyPr lIns="90000" tIns="45000" rIns="90000" bIns="45000" anchor="t">
             <a:normAutofit/>
           </a:bodyPr>
           <a:lstStyle/>
           <a:p>
-            <a:pPr>
+            <a:pPr marL="228600" indent="-228600">
               <a:lnSpc>
                 <a:spcPct val="90000"/>
               </a:lnSpc>
               <a:spcBef>
                 <a:spcPts val="1001"/>
               </a:spcBef>
+              <a:buClr>
+                <a:srgbClr val="000000"/>
+              </a:buClr>
+              <a:buFont typeface="Arial"/>
+              <a:buChar char="•"/>
               <a:tabLst>
                 <a:tab pos="0" algn="l"/>
               </a:tabLst>
@@ -8572,6 +10569,7 @@
                   <a:srgbClr val="000000"/>
                 </a:solidFill>
                 <a:latin typeface="Times New Roman"/>
+                <a:ea typeface="DejaVu Sans"/>
               </a:rPr>
               <a:t>Llamados así porque se inspiran en la evolución biológica</a:t>
             </a:r>
@@ -8579,7 +10577,7 @@
               <a:solidFill>
                 <a:srgbClr val="000000"/>
               </a:solidFill>
-              <a:latin typeface="Calibri"/>
+              <a:latin typeface="Arial"/>
             </a:endParaRPr>
           </a:p>
           <a:p>
@@ -8605,6 +10603,7 @@
                   <a:srgbClr val="000000"/>
                 </a:solidFill>
                 <a:latin typeface="Times New Roman"/>
+                <a:ea typeface="DejaVu Sans"/>
               </a:rPr>
               <a:t>Inicialización</a:t>
             </a:r>
@@ -8612,7 +10611,7 @@
               <a:solidFill>
                 <a:srgbClr val="000000"/>
               </a:solidFill>
-              <a:latin typeface="Calibri"/>
+              <a:latin typeface="Arial"/>
             </a:endParaRPr>
           </a:p>
           <a:p>
@@ -8638,6 +10637,7 @@
                   <a:srgbClr val="000000"/>
                 </a:solidFill>
                 <a:latin typeface="Times New Roman"/>
+                <a:ea typeface="DejaVu Sans"/>
               </a:rPr>
               <a:t>Condición de término</a:t>
             </a:r>
@@ -8645,7 +10645,41 @@
               <a:solidFill>
                 <a:srgbClr val="000000"/>
               </a:solidFill>
-              <a:latin typeface="Calibri"/>
+              <a:latin typeface="Arial"/>
+            </a:endParaRPr>
+          </a:p>
+          <a:p>
+            <a:pPr marL="228600" indent="-228600">
+              <a:lnSpc>
+                <a:spcPct val="90000"/>
+              </a:lnSpc>
+              <a:spcBef>
+                <a:spcPts val="1001"/>
+              </a:spcBef>
+              <a:buClr>
+                <a:srgbClr val="000000"/>
+              </a:buClr>
+              <a:buFont typeface="Arial"/>
+              <a:buChar char="•"/>
+              <a:tabLst>
+                <a:tab pos="0" algn="l"/>
+              </a:tabLst>
+            </a:pPr>
+            <a:r>
+              <a:rPr lang="es-AR" sz="2000" b="1" strike="noStrike" spc="-1">
+                <a:solidFill>
+                  <a:srgbClr val="000000"/>
+                </a:solidFill>
+                <a:latin typeface="Times New Roman"/>
+                <a:ea typeface="DejaVu Sans"/>
+              </a:rPr>
+              <a:t>Evaluación</a:t>
+            </a:r>
+            <a:endParaRPr lang="es-AR" sz="2000" b="0" strike="noStrike" spc="-1">
+              <a:solidFill>
+                <a:srgbClr val="000000"/>
+              </a:solidFill>
+              <a:latin typeface="Arial"/>
             </a:endParaRPr>
           </a:p>
           <a:p>
@@ -8671,14 +10705,15 @@
                   <a:srgbClr val="000000"/>
                 </a:solidFill>
                 <a:latin typeface="Times New Roman"/>
+                <a:ea typeface="DejaVu Sans"/>
               </a:rPr>
-              <a:t>Evaluación</a:t>
+              <a:t>Selección</a:t>
             </a:r>
             <a:endParaRPr lang="es-AR" sz="2000" b="0" strike="noStrike" spc="-1" dirty="0">
               <a:solidFill>
                 <a:srgbClr val="000000"/>
               </a:solidFill>
-              <a:latin typeface="Calibri"/>
+              <a:latin typeface="Arial"/>
             </a:endParaRPr>
           </a:p>
           <a:p>
@@ -8704,14 +10739,15 @@
                   <a:srgbClr val="000000"/>
                 </a:solidFill>
                 <a:latin typeface="Times New Roman"/>
+                <a:ea typeface="DejaVu Sans"/>
               </a:rPr>
-              <a:t>Selección</a:t>
+              <a:t>Cruzamiento</a:t>
             </a:r>
             <a:endParaRPr lang="es-AR" sz="2000" b="0" strike="noStrike" spc="-1" dirty="0">
               <a:solidFill>
                 <a:srgbClr val="000000"/>
               </a:solidFill>
-              <a:latin typeface="Calibri"/>
+              <a:latin typeface="Arial"/>
             </a:endParaRPr>
           </a:p>
           <a:p>
@@ -8737,14 +10773,15 @@
                   <a:srgbClr val="000000"/>
                 </a:solidFill>
                 <a:latin typeface="Times New Roman"/>
+                <a:ea typeface="DejaVu Sans"/>
               </a:rPr>
-              <a:t>Cruzamiento</a:t>
+              <a:t>Mutación</a:t>
             </a:r>
             <a:endParaRPr lang="es-AR" sz="2000" b="0" strike="noStrike" spc="-1" dirty="0">
               <a:solidFill>
                 <a:srgbClr val="000000"/>
               </a:solidFill>
-              <a:latin typeface="Calibri"/>
+              <a:latin typeface="Arial"/>
             </a:endParaRPr>
           </a:p>
           <a:p>
@@ -8770,39 +10807,7 @@
                   <a:srgbClr val="000000"/>
                 </a:solidFill>
                 <a:latin typeface="Times New Roman"/>
-              </a:rPr>
-              <a:t>Mutación</a:t>
-            </a:r>
-            <a:endParaRPr lang="es-AR" sz="2000" b="0" strike="noStrike" spc="-1" dirty="0">
-              <a:solidFill>
-                <a:srgbClr val="000000"/>
-              </a:solidFill>
-              <a:latin typeface="Calibri"/>
-            </a:endParaRPr>
-          </a:p>
-          <a:p>
-            <a:pPr marL="228600" indent="-228600">
-              <a:lnSpc>
-                <a:spcPct val="90000"/>
-              </a:lnSpc>
-              <a:spcBef>
-                <a:spcPts val="1001"/>
-              </a:spcBef>
-              <a:buClr>
-                <a:srgbClr val="000000"/>
-              </a:buClr>
-              <a:buFont typeface="Arial"/>
-              <a:buChar char="•"/>
-              <a:tabLst>
-                <a:tab pos="0" algn="l"/>
-              </a:tabLst>
-            </a:pPr>
-            <a:r>
-              <a:rPr lang="es-AR" sz="2000" b="1" strike="noStrike" spc="-1" dirty="0">
-                <a:solidFill>
-                  <a:srgbClr val="000000"/>
-                </a:solidFill>
-                <a:latin typeface="Times New Roman"/>
+                <a:ea typeface="DejaVu Sans"/>
               </a:rPr>
               <a:t>Reemplazo</a:t>
             </a:r>
@@ -8810,7 +10815,7 @@
               <a:solidFill>
                 <a:srgbClr val="000000"/>
               </a:solidFill>
-              <a:latin typeface="Calibri"/>
+              <a:latin typeface="Arial"/>
             </a:endParaRPr>
           </a:p>
         </p:txBody>
@@ -8842,43 +10847,30 @@
       </p:grpSpPr>
       <p:pic>
         <p:nvPicPr>
-          <p:cNvPr id="5" name="Imagen 4">
-            <a:extLst>
-              <a:ext uri="{FF2B5EF4-FFF2-40B4-BE49-F238E27FC236}">
-                <a16:creationId xmlns:a16="http://schemas.microsoft.com/office/drawing/2014/main" id="{2CCCC7CE-BC55-4E5B-D5A8-4635C288193C}"/>
-              </a:ext>
-            </a:extLst>
-          </p:cNvPr>
-          <p:cNvPicPr>
-            <a:picLocks noChangeAspect="1"/>
-          </p:cNvPicPr>
+          <p:cNvPr id="138" name="Imagen 4"/>
+          <p:cNvPicPr/>
           <p:nvPr/>
         </p:nvPicPr>
         <p:blipFill>
           <a:blip r:embed="rId2"/>
-          <a:stretch>
-            <a:fillRect/>
-          </a:stretch>
+          <a:stretch/>
         </p:blipFill>
         <p:spPr>
           <a:xfrm>
-            <a:off x="2484645" y="1409920"/>
-            <a:ext cx="7222710" cy="4993988"/>
-          </a:xfrm>
-          <a:prstGeom prst="rect">
-            <a:avLst/>
-          </a:prstGeom>
+            <a:off x="2484720" y="1409760"/>
+            <a:ext cx="7222320" cy="4993560"/>
+          </a:xfrm>
+          <a:prstGeom prst="rect">
+            <a:avLst/>
+          </a:prstGeom>
+          <a:ln w="0">
+            <a:noFill/>
+          </a:ln>
         </p:spPr>
       </p:pic>
       <p:sp>
         <p:nvSpPr>
-          <p:cNvPr id="7" name="PlaceHolder 1">
-            <a:extLst>
-              <a:ext uri="{FF2B5EF4-FFF2-40B4-BE49-F238E27FC236}">
-                <a16:creationId xmlns:a16="http://schemas.microsoft.com/office/drawing/2014/main" id="{3CB411BD-9B5D-65CE-29E8-7EF635B1E599}"/>
-              </a:ext>
-            </a:extLst>
-          </p:cNvPr>
+          <p:cNvPr id="139" name="PlaceHolder 1"/>
           <p:cNvSpPr>
             <a:spLocks noGrp="1"/>
           </p:cNvSpPr>
@@ -8888,20 +10880,20 @@
         </p:nvSpPr>
         <p:spPr>
           <a:xfrm>
-            <a:off x="2867200" y="547398"/>
-            <a:ext cx="10515240" cy="655560"/>
-          </a:xfrm>
-          <a:prstGeom prst="rect">
-            <a:avLst/>
-          </a:prstGeom>
-          <a:noFill/>
-          <a:ln w="0">
-            <a:noFill/>
-          </a:ln>
-        </p:spPr>
-        <p:txBody>
-          <a:bodyPr anchor="ctr">
-            <a:normAutofit fontScale="93000"/>
+            <a:off x="2867040" y="547560"/>
+            <a:ext cx="10514880" cy="655200"/>
+          </a:xfrm>
+          <a:prstGeom prst="rect">
+            <a:avLst/>
+          </a:prstGeom>
+          <a:noFill/>
+          <a:ln w="0">
+            <a:noFill/>
+          </a:ln>
+        </p:spPr>
+        <p:txBody>
+          <a:bodyPr lIns="0" tIns="0" rIns="0" bIns="0" anchor="ctr">
+            <a:normAutofit/>
           </a:bodyPr>
           <a:lstStyle/>
           <a:p>
@@ -8911,29 +10903,25 @@
               </a:lnSpc>
             </a:pPr>
             <a:r>
-              <a:rPr lang="es-AR" sz="4400" b="0" strike="noStrike" spc="-1" dirty="0">
+              <a:rPr lang="es-AR" sz="4400" b="0" strike="noStrike" spc="-1">
                 <a:solidFill>
                   <a:srgbClr val="000000"/>
                 </a:solidFill>
                 <a:latin typeface="Times New Roman"/>
+                <a:ea typeface="DejaVu Sans"/>
               </a:rPr>
               <a:t>Individuo de la población</a:t>
             </a:r>
-            <a:endParaRPr lang="es-AR" sz="4400" b="0" strike="noStrike" spc="-1" dirty="0">
-              <a:solidFill>
-                <a:srgbClr val="000000"/>
-              </a:solidFill>
-              <a:latin typeface="Calibri"/>
+            <a:endParaRPr lang="es-AR" sz="4400" b="0" strike="noStrike" spc="-1">
+              <a:solidFill>
+                <a:srgbClr val="000000"/>
+              </a:solidFill>
+              <a:latin typeface="Arial"/>
             </a:endParaRPr>
           </a:p>
         </p:txBody>
       </p:sp>
     </p:spTree>
-    <p:extLst>
-      <p:ext uri="{BB962C8B-B14F-4D97-AF65-F5344CB8AC3E}">
-        <p14:creationId xmlns:p14="http://schemas.microsoft.com/office/powerpoint/2010/main" val="1382985680"/>
-      </p:ext>
-    </p:extLst>
   </p:cSld>
   <p:clrMapOvr>
     <a:masterClrMapping/>
@@ -8960,7 +10948,7 @@
       </p:grpSpPr>
       <p:sp>
         <p:nvSpPr>
-          <p:cNvPr id="107" name="PlaceHolder 1"/>
+          <p:cNvPr id="140" name="PlaceHolder 1"/>
           <p:cNvSpPr>
             <a:spLocks noGrp="1"/>
           </p:cNvSpPr>
@@ -8971,18 +10959,18 @@
         <p:spPr>
           <a:xfrm>
             <a:off x="838080" y="365040"/>
-            <a:ext cx="10515240" cy="1325160"/>
-          </a:xfrm>
-          <a:prstGeom prst="rect">
-            <a:avLst/>
-          </a:prstGeom>
-          <a:noFill/>
-          <a:ln w="0">
-            <a:noFill/>
-          </a:ln>
-        </p:spPr>
-        <p:txBody>
-          <a:bodyPr anchor="ctr">
+            <a:ext cx="10514880" cy="1324800"/>
+          </a:xfrm>
+          <a:prstGeom prst="rect">
+            <a:avLst/>
+          </a:prstGeom>
+          <a:noFill/>
+          <a:ln w="0">
+            <a:noFill/>
+          </a:ln>
+        </p:spPr>
+        <p:txBody>
+          <a:bodyPr lIns="90000" tIns="45000" rIns="90000" bIns="45000" anchor="ctr">
             <a:noAutofit/>
           </a:bodyPr>
           <a:lstStyle/>
@@ -8998,6 +10986,7 @@
                   <a:srgbClr val="000000"/>
                 </a:solidFill>
                 <a:latin typeface="Times New Roman"/>
+                <a:ea typeface="DejaVu Sans"/>
               </a:rPr>
               <a:t>3. Diseño Experimental</a:t>
             </a:r>
@@ -9006,14 +10995,14 @@
               <a:solidFill>
                 <a:srgbClr val="000000"/>
               </a:solidFill>
-              <a:latin typeface="Calibri"/>
-            </a:endParaRPr>
-          </a:p>
-        </p:txBody>
-      </p:sp>
-      <p:sp>
-        <p:nvSpPr>
-          <p:cNvPr id="108" name="PlaceHolder 2"/>
+              <a:latin typeface="Arial"/>
+            </a:endParaRPr>
+          </a:p>
+        </p:txBody>
+      </p:sp>
+      <p:sp>
+        <p:nvSpPr>
+          <p:cNvPr id="141" name="PlaceHolder 2"/>
           <p:cNvSpPr>
             <a:spLocks noGrp="1"/>
           </p:cNvSpPr>
@@ -9023,19 +11012,19 @@
         </p:nvSpPr>
         <p:spPr>
           <a:xfrm>
-            <a:off x="838080" y="1483105"/>
-            <a:ext cx="10515240" cy="3518104"/>
-          </a:xfrm>
-          <a:prstGeom prst="rect">
-            <a:avLst/>
-          </a:prstGeom>
-          <a:noFill/>
-          <a:ln w="0">
-            <a:noFill/>
-          </a:ln>
-        </p:spPr>
-        <p:txBody>
-          <a:bodyPr anchor="t">
+            <a:off x="838080" y="1483200"/>
+            <a:ext cx="10514880" cy="3517920"/>
+          </a:xfrm>
+          <a:prstGeom prst="rect">
+            <a:avLst/>
+          </a:prstGeom>
+          <a:noFill/>
+          <a:ln w="0">
+            <a:noFill/>
+          </a:ln>
+        </p:spPr>
+        <p:txBody>
+          <a:bodyPr lIns="90000" tIns="45000" rIns="90000" bIns="45000" anchor="t">
             <a:normAutofit/>
           </a:bodyPr>
           <a:lstStyle/>
@@ -9054,19 +11043,20 @@
               <a:buChar char="•"/>
             </a:pPr>
             <a:r>
-              <a:rPr lang="es-AR" sz="2300" b="0" strike="noStrike" spc="-1" dirty="0">
+              <a:rPr lang="es-AR" sz="2300" b="0" strike="noStrike" spc="-1">
                 <a:solidFill>
                   <a:srgbClr val="000000"/>
                 </a:solidFill>
                 <a:latin typeface="Times New Roman"/>
+                <a:ea typeface="DejaVu Sans"/>
               </a:rPr>
               <a:t>La prueba consiste en varios escenarios y una competencia entre el algoritmo propuesto y un algoritmo que solo realizara búsquedas aleatorias. </a:t>
             </a:r>
-            <a:endParaRPr lang="es-AR" sz="2300" b="0" strike="noStrike" spc="-1" dirty="0">
-              <a:solidFill>
-                <a:srgbClr val="000000"/>
-              </a:solidFill>
-              <a:latin typeface="Calibri"/>
+            <a:endParaRPr lang="es-AR" sz="2300" b="0" strike="noStrike" spc="-1">
+              <a:solidFill>
+                <a:srgbClr val="000000"/>
+              </a:solidFill>
+              <a:latin typeface="Arial"/>
             </a:endParaRPr>
           </a:p>
           <a:p>
@@ -9084,19 +11074,20 @@
               <a:buChar char="•"/>
             </a:pPr>
             <a:r>
-              <a:rPr lang="es-AR" sz="2300" b="0" strike="noStrike" spc="-1" dirty="0">
+              <a:rPr lang="es-AR" sz="2300" b="0" strike="noStrike" spc="-1">
                 <a:solidFill>
                   <a:srgbClr val="000000"/>
                 </a:solidFill>
                 <a:latin typeface="Times New Roman"/>
+                <a:ea typeface="DejaVu Sans"/>
               </a:rPr>
               <a:t>Definimos 3 escenarios, un escenario con contenedor (50 x 50), uno de (100 x 100) y un escenario con un contenedor de (250 x 250), con 30 conjuntos de cajas a ordenar, </a:t>
             </a:r>
-            <a:endParaRPr lang="es-AR" sz="2300" b="0" strike="noStrike" spc="-1" dirty="0">
-              <a:solidFill>
-                <a:srgbClr val="000000"/>
-              </a:solidFill>
-              <a:latin typeface="Calibri"/>
+            <a:endParaRPr lang="es-AR" sz="2300" b="0" strike="noStrike" spc="-1">
+              <a:solidFill>
+                <a:srgbClr val="000000"/>
+              </a:solidFill>
+              <a:latin typeface="Arial"/>
             </a:endParaRPr>
           </a:p>
           <a:p>
@@ -9114,19 +11105,20 @@
               <a:buChar char="•"/>
             </a:pPr>
             <a:r>
-              <a:rPr lang="es-AR" sz="2300" b="0" strike="noStrike" spc="-1" dirty="0">
+              <a:rPr lang="es-AR" sz="2300" b="0" strike="noStrike" spc="-1">
                 <a:solidFill>
                   <a:srgbClr val="000000"/>
                 </a:solidFill>
                 <a:latin typeface="Times New Roman"/>
+                <a:ea typeface="DejaVu Sans"/>
               </a:rPr>
               <a:t>Para las pruebas que realizaremos proponemos los siguientes parámetros , altura de los arboles guillotina 3, Cantidad de Individuos 125 y Cantidad de ciclos 50. </a:t>
             </a:r>
-            <a:endParaRPr lang="es-AR" sz="2300" b="0" strike="noStrike" spc="-1" dirty="0">
-              <a:solidFill>
-                <a:srgbClr val="000000"/>
-              </a:solidFill>
-              <a:latin typeface="Calibri"/>
+            <a:endParaRPr lang="es-AR" sz="2300" b="0" strike="noStrike" spc="-1">
+              <a:solidFill>
+                <a:srgbClr val="000000"/>
+              </a:solidFill>
+              <a:latin typeface="Arial"/>
             </a:endParaRPr>
           </a:p>
           <a:p>
@@ -9144,19 +11136,20 @@
               <a:buChar char="•"/>
             </a:pPr>
             <a:r>
-              <a:rPr lang="es-AR" sz="2300" b="0" strike="noStrike" spc="-1" dirty="0">
+              <a:rPr lang="es-AR" sz="2300" b="0" strike="noStrike" spc="-1">
                 <a:solidFill>
                   <a:srgbClr val="000000"/>
                 </a:solidFill>
                 <a:latin typeface="Times New Roman"/>
+                <a:ea typeface="DejaVu Sans"/>
               </a:rPr>
               <a:t>El algoritmo adversario con el que pondremos a competir al algoritmo propuesto, es uno que no cuenta con el AG, sino que en su lugar contara con una búsqueda aleatoria.</a:t>
             </a:r>
-            <a:endParaRPr lang="es-AR" sz="2300" b="0" strike="noStrike" spc="-1" dirty="0">
-              <a:solidFill>
-                <a:srgbClr val="000000"/>
-              </a:solidFill>
-              <a:latin typeface="Calibri"/>
+            <a:endParaRPr lang="es-AR" sz="2300" b="0" strike="noStrike" spc="-1">
+              <a:solidFill>
+                <a:srgbClr val="000000"/>
+              </a:solidFill>
+              <a:latin typeface="Arial"/>
             </a:endParaRPr>
           </a:p>
           <a:p>
@@ -9168,11 +11161,11 @@
                 <a:spcPts val="1001"/>
               </a:spcBef>
             </a:pPr>
-            <a:endParaRPr lang="es-AR" sz="2300" b="0" strike="noStrike" spc="-1" dirty="0">
-              <a:solidFill>
-                <a:srgbClr val="000000"/>
-              </a:solidFill>
-              <a:latin typeface="Calibri"/>
+            <a:endParaRPr lang="es-AR" sz="2300" b="0" strike="noStrike" spc="-1">
+              <a:solidFill>
+                <a:srgbClr val="000000"/>
+              </a:solidFill>
+              <a:latin typeface="Arial"/>
             </a:endParaRPr>
           </a:p>
         </p:txBody>
@@ -9867,4 +11860,232 @@
   <a:objectDefaults/>
   <a:extraClrSchemeLst/>
 </a:theme>
+</file>
+
+<file path=ppt/theme/theme4.xml><?xml version="1.0" encoding="utf-8"?>
+<a:theme xmlns:a="http://schemas.openxmlformats.org/drawingml/2006/main" name="Office Theme">
+  <a:themeElements>
+    <a:clrScheme name="Office">
+      <a:dk1>
+        <a:sysClr val="windowText" lastClr="000000"/>
+      </a:dk1>
+      <a:lt1>
+        <a:sysClr val="window" lastClr="FFFFFF"/>
+      </a:lt1>
+      <a:dk2>
+        <a:srgbClr val="44546A"/>
+      </a:dk2>
+      <a:lt2>
+        <a:srgbClr val="E7E6E6"/>
+      </a:lt2>
+      <a:accent1>
+        <a:srgbClr val="4472C4"/>
+      </a:accent1>
+      <a:accent2>
+        <a:srgbClr val="ED7D31"/>
+      </a:accent2>
+      <a:accent3>
+        <a:srgbClr val="A5A5A5"/>
+      </a:accent3>
+      <a:accent4>
+        <a:srgbClr val="FFC000"/>
+      </a:accent4>
+      <a:accent5>
+        <a:srgbClr val="5B9BD5"/>
+      </a:accent5>
+      <a:accent6>
+        <a:srgbClr val="70AD47"/>
+      </a:accent6>
+      <a:hlink>
+        <a:srgbClr val="0563C1"/>
+      </a:hlink>
+      <a:folHlink>
+        <a:srgbClr val="954F72"/>
+      </a:folHlink>
+    </a:clrScheme>
+    <a:fontScheme name="Office">
+      <a:majorFont>
+        <a:latin typeface="Arial"/>
+        <a:ea typeface="DejaVu Sans"/>
+        <a:cs typeface="DejaVu Sans"/>
+      </a:majorFont>
+      <a:minorFont>
+        <a:latin typeface="Arial"/>
+        <a:ea typeface="DejaVu Sans"/>
+        <a:cs typeface="DejaVu Sans"/>
+      </a:minorFont>
+    </a:fontScheme>
+    <a:fmtScheme name="Office">
+      <a:fillStyleLst>
+        <a:solidFill>
+          <a:schemeClr val="phClr"/>
+        </a:solidFill>
+        <a:gradFill rotWithShape="1">
+          <a:gsLst>
+            <a:gs pos="0">
+              <a:schemeClr val="phClr">
+                <a:tint val="50000"/>
+                <a:satMod val="300000"/>
+              </a:schemeClr>
+            </a:gs>
+            <a:gs pos="35000">
+              <a:schemeClr val="phClr">
+                <a:tint val="37000"/>
+                <a:satMod val="300000"/>
+              </a:schemeClr>
+            </a:gs>
+            <a:gs pos="100000">
+              <a:schemeClr val="phClr">
+                <a:tint val="15000"/>
+                <a:satMod val="350000"/>
+              </a:schemeClr>
+            </a:gs>
+          </a:gsLst>
+          <a:lin ang="16200000" scaled="1"/>
+        </a:gradFill>
+        <a:gradFill rotWithShape="1">
+          <a:gsLst>
+            <a:gs pos="0">
+              <a:schemeClr val="phClr">
+                <a:shade val="51000"/>
+                <a:satMod val="130000"/>
+              </a:schemeClr>
+            </a:gs>
+            <a:gs pos="80000">
+              <a:schemeClr val="phClr">
+                <a:shade val="93000"/>
+                <a:satMod val="130000"/>
+              </a:schemeClr>
+            </a:gs>
+            <a:gs pos="100000">
+              <a:schemeClr val="phClr">
+                <a:shade val="94000"/>
+                <a:satMod val="135000"/>
+              </a:schemeClr>
+            </a:gs>
+          </a:gsLst>
+          <a:lin ang="16200000" scaled="0"/>
+        </a:gradFill>
+      </a:fillStyleLst>
+      <a:lnStyleLst>
+        <a:ln w="9525" cap="flat" cmpd="sng" algn="ctr">
+          <a:solidFill>
+            <a:schemeClr val="phClr">
+              <a:shade val="95000"/>
+              <a:satMod val="105000"/>
+            </a:schemeClr>
+          </a:solidFill>
+          <a:prstDash val="solid"/>
+          <a:miter/>
+        </a:ln>
+        <a:ln w="25400" cap="flat" cmpd="sng" algn="ctr">
+          <a:solidFill>
+            <a:schemeClr val="phClr"/>
+          </a:solidFill>
+          <a:prstDash val="solid"/>
+          <a:miter/>
+        </a:ln>
+        <a:ln w="38100" cap="flat" cmpd="sng" algn="ctr">
+          <a:solidFill>
+            <a:schemeClr val="phClr"/>
+          </a:solidFill>
+          <a:prstDash val="solid"/>
+          <a:miter/>
+        </a:ln>
+      </a:lnStyleLst>
+      <a:effectStyleLst>
+        <a:effectStyle>
+          <a:effectLst>
+            <a:outerShdw blurRad="40000" dist="20000" dir="5400000" rotWithShape="0">
+              <a:srgbClr val="000000">
+                <a:alpha val="38000"/>
+              </a:srgbClr>
+            </a:outerShdw>
+          </a:effectLst>
+        </a:effectStyle>
+        <a:effectStyle>
+          <a:effectLst>
+            <a:outerShdw blurRad="40000" dist="23000" dir="5400000" rotWithShape="0">
+              <a:srgbClr val="000000">
+                <a:alpha val="35000"/>
+              </a:srgbClr>
+            </a:outerShdw>
+          </a:effectLst>
+        </a:effectStyle>
+        <a:effectStyle>
+          <a:effectLst>
+            <a:outerShdw blurRad="40000" dist="23000" dir="5400000" rotWithShape="0">
+              <a:srgbClr val="000000">
+                <a:alpha val="35000"/>
+              </a:srgbClr>
+            </a:outerShdw>
+          </a:effectLst>
+          <a:scene3d>
+            <a:camera prst="orthographicFront">
+              <a:rot lat="0" lon="0" rev="0"/>
+            </a:camera>
+            <a:lightRig rig="threePt" dir="t">
+              <a:rot lat="0" lon="0" rev="1200000"/>
+            </a:lightRig>
+          </a:scene3d>
+          <a:sp3d>
+            <a:bevelT w="63500" h="25400"/>
+          </a:sp3d>
+        </a:effectStyle>
+      </a:effectStyleLst>
+      <a:bgFillStyleLst>
+        <a:solidFill>
+          <a:schemeClr val="phClr"/>
+        </a:solidFill>
+        <a:gradFill rotWithShape="1">
+          <a:gsLst>
+            <a:gs pos="0">
+              <a:schemeClr val="phClr">
+                <a:tint val="40000"/>
+                <a:satMod val="350000"/>
+              </a:schemeClr>
+            </a:gs>
+            <a:gs pos="40000">
+              <a:schemeClr val="phClr">
+                <a:tint val="45000"/>
+                <a:shade val="99000"/>
+                <a:satMod val="350000"/>
+              </a:schemeClr>
+            </a:gs>
+            <a:gs pos="100000">
+              <a:schemeClr val="phClr">
+                <a:shade val="20000"/>
+                <a:satMod val="255000"/>
+              </a:schemeClr>
+            </a:gs>
+          </a:gsLst>
+          <a:path path="circle">
+            <a:fillToRect l="50000" t="-80000" r="50000" b="180000"/>
+          </a:path>
+        </a:gradFill>
+        <a:gradFill rotWithShape="1">
+          <a:gsLst>
+            <a:gs pos="0">
+              <a:schemeClr val="phClr">
+                <a:tint val="80000"/>
+                <a:satMod val="300000"/>
+              </a:schemeClr>
+            </a:gs>
+            <a:gs pos="100000">
+              <a:schemeClr val="phClr">
+                <a:shade val="30000"/>
+                <a:satMod val="200000"/>
+              </a:schemeClr>
+            </a:gs>
+          </a:gsLst>
+          <a:path path="circle">
+            <a:fillToRect l="50000" t="50000" r="50000" b="50000"/>
+          </a:path>
+        </a:gradFill>
+      </a:bgFillStyleLst>
+    </a:fmtScheme>
+  </a:themeElements>
+  <a:objectDefaults/>
+  <a:extraClrSchemeLst/>
+</a:theme>
 </file>